--- a/Slides/3_Aritmetica_del_computador.pptx
+++ b/Slides/3_Aritmetica_del_computador.pptx
@@ -5,7 +5,7 @@
     <p:sldMasterId id="2147483672" r:id="rId1"/>
   </p:sldMasterIdLst>
   <p:notesMasterIdLst>
-    <p:notesMasterId r:id="rId24"/>
+    <p:notesMasterId r:id="rId25"/>
   </p:notesMasterIdLst>
   <p:sldIdLst>
     <p:sldId id="257" r:id="rId2"/>
@@ -15,21 +15,22 @@
     <p:sldId id="441" r:id="rId6"/>
     <p:sldId id="442" r:id="rId7"/>
     <p:sldId id="443" r:id="rId8"/>
-    <p:sldId id="384" r:id="rId9"/>
-    <p:sldId id="385" r:id="rId10"/>
-    <p:sldId id="388" r:id="rId11"/>
-    <p:sldId id="440" r:id="rId12"/>
-    <p:sldId id="401" r:id="rId13"/>
-    <p:sldId id="406" r:id="rId14"/>
-    <p:sldId id="407" r:id="rId15"/>
-    <p:sldId id="408" r:id="rId16"/>
-    <p:sldId id="411" r:id="rId17"/>
-    <p:sldId id="412" r:id="rId18"/>
-    <p:sldId id="416" r:id="rId19"/>
-    <p:sldId id="417" r:id="rId20"/>
-    <p:sldId id="422" r:id="rId21"/>
-    <p:sldId id="358" r:id="rId22"/>
-    <p:sldId id="359" r:id="rId23"/>
+    <p:sldId id="444" r:id="rId9"/>
+    <p:sldId id="384" r:id="rId10"/>
+    <p:sldId id="385" r:id="rId11"/>
+    <p:sldId id="388" r:id="rId12"/>
+    <p:sldId id="440" r:id="rId13"/>
+    <p:sldId id="401" r:id="rId14"/>
+    <p:sldId id="406" r:id="rId15"/>
+    <p:sldId id="407" r:id="rId16"/>
+    <p:sldId id="408" r:id="rId17"/>
+    <p:sldId id="411" r:id="rId18"/>
+    <p:sldId id="412" r:id="rId19"/>
+    <p:sldId id="416" r:id="rId20"/>
+    <p:sldId id="417" r:id="rId21"/>
+    <p:sldId id="422" r:id="rId22"/>
+    <p:sldId id="358" r:id="rId23"/>
+    <p:sldId id="359" r:id="rId24"/>
   </p:sldIdLst>
   <p:sldSz cx="13817600" cy="7772400"/>
   <p:notesSz cx="6858000" cy="9144000"/>
@@ -147,8 +148,141 @@
 </p:presentation>
 </file>
 
-<file path=ppt/revisionInfo.xml><?xml version="1.0" encoding="utf-8"?>
-<p1510:revInfo xmlns:a="http://schemas.openxmlformats.org/drawingml/2006/main" xmlns:r="http://schemas.openxmlformats.org/officeDocument/2006/relationships" xmlns:p1510="http://schemas.microsoft.com/office/powerpoint/2015/10/main"/>
+<file path=ppt/changesInfos/changesInfo1.xml><?xml version="1.0" encoding="utf-8"?>
+<pc:chgInfo xmlns:a="http://schemas.openxmlformats.org/drawingml/2006/main" xmlns:r="http://schemas.openxmlformats.org/officeDocument/2006/relationships" xmlns:ac="http://schemas.microsoft.com/office/drawing/2013/main/command" xmlns:pc="http://schemas.microsoft.com/office/powerpoint/2013/main/command">
+  <pc:docChgLst>
+    <pc:chgData name="Cesar Augusto Lopez Gallego" userId="0dfa9112-9251-4882-b472-cf2dfcee09d1" providerId="ADAL" clId="{7555F657-D3C0-4200-86C9-4E788E09563A}"/>
+    <pc:docChg chg="custSel addSld modSld">
+      <pc:chgData name="Cesar Augusto Lopez Gallego" userId="0dfa9112-9251-4882-b472-cf2dfcee09d1" providerId="ADAL" clId="{7555F657-D3C0-4200-86C9-4E788E09563A}" dt="2025-07-21T23:51:07.308" v="224" actId="20577"/>
+      <pc:docMkLst>
+        <pc:docMk/>
+      </pc:docMkLst>
+      <pc:sldChg chg="modSp mod">
+        <pc:chgData name="Cesar Augusto Lopez Gallego" userId="0dfa9112-9251-4882-b472-cf2dfcee09d1" providerId="ADAL" clId="{7555F657-D3C0-4200-86C9-4E788E09563A}" dt="2025-07-21T14:17:32.986" v="72" actId="113"/>
+        <pc:sldMkLst>
+          <pc:docMk/>
+          <pc:sldMk cId="802196480" sldId="379"/>
+        </pc:sldMkLst>
+        <pc:spChg chg="mod">
+          <ac:chgData name="Cesar Augusto Lopez Gallego" userId="0dfa9112-9251-4882-b472-cf2dfcee09d1" providerId="ADAL" clId="{7555F657-D3C0-4200-86C9-4E788E09563A}" dt="2025-07-21T14:17:32.986" v="72" actId="113"/>
+          <ac:spMkLst>
+            <pc:docMk/>
+            <pc:sldMk cId="802196480" sldId="379"/>
+            <ac:spMk id="3" creationId="{00000000-0000-0000-0000-000000000000}"/>
+          </ac:spMkLst>
+        </pc:spChg>
+      </pc:sldChg>
+      <pc:sldChg chg="addSp mod">
+        <pc:chgData name="Cesar Augusto Lopez Gallego" userId="0dfa9112-9251-4882-b472-cf2dfcee09d1" providerId="ADAL" clId="{7555F657-D3C0-4200-86C9-4E788E09563A}" dt="2025-07-21T15:07:27.214" v="73" actId="11529"/>
+        <pc:sldMkLst>
+          <pc:docMk/>
+          <pc:sldMk cId="2856087148" sldId="385"/>
+        </pc:sldMkLst>
+        <pc:cxnChg chg="add">
+          <ac:chgData name="Cesar Augusto Lopez Gallego" userId="0dfa9112-9251-4882-b472-cf2dfcee09d1" providerId="ADAL" clId="{7555F657-D3C0-4200-86C9-4E788E09563A}" dt="2025-07-21T15:07:27.214" v="73" actId="11529"/>
+          <ac:cxnSpMkLst>
+            <pc:docMk/>
+            <pc:sldMk cId="2856087148" sldId="385"/>
+            <ac:cxnSpMk id="10" creationId="{DB39B00E-AF7E-4650-B0EF-59F9EF0E1CD7}"/>
+          </ac:cxnSpMkLst>
+        </pc:cxnChg>
+      </pc:sldChg>
+      <pc:sldChg chg="addSp mod">
+        <pc:chgData name="Cesar Augusto Lopez Gallego" userId="0dfa9112-9251-4882-b472-cf2dfcee09d1" providerId="ADAL" clId="{7555F657-D3C0-4200-86C9-4E788E09563A}" dt="2025-07-21T15:08:03.482" v="76" actId="11529"/>
+        <pc:sldMkLst>
+          <pc:docMk/>
+          <pc:sldMk cId="1590220192" sldId="388"/>
+        </pc:sldMkLst>
+        <pc:cxnChg chg="add">
+          <ac:chgData name="Cesar Augusto Lopez Gallego" userId="0dfa9112-9251-4882-b472-cf2dfcee09d1" providerId="ADAL" clId="{7555F657-D3C0-4200-86C9-4E788E09563A}" dt="2025-07-21T15:07:49.343" v="74" actId="11529"/>
+          <ac:cxnSpMkLst>
+            <pc:docMk/>
+            <pc:sldMk cId="1590220192" sldId="388"/>
+            <ac:cxnSpMk id="7" creationId="{6ABF0648-F04F-4D77-8318-CE1D7A1B3B7E}"/>
+          </ac:cxnSpMkLst>
+        </pc:cxnChg>
+        <pc:cxnChg chg="add">
+          <ac:chgData name="Cesar Augusto Lopez Gallego" userId="0dfa9112-9251-4882-b472-cf2dfcee09d1" providerId="ADAL" clId="{7555F657-D3C0-4200-86C9-4E788E09563A}" dt="2025-07-21T15:07:57.395" v="75" actId="11529"/>
+          <ac:cxnSpMkLst>
+            <pc:docMk/>
+            <pc:sldMk cId="1590220192" sldId="388"/>
+            <ac:cxnSpMk id="11" creationId="{3AE85730-35DF-4462-9F66-90FD51873693}"/>
+          </ac:cxnSpMkLst>
+        </pc:cxnChg>
+        <pc:cxnChg chg="add">
+          <ac:chgData name="Cesar Augusto Lopez Gallego" userId="0dfa9112-9251-4882-b472-cf2dfcee09d1" providerId="ADAL" clId="{7555F657-D3C0-4200-86C9-4E788E09563A}" dt="2025-07-21T15:08:03.482" v="76" actId="11529"/>
+          <ac:cxnSpMkLst>
+            <pc:docMk/>
+            <pc:sldMk cId="1590220192" sldId="388"/>
+            <ac:cxnSpMk id="13" creationId="{FCA94317-AED8-4E27-9C0F-DC6FFCA57D0E}"/>
+          </ac:cxnSpMkLst>
+        </pc:cxnChg>
+      </pc:sldChg>
+      <pc:sldChg chg="modSp mod">
+        <pc:chgData name="Cesar Augusto Lopez Gallego" userId="0dfa9112-9251-4882-b472-cf2dfcee09d1" providerId="ADAL" clId="{7555F657-D3C0-4200-86C9-4E788E09563A}" dt="2025-07-21T13:51:55.478" v="48"/>
+        <pc:sldMkLst>
+          <pc:docMk/>
+          <pc:sldMk cId="331608900" sldId="443"/>
+        </pc:sldMkLst>
+        <pc:spChg chg="mod">
+          <ac:chgData name="Cesar Augusto Lopez Gallego" userId="0dfa9112-9251-4882-b472-cf2dfcee09d1" providerId="ADAL" clId="{7555F657-D3C0-4200-86C9-4E788E09563A}" dt="2025-07-21T13:51:55.478" v="48"/>
+          <ac:spMkLst>
+            <pc:docMk/>
+            <pc:sldMk cId="331608900" sldId="443"/>
+            <ac:spMk id="5" creationId="{72A311E8-C6E5-442D-86CE-59F6407F3077}"/>
+          </ac:spMkLst>
+        </pc:spChg>
+      </pc:sldChg>
+      <pc:sldChg chg="addSp delSp modSp new mod modClrScheme chgLayout">
+        <pc:chgData name="Cesar Augusto Lopez Gallego" userId="0dfa9112-9251-4882-b472-cf2dfcee09d1" providerId="ADAL" clId="{7555F657-D3C0-4200-86C9-4E788E09563A}" dt="2025-07-21T23:51:07.308" v="224" actId="20577"/>
+        <pc:sldMkLst>
+          <pc:docMk/>
+          <pc:sldMk cId="4153692827" sldId="444"/>
+        </pc:sldMkLst>
+        <pc:spChg chg="del mod ord">
+          <ac:chgData name="Cesar Augusto Lopez Gallego" userId="0dfa9112-9251-4882-b472-cf2dfcee09d1" providerId="ADAL" clId="{7555F657-D3C0-4200-86C9-4E788E09563A}" dt="2025-07-21T23:47:11.857" v="78" actId="700"/>
+          <ac:spMkLst>
+            <pc:docMk/>
+            <pc:sldMk cId="4153692827" sldId="444"/>
+            <ac:spMk id="2" creationId="{D634E2A4-28FC-4520-AED1-19B080B991A0}"/>
+          </ac:spMkLst>
+        </pc:spChg>
+        <pc:spChg chg="del mod ord">
+          <ac:chgData name="Cesar Augusto Lopez Gallego" userId="0dfa9112-9251-4882-b472-cf2dfcee09d1" providerId="ADAL" clId="{7555F657-D3C0-4200-86C9-4E788E09563A}" dt="2025-07-21T23:47:11.857" v="78" actId="700"/>
+          <ac:spMkLst>
+            <pc:docMk/>
+            <pc:sldMk cId="4153692827" sldId="444"/>
+            <ac:spMk id="3" creationId="{B8253C13-2475-4F48-BCE6-4325E7DBE583}"/>
+          </ac:spMkLst>
+        </pc:spChg>
+        <pc:spChg chg="del">
+          <ac:chgData name="Cesar Augusto Lopez Gallego" userId="0dfa9112-9251-4882-b472-cf2dfcee09d1" providerId="ADAL" clId="{7555F657-D3C0-4200-86C9-4E788E09563A}" dt="2025-07-21T23:47:11.857" v="78" actId="700"/>
+          <ac:spMkLst>
+            <pc:docMk/>
+            <pc:sldMk cId="4153692827" sldId="444"/>
+            <ac:spMk id="4" creationId="{4CF73B40-C850-426E-8EF2-C44169D1E3E9}"/>
+          </ac:spMkLst>
+        </pc:spChg>
+        <pc:spChg chg="add mod ord">
+          <ac:chgData name="Cesar Augusto Lopez Gallego" userId="0dfa9112-9251-4882-b472-cf2dfcee09d1" providerId="ADAL" clId="{7555F657-D3C0-4200-86C9-4E788E09563A}" dt="2025-07-21T23:47:23.980" v="107" actId="20577"/>
+          <ac:spMkLst>
+            <pc:docMk/>
+            <pc:sldMk cId="4153692827" sldId="444"/>
+            <ac:spMk id="5" creationId="{B504777B-EE08-4A9B-8C8A-186BC679F530}"/>
+          </ac:spMkLst>
+        </pc:spChg>
+        <pc:spChg chg="add mod ord">
+          <ac:chgData name="Cesar Augusto Lopez Gallego" userId="0dfa9112-9251-4882-b472-cf2dfcee09d1" providerId="ADAL" clId="{7555F657-D3C0-4200-86C9-4E788E09563A}" dt="2025-07-21T23:51:07.308" v="224" actId="20577"/>
+          <ac:spMkLst>
+            <pc:docMk/>
+            <pc:sldMk cId="4153692827" sldId="444"/>
+            <ac:spMk id="6" creationId="{EA5B2E07-992E-4DA5-A1C6-3EFCB6429826}"/>
+          </ac:spMkLst>
+        </pc:spChg>
+      </pc:sldChg>
+    </pc:docChg>
+  </pc:docChgLst>
+</pc:chgInfo>
 </file>
 
 <file path=ppt/notesMasters/notesMaster1.xml><?xml version="1.0" encoding="utf-8"?>
@@ -233,7 +367,7 @@
           <a:p>
             <a:fld id="{BDCF4082-7146-476A-B590-4447682ABE83}" type="datetimeFigureOut">
               <a:rPr lang="es-CO" smtClean="0"/>
-              <a:t>8/03/2018</a:t>
+              <a:t>21/07/2025</a:t>
             </a:fld>
             <a:endParaRPr lang="es-CO"/>
           </a:p>
@@ -586,7 +720,7 @@
             <a:fld id="{798CDE4E-CAB3-4473-ABEA-14F11963974E}" type="slidenum">
               <a:rPr lang="en-US" smtClean="0"/>
               <a:pPr/>
-              <a:t>10</a:t>
+              <a:t>11</a:t>
             </a:fld>
             <a:endParaRPr lang="en-US"/>
           </a:p>
@@ -736,7 +870,7 @@
           <a:p>
             <a:fld id="{6B86245D-015E-46AE-96CC-32E8A5E9A1DF}" type="datetimeFigureOut">
               <a:rPr lang="es-CO" smtClean="0"/>
-              <a:t>8/03/2018</a:t>
+              <a:t>21/07/2025</a:t>
             </a:fld>
             <a:endParaRPr lang="es-CO"/>
           </a:p>
@@ -906,7 +1040,7 @@
           <a:p>
             <a:fld id="{6B86245D-015E-46AE-96CC-32E8A5E9A1DF}" type="datetimeFigureOut">
               <a:rPr lang="es-CO" smtClean="0"/>
-              <a:t>8/03/2018</a:t>
+              <a:t>21/07/2025</a:t>
             </a:fld>
             <a:endParaRPr lang="es-CO"/>
           </a:p>
@@ -1086,7 +1220,7 @@
           <a:p>
             <a:fld id="{6B86245D-015E-46AE-96CC-32E8A5E9A1DF}" type="datetimeFigureOut">
               <a:rPr lang="es-CO" smtClean="0"/>
-              <a:t>8/03/2018</a:t>
+              <a:t>21/07/2025</a:t>
             </a:fld>
             <a:endParaRPr lang="es-CO"/>
           </a:p>
@@ -1256,7 +1390,7 @@
           <a:p>
             <a:fld id="{6B86245D-015E-46AE-96CC-32E8A5E9A1DF}" type="datetimeFigureOut">
               <a:rPr lang="es-CO" smtClean="0"/>
-              <a:t>8/03/2018</a:t>
+              <a:t>21/07/2025</a:t>
             </a:fld>
             <a:endParaRPr lang="es-CO"/>
           </a:p>
@@ -1502,7 +1636,7 @@
           <a:p>
             <a:fld id="{6B86245D-015E-46AE-96CC-32E8A5E9A1DF}" type="datetimeFigureOut">
               <a:rPr lang="es-CO" smtClean="0"/>
-              <a:t>8/03/2018</a:t>
+              <a:t>21/07/2025</a:t>
             </a:fld>
             <a:endParaRPr lang="es-CO"/>
           </a:p>
@@ -1734,7 +1868,7 @@
           <a:p>
             <a:fld id="{6B86245D-015E-46AE-96CC-32E8A5E9A1DF}" type="datetimeFigureOut">
               <a:rPr lang="es-CO" smtClean="0"/>
-              <a:t>8/03/2018</a:t>
+              <a:t>21/07/2025</a:t>
             </a:fld>
             <a:endParaRPr lang="es-CO"/>
           </a:p>
@@ -2101,7 +2235,7 @@
           <a:p>
             <a:fld id="{6B86245D-015E-46AE-96CC-32E8A5E9A1DF}" type="datetimeFigureOut">
               <a:rPr lang="es-CO" smtClean="0"/>
-              <a:t>8/03/2018</a:t>
+              <a:t>21/07/2025</a:t>
             </a:fld>
             <a:endParaRPr lang="es-CO"/>
           </a:p>
@@ -2219,7 +2353,7 @@
           <a:p>
             <a:fld id="{6B86245D-015E-46AE-96CC-32E8A5E9A1DF}" type="datetimeFigureOut">
               <a:rPr lang="es-CO" smtClean="0"/>
-              <a:t>8/03/2018</a:t>
+              <a:t>21/07/2025</a:t>
             </a:fld>
             <a:endParaRPr lang="es-CO"/>
           </a:p>
@@ -2314,7 +2448,7 @@
           <a:p>
             <a:fld id="{6B86245D-015E-46AE-96CC-32E8A5E9A1DF}" type="datetimeFigureOut">
               <a:rPr lang="es-CO" smtClean="0"/>
-              <a:t>8/03/2018</a:t>
+              <a:t>21/07/2025</a:t>
             </a:fld>
             <a:endParaRPr lang="es-CO"/>
           </a:p>
@@ -2591,7 +2725,7 @@
           <a:p>
             <a:fld id="{6B86245D-015E-46AE-96CC-32E8A5E9A1DF}" type="datetimeFigureOut">
               <a:rPr lang="es-CO" smtClean="0"/>
-              <a:t>8/03/2018</a:t>
+              <a:t>21/07/2025</a:t>
             </a:fld>
             <a:endParaRPr lang="es-CO"/>
           </a:p>
@@ -2848,7 +2982,7 @@
           <a:p>
             <a:fld id="{6B86245D-015E-46AE-96CC-32E8A5E9A1DF}" type="datetimeFigureOut">
               <a:rPr lang="es-CO" smtClean="0"/>
-              <a:t>8/03/2018</a:t>
+              <a:t>21/07/2025</a:t>
             </a:fld>
             <a:endParaRPr lang="es-CO"/>
           </a:p>
@@ -3070,7 +3204,7 @@
           <a:p>
             <a:fld id="{6B86245D-015E-46AE-96CC-32E8A5E9A1DF}" type="datetimeFigureOut">
               <a:rPr lang="es-CO" smtClean="0"/>
-              <a:t>8/03/2018</a:t>
+              <a:t>21/07/2025</a:t>
             </a:fld>
             <a:endParaRPr lang="es-CO"/>
           </a:p>
@@ -3503,6 +3637,485 @@
 </file>
 
 <file path=ppt/slides/slide10.xml><?xml version="1.0" encoding="utf-8"?>
+<p:sld xmlns:a="http://schemas.openxmlformats.org/drawingml/2006/main" xmlns:r="http://schemas.openxmlformats.org/officeDocument/2006/relationships" xmlns:p="http://schemas.openxmlformats.org/presentationml/2006/main">
+  <p:cSld>
+    <p:spTree>
+      <p:nvGrpSpPr>
+        <p:cNvPr id="1" name=""/>
+        <p:cNvGrpSpPr/>
+        <p:nvPr/>
+      </p:nvGrpSpPr>
+      <p:grpSpPr>
+        <a:xfrm>
+          <a:off x="0" y="0"/>
+          <a:ext cx="0" cy="0"/>
+          <a:chOff x="0" y="0"/>
+          <a:chExt cx="0" cy="0"/>
+        </a:xfrm>
+      </p:grpSpPr>
+      <p:sp>
+        <p:nvSpPr>
+          <p:cNvPr id="2" name="1 Título"/>
+          <p:cNvSpPr>
+            <a:spLocks noGrp="1"/>
+          </p:cNvSpPr>
+          <p:nvPr>
+            <p:ph type="title"/>
+          </p:nvPr>
+        </p:nvSpPr>
+        <p:spPr/>
+        <p:txBody>
+          <a:bodyPr/>
+          <a:lstStyle/>
+          <a:p>
+            <a:r>
+              <a:rPr lang="es-ES_tradnl" dirty="0"/>
+              <a:t>Aritmética con enteros</a:t>
+            </a:r>
+            <a:endParaRPr lang="en-US" dirty="0"/>
+          </a:p>
+        </p:txBody>
+      </p:sp>
+      <p:sp>
+        <p:nvSpPr>
+          <p:cNvPr id="3" name="2 Marcador de contenido"/>
+          <p:cNvSpPr>
+            <a:spLocks noGrp="1"/>
+          </p:cNvSpPr>
+          <p:nvPr>
+            <p:ph idx="1"/>
+          </p:nvPr>
+        </p:nvSpPr>
+        <p:spPr/>
+        <p:txBody>
+          <a:bodyPr>
+            <a:normAutofit/>
+          </a:bodyPr>
+          <a:lstStyle/>
+          <a:p>
+            <a:r>
+              <a:rPr lang="es-ES_tradnl" dirty="0"/>
+              <a:t>Resta</a:t>
+            </a:r>
+          </a:p>
+          <a:p>
+            <a:pPr lvl="1"/>
+            <a:r>
+              <a:rPr lang="es-ES_tradnl" dirty="0"/>
+              <a:t>Ejemplo: Efectuar 2-7. (representar en palabras de 4 bit)</a:t>
+            </a:r>
+          </a:p>
+          <a:p>
+            <a:pPr lvl="1"/>
+            <a:endParaRPr lang="es-ES_tradnl" dirty="0"/>
+          </a:p>
+          <a:p>
+            <a:pPr lvl="1"/>
+            <a:endParaRPr lang="es-ES_tradnl" dirty="0"/>
+          </a:p>
+          <a:p>
+            <a:pPr lvl="1"/>
+            <a:endParaRPr lang="es-ES_tradnl" dirty="0"/>
+          </a:p>
+          <a:p>
+            <a:pPr lvl="1"/>
+            <a:endParaRPr lang="es-ES_tradnl" dirty="0"/>
+          </a:p>
+          <a:p>
+            <a:pPr lvl="1"/>
+            <a:endParaRPr lang="es-ES_tradnl" dirty="0"/>
+          </a:p>
+          <a:p>
+            <a:pPr lvl="1"/>
+            <a:r>
+              <a:rPr lang="es-ES_tradnl" dirty="0"/>
+              <a:t>Realizar: </a:t>
+            </a:r>
+          </a:p>
+          <a:p>
+            <a:pPr lvl="2"/>
+            <a:r>
+              <a:rPr lang="es-ES_tradnl" dirty="0"/>
+              <a:t>5 – 2		-5 -2		7 – 7 		-6 - 4 </a:t>
+            </a:r>
+            <a:endParaRPr lang="en-US" dirty="0"/>
+          </a:p>
+        </p:txBody>
+      </p:sp>
+      <p:graphicFrame>
+        <p:nvGraphicFramePr>
+          <p:cNvPr id="4" name="3 Tabla"/>
+          <p:cNvGraphicFramePr>
+            <a:graphicFrameLocks noGrp="1"/>
+          </p:cNvGraphicFramePr>
+          <p:nvPr>
+            <p:extLst>
+              <p:ext uri="{D42A27DB-BD31-4B8C-83A1-F6EECF244321}">
+                <p14:modId xmlns:p14="http://schemas.microsoft.com/office/powerpoint/2010/main" val="3874815873"/>
+              </p:ext>
+            </p:extLst>
+          </p:nvPr>
+        </p:nvGraphicFramePr>
+        <p:xfrm>
+          <a:off x="3608538" y="3721324"/>
+          <a:ext cx="4938747" cy="1367943"/>
+        </p:xfrm>
+        <a:graphic>
+          <a:graphicData uri="http://schemas.openxmlformats.org/drawingml/2006/table">
+            <a:tbl>
+              <a:tblPr firstRow="1" bandRow="1">
+                <a:tableStyleId>{5C22544A-7EE6-4342-B048-85BDC9FD1C3A}</a:tableStyleId>
+              </a:tblPr>
+              <a:tblGrid>
+                <a:gridCol w="2302933">
+                  <a:extLst>
+                    <a:ext uri="{9D8B030D-6E8A-4147-A177-3AD203B41FA5}">
+                      <a16:colId xmlns:a16="http://schemas.microsoft.com/office/drawing/2014/main" val="20000"/>
+                    </a:ext>
+                  </a:extLst>
+                </a:gridCol>
+                <a:gridCol w="2635814">
+                  <a:extLst>
+                    <a:ext uri="{9D8B030D-6E8A-4147-A177-3AD203B41FA5}">
+                      <a16:colId xmlns:a16="http://schemas.microsoft.com/office/drawing/2014/main" val="20001"/>
+                    </a:ext>
+                  </a:extLst>
+                </a:gridCol>
+              </a:tblGrid>
+              <a:tr h="455981">
+                <a:tc>
+                  <a:txBody>
+                    <a:bodyPr/>
+                    <a:lstStyle/>
+                    <a:p>
+                      <a:r>
+                        <a:rPr lang="es-ES_tradnl" sz="2300" dirty="0"/>
+                        <a:t>M = 2 </a:t>
+                      </a:r>
+                      <a:r>
+                        <a:rPr lang="es-ES_tradnl" sz="2300" dirty="0">
+                          <a:sym typeface="Wingdings" pitchFamily="2" charset="2"/>
+                        </a:rPr>
+                        <a:t> 0010</a:t>
+                      </a:r>
+                      <a:endParaRPr lang="en-US" sz="2300" dirty="0"/>
+                    </a:p>
+                  </a:txBody>
+                  <a:tcPr marL="103632" marR="103632" marT="51816" marB="51816"/>
+                </a:tc>
+                <a:tc>
+                  <a:txBody>
+                    <a:bodyPr/>
+                    <a:lstStyle/>
+                    <a:p>
+                      <a:r>
+                        <a:rPr lang="es-ES_tradnl" sz="2300" dirty="0"/>
+                        <a:t>   0010</a:t>
+                      </a:r>
+                      <a:endParaRPr lang="en-US" sz="2300" dirty="0"/>
+                    </a:p>
+                  </a:txBody>
+                  <a:tcPr marL="103632" marR="103632" marT="51816" marB="51816"/>
+                </a:tc>
+                <a:extLst>
+                  <a:ext uri="{0D108BD9-81ED-4DB2-BD59-A6C34878D82A}">
+                    <a16:rowId xmlns:a16="http://schemas.microsoft.com/office/drawing/2014/main" val="10000"/>
+                  </a:ext>
+                </a:extLst>
+              </a:tr>
+              <a:tr h="455981">
+                <a:tc>
+                  <a:txBody>
+                    <a:bodyPr/>
+                    <a:lstStyle/>
+                    <a:p>
+                      <a:r>
+                        <a:rPr lang="es-ES_tradnl" sz="2300" dirty="0"/>
+                        <a:t>S</a:t>
+                      </a:r>
+                      <a:r>
+                        <a:rPr lang="es-ES_tradnl" sz="2300" baseline="0" dirty="0"/>
+                        <a:t> = 7 </a:t>
+                      </a:r>
+                      <a:r>
+                        <a:rPr lang="es-ES_tradnl" sz="2300" baseline="0" dirty="0">
+                          <a:sym typeface="Wingdings" pitchFamily="2" charset="2"/>
+                        </a:rPr>
+                        <a:t> 0111</a:t>
+                      </a:r>
+                      <a:endParaRPr lang="en-US" sz="2300" dirty="0"/>
+                    </a:p>
+                  </a:txBody>
+                  <a:tcPr marL="103632" marR="103632" marT="51816" marB="51816"/>
+                </a:tc>
+                <a:tc>
+                  <a:txBody>
+                    <a:bodyPr/>
+                    <a:lstStyle/>
+                    <a:p>
+                      <a:r>
+                        <a:rPr lang="es-ES_tradnl" sz="2300" dirty="0"/>
+                        <a:t>+ 1001</a:t>
+                      </a:r>
+                      <a:endParaRPr lang="en-US" sz="2300" dirty="0"/>
+                    </a:p>
+                  </a:txBody>
+                  <a:tcPr marL="103632" marR="103632" marT="51816" marB="51816"/>
+                </a:tc>
+                <a:extLst>
+                  <a:ext uri="{0D108BD9-81ED-4DB2-BD59-A6C34878D82A}">
+                    <a16:rowId xmlns:a16="http://schemas.microsoft.com/office/drawing/2014/main" val="10001"/>
+                  </a:ext>
+                </a:extLst>
+              </a:tr>
+              <a:tr h="455981">
+                <a:tc>
+                  <a:txBody>
+                    <a:bodyPr/>
+                    <a:lstStyle/>
+                    <a:p>
+                      <a:r>
+                        <a:rPr lang="es-ES_tradnl" sz="2300" dirty="0"/>
+                        <a:t>-S</a:t>
+                      </a:r>
+                      <a:r>
+                        <a:rPr lang="es-ES_tradnl" sz="2300" baseline="0" dirty="0"/>
+                        <a:t> = </a:t>
+                      </a:r>
+                      <a:r>
+                        <a:rPr lang="es-ES_tradnl" sz="2300" baseline="0" dirty="0">
+                          <a:sym typeface="Wingdings" pitchFamily="2" charset="2"/>
+                        </a:rPr>
+                        <a:t> 1001</a:t>
+                      </a:r>
+                      <a:endParaRPr lang="en-US" sz="2300" dirty="0"/>
+                    </a:p>
+                  </a:txBody>
+                  <a:tcPr marL="103632" marR="103632" marT="51816" marB="51816"/>
+                </a:tc>
+                <a:tc>
+                  <a:txBody>
+                    <a:bodyPr/>
+                    <a:lstStyle/>
+                    <a:p>
+                      <a:r>
+                        <a:rPr lang="es-ES_tradnl" sz="2300" dirty="0"/>
+                        <a:t>   1011 </a:t>
+                      </a:r>
+                      <a:r>
+                        <a:rPr lang="es-ES_tradnl" sz="2300" dirty="0">
+                          <a:sym typeface="Wingdings" pitchFamily="2" charset="2"/>
+                        </a:rPr>
+                        <a:t> Resultado</a:t>
+                      </a:r>
+                      <a:endParaRPr lang="en-US" sz="2300" dirty="0"/>
+                    </a:p>
+                  </a:txBody>
+                  <a:tcPr marL="103632" marR="103632" marT="51816" marB="51816"/>
+                </a:tc>
+                <a:extLst>
+                  <a:ext uri="{0D108BD9-81ED-4DB2-BD59-A6C34878D82A}">
+                    <a16:rowId xmlns:a16="http://schemas.microsoft.com/office/drawing/2014/main" val="10002"/>
+                  </a:ext>
+                </a:extLst>
+              </a:tr>
+            </a:tbl>
+          </a:graphicData>
+        </a:graphic>
+      </p:graphicFrame>
+      <p:sp>
+        <p:nvSpPr>
+          <p:cNvPr id="5" name="4 CuadroTexto"/>
+          <p:cNvSpPr txBox="1"/>
+          <p:nvPr/>
+        </p:nvSpPr>
+        <p:spPr>
+          <a:xfrm>
+            <a:off x="3770465" y="2992657"/>
+            <a:ext cx="1785361" cy="441211"/>
+          </a:xfrm>
+          <a:prstGeom prst="rect">
+            <a:avLst/>
+          </a:prstGeom>
+          <a:noFill/>
+        </p:spPr>
+        <p:txBody>
+          <a:bodyPr wrap="none" rtlCol="0">
+            <a:spAutoFit/>
+          </a:bodyPr>
+          <a:lstStyle/>
+          <a:p>
+            <a:r>
+              <a:rPr lang="es-ES_tradnl" sz="2267" b="1" dirty="0"/>
+              <a:t>Conversiones</a:t>
+            </a:r>
+            <a:endParaRPr lang="en-US" sz="2267" b="1" dirty="0"/>
+          </a:p>
+        </p:txBody>
+      </p:sp>
+      <p:sp>
+        <p:nvSpPr>
+          <p:cNvPr id="6" name="5 CuadroTexto"/>
+          <p:cNvSpPr txBox="1"/>
+          <p:nvPr/>
+        </p:nvSpPr>
+        <p:spPr>
+          <a:xfrm>
+            <a:off x="6199357" y="2992657"/>
+            <a:ext cx="1762021" cy="441211"/>
+          </a:xfrm>
+          <a:prstGeom prst="rect">
+            <a:avLst/>
+          </a:prstGeom>
+          <a:noFill/>
+        </p:spPr>
+        <p:txBody>
+          <a:bodyPr wrap="none" rtlCol="0">
+            <a:spAutoFit/>
+          </a:bodyPr>
+          <a:lstStyle/>
+          <a:p>
+            <a:r>
+              <a:rPr lang="es-ES_tradnl" sz="2267" b="1" dirty="0"/>
+              <a:t>La Operación</a:t>
+            </a:r>
+            <a:endParaRPr lang="en-US" sz="2267" b="1" dirty="0"/>
+          </a:p>
+        </p:txBody>
+      </p:sp>
+      <p:sp>
+        <p:nvSpPr>
+          <p:cNvPr id="8" name="7 Flecha abajo"/>
+          <p:cNvSpPr/>
+          <p:nvPr/>
+        </p:nvSpPr>
+        <p:spPr>
+          <a:xfrm>
+            <a:off x="4580095" y="3397472"/>
+            <a:ext cx="323852" cy="242889"/>
+          </a:xfrm>
+          <a:prstGeom prst="downArrow">
+            <a:avLst/>
+          </a:prstGeom>
+        </p:spPr>
+        <p:style>
+          <a:lnRef idx="2">
+            <a:schemeClr val="accent1">
+              <a:shade val="50000"/>
+            </a:schemeClr>
+          </a:lnRef>
+          <a:fillRef idx="1">
+            <a:schemeClr val="accent1"/>
+          </a:fillRef>
+          <a:effectRef idx="0">
+            <a:schemeClr val="accent1"/>
+          </a:effectRef>
+          <a:fontRef idx="minor">
+            <a:schemeClr val="lt1"/>
+          </a:fontRef>
+        </p:style>
+        <p:txBody>
+          <a:bodyPr rtlCol="0" anchor="ctr"/>
+          <a:lstStyle/>
+          <a:p>
+            <a:pPr algn="ctr"/>
+            <a:endParaRPr lang="en-US" sz="2040"/>
+          </a:p>
+        </p:txBody>
+      </p:sp>
+      <p:sp>
+        <p:nvSpPr>
+          <p:cNvPr id="9" name="8 Flecha abajo"/>
+          <p:cNvSpPr/>
+          <p:nvPr/>
+        </p:nvSpPr>
+        <p:spPr>
+          <a:xfrm>
+            <a:off x="7008987" y="3397472"/>
+            <a:ext cx="323852" cy="242889"/>
+          </a:xfrm>
+          <a:prstGeom prst="downArrow">
+            <a:avLst/>
+          </a:prstGeom>
+        </p:spPr>
+        <p:style>
+          <a:lnRef idx="2">
+            <a:schemeClr val="accent1">
+              <a:shade val="50000"/>
+            </a:schemeClr>
+          </a:lnRef>
+          <a:fillRef idx="1">
+            <a:schemeClr val="accent1"/>
+          </a:fillRef>
+          <a:effectRef idx="0">
+            <a:schemeClr val="accent1"/>
+          </a:effectRef>
+          <a:fontRef idx="minor">
+            <a:schemeClr val="lt1"/>
+          </a:fontRef>
+        </p:style>
+        <p:txBody>
+          <a:bodyPr rtlCol="0" anchor="ctr"/>
+          <a:lstStyle/>
+          <a:p>
+            <a:pPr algn="ctr"/>
+            <a:endParaRPr lang="en-US" sz="2040"/>
+          </a:p>
+        </p:txBody>
+      </p:sp>
+      <p:cxnSp>
+        <p:nvCxnSpPr>
+          <p:cNvPr id="10" name="Conector recto de flecha 9">
+            <a:extLst>
+              <a:ext uri="{FF2B5EF4-FFF2-40B4-BE49-F238E27FC236}">
+                <a16:creationId xmlns:a16="http://schemas.microsoft.com/office/drawing/2014/main" id="{DB39B00E-AF7E-4650-B0EF-59F9EF0E1CD7}"/>
+              </a:ext>
+            </a:extLst>
+          </p:cNvPr>
+          <p:cNvCxnSpPr/>
+          <p:nvPr/>
+        </p:nvCxnSpPr>
+        <p:spPr>
+          <a:xfrm flipV="1">
+            <a:off x="5254906" y="4548851"/>
+            <a:ext cx="682907" cy="405114"/>
+          </a:xfrm>
+          <a:prstGeom prst="straightConnector1">
+            <a:avLst/>
+          </a:prstGeom>
+          <a:ln>
+            <a:tailEnd type="triangle"/>
+          </a:ln>
+        </p:spPr>
+        <p:style>
+          <a:lnRef idx="1">
+            <a:schemeClr val="accent1"/>
+          </a:lnRef>
+          <a:fillRef idx="0">
+            <a:schemeClr val="accent1"/>
+          </a:fillRef>
+          <a:effectRef idx="0">
+            <a:schemeClr val="accent1"/>
+          </a:effectRef>
+          <a:fontRef idx="minor">
+            <a:schemeClr val="tx1"/>
+          </a:fontRef>
+        </p:style>
+      </p:cxnSp>
+    </p:spTree>
+    <p:extLst>
+      <p:ext uri="{BB962C8B-B14F-4D97-AF65-F5344CB8AC3E}">
+        <p14:creationId xmlns:p14="http://schemas.microsoft.com/office/powerpoint/2010/main" val="2856087148"/>
+      </p:ext>
+    </p:extLst>
+  </p:cSld>
+  <p:clrMapOvr>
+    <a:masterClrMapping/>
+  </p:clrMapOvr>
+</p:sld>
+</file>
+
+<file path=ppt/slides/slide11.xml><?xml version="1.0" encoding="utf-8"?>
 <p:sld xmlns:a="http://schemas.openxmlformats.org/drawingml/2006/main" xmlns:r="http://schemas.openxmlformats.org/officeDocument/2006/relationships" xmlns:p="http://schemas.openxmlformats.org/presentationml/2006/main">
   <p:cSld>
     <p:spTree>
@@ -4783,6 +5396,123 @@
           </a:p>
         </p:txBody>
       </p:sp>
+      <p:cxnSp>
+        <p:nvCxnSpPr>
+          <p:cNvPr id="7" name="Conector recto de flecha 6">
+            <a:extLst>
+              <a:ext uri="{FF2B5EF4-FFF2-40B4-BE49-F238E27FC236}">
+                <a16:creationId xmlns:a16="http://schemas.microsoft.com/office/drawing/2014/main" id="{6ABF0648-F04F-4D77-8318-CE1D7A1B3B7E}"/>
+              </a:ext>
+            </a:extLst>
+          </p:cNvPr>
+          <p:cNvCxnSpPr/>
+          <p:nvPr/>
+        </p:nvCxnSpPr>
+        <p:spPr>
+          <a:xfrm>
+            <a:off x="9094803" y="5370653"/>
+            <a:ext cx="0" cy="1111170"/>
+          </a:xfrm>
+          <a:prstGeom prst="straightConnector1">
+            <a:avLst/>
+          </a:prstGeom>
+          <a:ln>
+            <a:tailEnd type="triangle"/>
+          </a:ln>
+        </p:spPr>
+        <p:style>
+          <a:lnRef idx="1">
+            <a:schemeClr val="accent1"/>
+          </a:lnRef>
+          <a:fillRef idx="0">
+            <a:schemeClr val="accent1"/>
+          </a:fillRef>
+          <a:effectRef idx="0">
+            <a:schemeClr val="accent1"/>
+          </a:effectRef>
+          <a:fontRef idx="minor">
+            <a:schemeClr val="tx1"/>
+          </a:fontRef>
+        </p:style>
+      </p:cxnSp>
+      <p:cxnSp>
+        <p:nvCxnSpPr>
+          <p:cNvPr id="11" name="Conector recto de flecha 10">
+            <a:extLst>
+              <a:ext uri="{FF2B5EF4-FFF2-40B4-BE49-F238E27FC236}">
+                <a16:creationId xmlns:a16="http://schemas.microsoft.com/office/drawing/2014/main" id="{3AE85730-35DF-4462-9F66-90FD51873693}"/>
+              </a:ext>
+            </a:extLst>
+          </p:cNvPr>
+          <p:cNvCxnSpPr/>
+          <p:nvPr/>
+        </p:nvCxnSpPr>
+        <p:spPr>
+          <a:xfrm>
+            <a:off x="8588415" y="5845215"/>
+            <a:ext cx="0" cy="717631"/>
+          </a:xfrm>
+          <a:prstGeom prst="straightConnector1">
+            <a:avLst/>
+          </a:prstGeom>
+          <a:ln>
+            <a:tailEnd type="triangle"/>
+          </a:ln>
+        </p:spPr>
+        <p:style>
+          <a:lnRef idx="1">
+            <a:schemeClr val="accent1"/>
+          </a:lnRef>
+          <a:fillRef idx="0">
+            <a:schemeClr val="accent1"/>
+          </a:fillRef>
+          <a:effectRef idx="0">
+            <a:schemeClr val="accent1"/>
+          </a:effectRef>
+          <a:fontRef idx="minor">
+            <a:schemeClr val="tx1"/>
+          </a:fontRef>
+        </p:style>
+      </p:cxnSp>
+      <p:cxnSp>
+        <p:nvCxnSpPr>
+          <p:cNvPr id="13" name="Conector recto de flecha 12">
+            <a:extLst>
+              <a:ext uri="{FF2B5EF4-FFF2-40B4-BE49-F238E27FC236}">
+                <a16:creationId xmlns:a16="http://schemas.microsoft.com/office/drawing/2014/main" id="{FCA94317-AED8-4E27-9C0F-DC6FFCA57D0E}"/>
+              </a:ext>
+            </a:extLst>
+          </p:cNvPr>
+          <p:cNvCxnSpPr/>
+          <p:nvPr/>
+        </p:nvCxnSpPr>
+        <p:spPr>
+          <a:xfrm>
+            <a:off x="8079129" y="6204030"/>
+            <a:ext cx="0" cy="277793"/>
+          </a:xfrm>
+          <a:prstGeom prst="straightConnector1">
+            <a:avLst/>
+          </a:prstGeom>
+          <a:ln>
+            <a:tailEnd type="triangle"/>
+          </a:ln>
+        </p:spPr>
+        <p:style>
+          <a:lnRef idx="1">
+            <a:schemeClr val="accent1"/>
+          </a:lnRef>
+          <a:fillRef idx="0">
+            <a:schemeClr val="accent1"/>
+          </a:fillRef>
+          <a:effectRef idx="0">
+            <a:schemeClr val="accent1"/>
+          </a:effectRef>
+          <a:fontRef idx="minor">
+            <a:schemeClr val="tx1"/>
+          </a:fontRef>
+        </p:style>
+      </p:cxnSp>
     </p:spTree>
     <p:extLst>
       <p:ext uri="{BB962C8B-B14F-4D97-AF65-F5344CB8AC3E}">
@@ -4949,7 +5679,7 @@
 </p:sld>
 </file>
 
-<file path=ppt/slides/slide11.xml><?xml version="1.0" encoding="utf-8"?>
+<file path=ppt/slides/slide12.xml><?xml version="1.0" encoding="utf-8"?>
 <p:sld xmlns:a="http://schemas.openxmlformats.org/drawingml/2006/main" xmlns:r="http://schemas.openxmlformats.org/officeDocument/2006/relationships" xmlns:p="http://schemas.openxmlformats.org/presentationml/2006/main">
   <p:cSld>
     <p:spTree>
@@ -5253,7 +5983,7 @@
 </p:sld>
 </file>
 
-<file path=ppt/slides/slide12.xml><?xml version="1.0" encoding="utf-8"?>
+<file path=ppt/slides/slide13.xml><?xml version="1.0" encoding="utf-8"?>
 <p:sld xmlns:a="http://schemas.openxmlformats.org/drawingml/2006/main" xmlns:r="http://schemas.openxmlformats.org/officeDocument/2006/relationships" xmlns:p="http://schemas.openxmlformats.org/presentationml/2006/main">
   <p:cSld>
     <p:spTree>
@@ -5792,7 +6522,7 @@
 </p:sld>
 </file>
 
-<file path=ppt/slides/slide13.xml><?xml version="1.0" encoding="utf-8"?>
+<file path=ppt/slides/slide14.xml><?xml version="1.0" encoding="utf-8"?>
 <p:sld xmlns:a="http://schemas.openxmlformats.org/drawingml/2006/main" xmlns:r="http://schemas.openxmlformats.org/officeDocument/2006/relationships" xmlns:p="http://schemas.openxmlformats.org/presentationml/2006/main">
   <p:cSld>
     <p:spTree>
@@ -5959,7 +6689,7 @@
 </p:sld>
 </file>
 
-<file path=ppt/slides/slide14.xml><?xml version="1.0" encoding="utf-8"?>
+<file path=ppt/slides/slide15.xml><?xml version="1.0" encoding="utf-8"?>
 <p:sld xmlns:a="http://schemas.openxmlformats.org/drawingml/2006/main" xmlns:r="http://schemas.openxmlformats.org/officeDocument/2006/relationships" xmlns:p="http://schemas.openxmlformats.org/presentationml/2006/main">
   <p:cSld>
     <p:spTree>
@@ -6075,251 +6805,6 @@
 </p:sld>
 </file>
 
-<file path=ppt/slides/slide15.xml><?xml version="1.0" encoding="utf-8"?>
-<p:sld xmlns:a="http://schemas.openxmlformats.org/drawingml/2006/main" xmlns:r="http://schemas.openxmlformats.org/officeDocument/2006/relationships" xmlns:p="http://schemas.openxmlformats.org/presentationml/2006/main">
-  <p:cSld>
-    <p:spTree>
-      <p:nvGrpSpPr>
-        <p:cNvPr id="1" name=""/>
-        <p:cNvGrpSpPr/>
-        <p:nvPr/>
-      </p:nvGrpSpPr>
-      <p:grpSpPr>
-        <a:xfrm>
-          <a:off x="0" y="0"/>
-          <a:ext cx="0" cy="0"/>
-          <a:chOff x="0" y="0"/>
-          <a:chExt cx="0" cy="0"/>
-        </a:xfrm>
-      </p:grpSpPr>
-      <p:sp>
-        <p:nvSpPr>
-          <p:cNvPr id="2" name="1 Título"/>
-          <p:cNvSpPr>
-            <a:spLocks noGrp="1"/>
-          </p:cNvSpPr>
-          <p:nvPr>
-            <p:ph type="title"/>
-          </p:nvPr>
-        </p:nvSpPr>
-        <p:spPr/>
-        <p:txBody>
-          <a:bodyPr/>
-          <a:lstStyle/>
-          <a:p>
-            <a:r>
-              <a:rPr lang="es-ES_tradnl" dirty="0"/>
-              <a:t>Aritmética de punto flotante</a:t>
-            </a:r>
-            <a:endParaRPr lang="en-US" dirty="0"/>
-          </a:p>
-        </p:txBody>
-      </p:sp>
-      <p:sp>
-        <p:nvSpPr>
-          <p:cNvPr id="3" name="2 Marcador de contenido"/>
-          <p:cNvSpPr>
-            <a:spLocks noGrp="1"/>
-          </p:cNvSpPr>
-          <p:nvPr>
-            <p:ph idx="1"/>
-          </p:nvPr>
-        </p:nvSpPr>
-        <p:spPr>
-          <a:xfrm>
-            <a:off x="2245360" y="1813560"/>
-            <a:ext cx="9326880" cy="5311163"/>
-          </a:xfrm>
-        </p:spPr>
-        <p:txBody>
-          <a:bodyPr>
-            <a:normAutofit fontScale="77500" lnSpcReduction="20000"/>
-          </a:bodyPr>
-          <a:lstStyle/>
-          <a:p>
-            <a:pPr algn="just">
-              <a:lnSpc>
-                <a:spcPct val="170000"/>
-              </a:lnSpc>
-            </a:pPr>
-            <a:r>
-              <a:rPr lang="es-ES_tradnl" dirty="0"/>
-              <a:t>Se mueve dinámicamente la coma decimal a una posición conveniente y se usa el exponente en base 10 para registrar la posición de la coma.</a:t>
-            </a:r>
-          </a:p>
-          <a:p>
-            <a:pPr>
-              <a:lnSpc>
-                <a:spcPct val="170000"/>
-              </a:lnSpc>
-            </a:pPr>
-            <a:r>
-              <a:rPr lang="es-ES_tradnl" dirty="0"/>
-              <a:t>Hay equivalencia, no son cifras distintas</a:t>
-            </a:r>
-          </a:p>
-          <a:p>
-            <a:pPr>
-              <a:lnSpc>
-                <a:spcPct val="170000"/>
-              </a:lnSpc>
-            </a:pPr>
-            <a:r>
-              <a:rPr lang="es-ES_tradnl" dirty="0"/>
-              <a:t>Por ejemplo:</a:t>
-            </a:r>
-          </a:p>
-          <a:p>
-            <a:pPr lvl="1"/>
-            <a:endParaRPr lang="es-ES_tradnl" dirty="0"/>
-          </a:p>
-          <a:p>
-            <a:pPr lvl="1"/>
-            <a:r>
-              <a:rPr lang="es-ES_tradnl" dirty="0"/>
-              <a:t>0,0715 x 10</a:t>
-            </a:r>
-            <a:r>
-              <a:rPr lang="es-ES_tradnl" baseline="30000" dirty="0"/>
-              <a:t>0</a:t>
-            </a:r>
-            <a:r>
-              <a:rPr lang="es-ES_tradnl" dirty="0"/>
-              <a:t> </a:t>
-            </a:r>
-            <a:r>
-              <a:rPr lang="es-ES_tradnl" dirty="0">
-                <a:sym typeface="Wingdings" pitchFamily="2" charset="2"/>
-              </a:rPr>
-              <a:t> 7,15 x 10</a:t>
-            </a:r>
-            <a:r>
-              <a:rPr lang="es-ES_tradnl" baseline="30000" dirty="0">
-                <a:sym typeface="Wingdings" pitchFamily="2" charset="2"/>
-              </a:rPr>
-              <a:t>-2</a:t>
-            </a:r>
-            <a:r>
-              <a:rPr lang="es-ES_tradnl" dirty="0">
-                <a:sym typeface="Wingdings" pitchFamily="2" charset="2"/>
-              </a:rPr>
-              <a:t> </a:t>
-            </a:r>
-          </a:p>
-          <a:p>
-            <a:pPr lvl="1">
-              <a:buNone/>
-            </a:pPr>
-            <a:endParaRPr lang="es-ES_tradnl" dirty="0">
-              <a:sym typeface="Wingdings" pitchFamily="2" charset="2"/>
-            </a:endParaRPr>
-          </a:p>
-          <a:p>
-            <a:pPr lvl="1"/>
-            <a:r>
-              <a:rPr lang="es-ES_tradnl" dirty="0"/>
-              <a:t>1973 x 10</a:t>
-            </a:r>
-            <a:r>
-              <a:rPr lang="es-ES_tradnl" baseline="30000" dirty="0"/>
-              <a:t>0</a:t>
-            </a:r>
-            <a:r>
-              <a:rPr lang="es-ES_tradnl" dirty="0"/>
-              <a:t>  </a:t>
-            </a:r>
-            <a:r>
-              <a:rPr lang="es-ES_tradnl" dirty="0">
-                <a:sym typeface="Wingdings" pitchFamily="2" charset="2"/>
-              </a:rPr>
-              <a:t> 19,73 x 10</a:t>
-            </a:r>
-            <a:r>
-              <a:rPr lang="es-ES_tradnl" baseline="30000" dirty="0">
-                <a:sym typeface="Wingdings" pitchFamily="2" charset="2"/>
-              </a:rPr>
-              <a:t>2</a:t>
-            </a:r>
-            <a:r>
-              <a:rPr lang="es-ES_tradnl" dirty="0">
-                <a:sym typeface="Wingdings" pitchFamily="2" charset="2"/>
-              </a:rPr>
-              <a:t> </a:t>
-            </a:r>
-          </a:p>
-          <a:p>
-            <a:pPr lvl="1"/>
-            <a:r>
-              <a:rPr lang="es-ES_tradnl" dirty="0"/>
-              <a:t>1973 x 10</a:t>
-            </a:r>
-            <a:r>
-              <a:rPr lang="es-ES_tradnl" baseline="30000" dirty="0"/>
-              <a:t>0</a:t>
-            </a:r>
-            <a:r>
-              <a:rPr lang="es-ES_tradnl" dirty="0"/>
-              <a:t>  </a:t>
-            </a:r>
-            <a:r>
-              <a:rPr lang="es-ES_tradnl" dirty="0">
-                <a:sym typeface="Wingdings" pitchFamily="2" charset="2"/>
-              </a:rPr>
-              <a:t> 1,973 x 10</a:t>
-            </a:r>
-            <a:r>
-              <a:rPr lang="es-ES_tradnl" baseline="30000" dirty="0">
-                <a:sym typeface="Wingdings" pitchFamily="2" charset="2"/>
-              </a:rPr>
-              <a:t>3</a:t>
-            </a:r>
-          </a:p>
-          <a:p>
-            <a:pPr lvl="1"/>
-            <a:r>
-              <a:rPr lang="es-ES_tradnl" dirty="0"/>
-              <a:t>1973 x 10</a:t>
-            </a:r>
-            <a:r>
-              <a:rPr lang="es-ES_tradnl" baseline="30000" dirty="0"/>
-              <a:t>0</a:t>
-            </a:r>
-            <a:r>
-              <a:rPr lang="es-ES_tradnl" dirty="0"/>
-              <a:t>  </a:t>
-            </a:r>
-            <a:r>
-              <a:rPr lang="es-ES_tradnl" dirty="0">
-                <a:sym typeface="Wingdings" pitchFamily="2" charset="2"/>
-              </a:rPr>
-              <a:t> 0,1973 x 10</a:t>
-            </a:r>
-            <a:r>
-              <a:rPr lang="es-ES_tradnl" baseline="30000" dirty="0">
-                <a:sym typeface="Wingdings" pitchFamily="2" charset="2"/>
-              </a:rPr>
-              <a:t>4</a:t>
-            </a:r>
-          </a:p>
-          <a:p>
-            <a:pPr lvl="1"/>
-            <a:endParaRPr lang="es-ES_tradnl" dirty="0"/>
-          </a:p>
-        </p:txBody>
-      </p:sp>
-    </p:spTree>
-    <p:extLst>
-      <p:ext uri="{BB962C8B-B14F-4D97-AF65-F5344CB8AC3E}">
-        <p14:creationId xmlns:p14="http://schemas.microsoft.com/office/powerpoint/2010/main" val="885582571"/>
-      </p:ext>
-    </p:extLst>
-  </p:cSld>
-  <p:clrMapOvr>
-    <a:masterClrMapping/>
-  </p:clrMapOvr>
-</p:sld>
-</file>
-
 <file path=ppt/slides/slide16.xml><?xml version="1.0" encoding="utf-8"?>
 <p:sld xmlns:a="http://schemas.openxmlformats.org/drawingml/2006/main" xmlns:r="http://schemas.openxmlformats.org/officeDocument/2006/relationships" xmlns:p="http://schemas.openxmlformats.org/presentationml/2006/main">
   <p:cSld>
@@ -6373,14 +6858,25 @@
         <p:spPr>
           <a:xfrm>
             <a:off x="2245360" y="1813560"/>
-            <a:ext cx="9326880" cy="5554052"/>
+            <a:ext cx="9326880" cy="5311163"/>
           </a:xfrm>
         </p:spPr>
         <p:txBody>
           <a:bodyPr>
-            <a:normAutofit fontScale="70000" lnSpcReduction="20000"/>
+            <a:normAutofit fontScale="77500" lnSpcReduction="20000"/>
           </a:bodyPr>
           <a:lstStyle/>
+          <a:p>
+            <a:pPr algn="just">
+              <a:lnSpc>
+                <a:spcPct val="170000"/>
+              </a:lnSpc>
+            </a:pPr>
+            <a:r>
+              <a:rPr lang="es-ES_tradnl" dirty="0"/>
+              <a:t>Se mueve dinámicamente la coma decimal a una posición conveniente y se usa el exponente en base 10 para registrar la posición de la coma.</a:t>
+            </a:r>
+          </a:p>
           <a:p>
             <a:pPr>
               <a:lnSpc>
@@ -6389,106 +6885,162 @@
             </a:pPr>
             <a:r>
               <a:rPr lang="es-ES_tradnl" dirty="0"/>
-              <a:t>Para representar en binarios se usa la expresión</a:t>
-            </a:r>
-          </a:p>
-          <a:p>
-            <a:pPr lvl="1" algn="ctr">
-              <a:lnSpc>
-                <a:spcPct val="170000"/>
-              </a:lnSpc>
-              <a:buNone/>
-            </a:pPr>
-            <a:r>
-              <a:rPr lang="es-ES_tradnl" sz="4080" b="1" dirty="0">
-                <a:solidFill>
-                  <a:srgbClr val="FF0000"/>
-                </a:solidFill>
-              </a:rPr>
-              <a:t>± S x B </a:t>
-            </a:r>
-            <a:r>
-              <a:rPr lang="es-ES_tradnl" sz="4080" b="1" baseline="30000" dirty="0">
-                <a:solidFill>
-                  <a:srgbClr val="FF0000"/>
-                </a:solidFill>
-              </a:rPr>
-              <a:t>±E</a:t>
-            </a:r>
-          </a:p>
-          <a:p>
-            <a:pPr lvl="1">
+              <a:t>Hay equivalencia, no son cifras distintas</a:t>
+            </a:r>
+          </a:p>
+          <a:p>
+            <a:pPr>
               <a:lnSpc>
                 <a:spcPct val="170000"/>
               </a:lnSpc>
             </a:pPr>
             <a:r>
               <a:rPr lang="es-ES_tradnl" dirty="0"/>
-              <a:t>Signo</a:t>
+              <a:t>Por ejemplo:</a:t>
+            </a:r>
+          </a:p>
+          <a:p>
+            <a:pPr lvl="1"/>
+            <a:endParaRPr lang="es-ES_tradnl" dirty="0"/>
+          </a:p>
+          <a:p>
+            <a:pPr lvl="1"/>
+            <a:r>
+              <a:rPr lang="es-ES_tradnl" dirty="0"/>
+              <a:t>0,0715 x 10</a:t>
+            </a:r>
+            <a:r>
+              <a:rPr lang="es-ES_tradnl" baseline="30000" dirty="0"/>
+              <a:t>0</a:t>
+            </a:r>
+            <a:r>
+              <a:rPr lang="es-ES_tradnl" dirty="0"/>
+              <a:t> </a:t>
+            </a:r>
+            <a:r>
+              <a:rPr lang="es-ES_tradnl" dirty="0">
+                <a:sym typeface="Wingdings" pitchFamily="2" charset="2"/>
+              </a:rPr>
+              <a:t> 7,15 x 10</a:t>
+            </a:r>
+            <a:r>
+              <a:rPr lang="es-ES_tradnl" baseline="30000" dirty="0">
+                <a:sym typeface="Wingdings" pitchFamily="2" charset="2"/>
+              </a:rPr>
+              <a:t>-2</a:t>
+            </a:r>
+            <a:r>
+              <a:rPr lang="es-ES_tradnl" dirty="0">
+                <a:sym typeface="Wingdings" pitchFamily="2" charset="2"/>
+              </a:rPr>
+              <a:t> </a:t>
             </a:r>
           </a:p>
           <a:p>
             <a:pPr lvl="1">
-              <a:lnSpc>
-                <a:spcPct val="170000"/>
-              </a:lnSpc>
+              <a:buNone/>
             </a:pPr>
+            <a:endParaRPr lang="es-ES_tradnl" dirty="0">
+              <a:sym typeface="Wingdings" pitchFamily="2" charset="2"/>
+            </a:endParaRPr>
+          </a:p>
+          <a:p>
+            <a:pPr lvl="1"/>
             <a:r>
               <a:rPr lang="es-ES_tradnl" dirty="0"/>
-              <a:t>S: mantisa o parte significativa</a:t>
-            </a:r>
-          </a:p>
-          <a:p>
-            <a:pPr lvl="1">
-              <a:lnSpc>
-                <a:spcPct val="170000"/>
-              </a:lnSpc>
-            </a:pPr>
+              <a:t>1973 x 10</a:t>
+            </a:r>
+            <a:r>
+              <a:rPr lang="es-ES_tradnl" baseline="30000" dirty="0"/>
+              <a:t>0</a:t>
+            </a:r>
             <a:r>
               <a:rPr lang="es-ES_tradnl" dirty="0"/>
-              <a:t>E: Exponente</a:t>
-            </a:r>
-          </a:p>
-          <a:p>
-            <a:pPr lvl="1">
-              <a:lnSpc>
-                <a:spcPct val="170000"/>
-              </a:lnSpc>
-            </a:pPr>
+              <a:t>  </a:t>
+            </a:r>
+            <a:r>
+              <a:rPr lang="es-ES_tradnl" dirty="0">
+                <a:sym typeface="Wingdings" pitchFamily="2" charset="2"/>
+              </a:rPr>
+              <a:t> 19,73 x 10</a:t>
+            </a:r>
+            <a:r>
+              <a:rPr lang="es-ES_tradnl" baseline="30000" dirty="0">
+                <a:sym typeface="Wingdings" pitchFamily="2" charset="2"/>
+              </a:rPr>
+              <a:t>2</a:t>
+            </a:r>
+            <a:r>
+              <a:rPr lang="es-ES_tradnl" dirty="0">
+                <a:sym typeface="Wingdings" pitchFamily="2" charset="2"/>
+              </a:rPr>
+              <a:t> </a:t>
+            </a:r>
+          </a:p>
+          <a:p>
+            <a:pPr lvl="1"/>
             <a:r>
               <a:rPr lang="es-ES_tradnl" dirty="0"/>
-              <a:t>La base B no se representa, es implícita e igual para todos: 2</a:t>
-            </a:r>
-          </a:p>
-          <a:p>
-            <a:pPr lvl="1">
-              <a:lnSpc>
-                <a:spcPct val="170000"/>
-              </a:lnSpc>
-            </a:pPr>
+              <a:t>1973 x 10</a:t>
+            </a:r>
+            <a:r>
+              <a:rPr lang="es-ES_tradnl" baseline="30000" dirty="0"/>
+              <a:t>0</a:t>
+            </a:r>
             <a:r>
               <a:rPr lang="es-ES_tradnl" dirty="0"/>
-              <a:t>La coma de la base está a la derecha del bit más significativo de la mantisa S y no se representa físicamente sino que se asume</a:t>
-            </a:r>
-          </a:p>
-          <a:p>
-            <a:pPr lvl="1">
-              <a:lnSpc>
-                <a:spcPct val="170000"/>
-              </a:lnSpc>
-            </a:pPr>
+              <a:t>  </a:t>
+            </a:r>
+            <a:r>
+              <a:rPr lang="es-ES_tradnl" dirty="0">
+                <a:sym typeface="Wingdings" pitchFamily="2" charset="2"/>
+              </a:rPr>
+              <a:t> 1,973 x 10</a:t>
+            </a:r>
+            <a:r>
+              <a:rPr lang="es-ES_tradnl" baseline="30000" dirty="0">
+                <a:sym typeface="Wingdings" pitchFamily="2" charset="2"/>
+              </a:rPr>
+              <a:t>3</a:t>
+            </a:r>
+          </a:p>
+          <a:p>
+            <a:pPr lvl="1"/>
             <a:r>
               <a:rPr lang="es-ES_tradnl" dirty="0"/>
-              <a:t>Al lado izquierdo de la coma está también un 1, que tampoco se representa sino que se asume.</a:t>
-            </a:r>
-            <a:endParaRPr lang="en-US" dirty="0"/>
+              <a:t>1973 x 10</a:t>
+            </a:r>
+            <a:r>
+              <a:rPr lang="es-ES_tradnl" baseline="30000" dirty="0"/>
+              <a:t>0</a:t>
+            </a:r>
+            <a:r>
+              <a:rPr lang="es-ES_tradnl" dirty="0"/>
+              <a:t>  </a:t>
+            </a:r>
+            <a:r>
+              <a:rPr lang="es-ES_tradnl" dirty="0">
+                <a:sym typeface="Wingdings" pitchFamily="2" charset="2"/>
+              </a:rPr>
+              <a:t> 0,1973 x 10</a:t>
+            </a:r>
+            <a:r>
+              <a:rPr lang="es-ES_tradnl" baseline="30000" dirty="0">
+                <a:sym typeface="Wingdings" pitchFamily="2" charset="2"/>
+              </a:rPr>
+              <a:t>4</a:t>
+            </a:r>
+          </a:p>
+          <a:p>
+            <a:pPr lvl="1"/>
+            <a:endParaRPr lang="es-ES_tradnl" dirty="0"/>
           </a:p>
         </p:txBody>
       </p:sp>
     </p:spTree>
     <p:extLst>
       <p:ext uri="{BB962C8B-B14F-4D97-AF65-F5344CB8AC3E}">
-        <p14:creationId xmlns:p14="http://schemas.microsoft.com/office/powerpoint/2010/main" val="716591894"/>
+        <p14:creationId xmlns:p14="http://schemas.microsoft.com/office/powerpoint/2010/main" val="885582571"/>
       </p:ext>
     </p:extLst>
   </p:cSld>
@@ -6548,6 +7100,184 @@
             <p:ph idx="1"/>
           </p:nvPr>
         </p:nvSpPr>
+        <p:spPr>
+          <a:xfrm>
+            <a:off x="2245360" y="1813560"/>
+            <a:ext cx="9326880" cy="5554052"/>
+          </a:xfrm>
+        </p:spPr>
+        <p:txBody>
+          <a:bodyPr>
+            <a:normAutofit fontScale="70000" lnSpcReduction="20000"/>
+          </a:bodyPr>
+          <a:lstStyle/>
+          <a:p>
+            <a:pPr>
+              <a:lnSpc>
+                <a:spcPct val="170000"/>
+              </a:lnSpc>
+            </a:pPr>
+            <a:r>
+              <a:rPr lang="es-ES_tradnl" dirty="0"/>
+              <a:t>Para representar en binarios se usa la expresión</a:t>
+            </a:r>
+          </a:p>
+          <a:p>
+            <a:pPr lvl="1" algn="ctr">
+              <a:lnSpc>
+                <a:spcPct val="170000"/>
+              </a:lnSpc>
+              <a:buNone/>
+            </a:pPr>
+            <a:r>
+              <a:rPr lang="es-ES_tradnl" sz="4080" b="1" dirty="0">
+                <a:solidFill>
+                  <a:srgbClr val="FF0000"/>
+                </a:solidFill>
+              </a:rPr>
+              <a:t>± S x B </a:t>
+            </a:r>
+            <a:r>
+              <a:rPr lang="es-ES_tradnl" sz="4080" b="1" baseline="30000" dirty="0">
+                <a:solidFill>
+                  <a:srgbClr val="FF0000"/>
+                </a:solidFill>
+              </a:rPr>
+              <a:t>±E</a:t>
+            </a:r>
+          </a:p>
+          <a:p>
+            <a:pPr lvl="1">
+              <a:lnSpc>
+                <a:spcPct val="170000"/>
+              </a:lnSpc>
+            </a:pPr>
+            <a:r>
+              <a:rPr lang="es-ES_tradnl" dirty="0"/>
+              <a:t>Signo</a:t>
+            </a:r>
+          </a:p>
+          <a:p>
+            <a:pPr lvl="1">
+              <a:lnSpc>
+                <a:spcPct val="170000"/>
+              </a:lnSpc>
+            </a:pPr>
+            <a:r>
+              <a:rPr lang="es-ES_tradnl" dirty="0"/>
+              <a:t>S: mantisa o parte significativa</a:t>
+            </a:r>
+          </a:p>
+          <a:p>
+            <a:pPr lvl="1">
+              <a:lnSpc>
+                <a:spcPct val="170000"/>
+              </a:lnSpc>
+            </a:pPr>
+            <a:r>
+              <a:rPr lang="es-ES_tradnl" dirty="0"/>
+              <a:t>E: Exponente</a:t>
+            </a:r>
+          </a:p>
+          <a:p>
+            <a:pPr lvl="1">
+              <a:lnSpc>
+                <a:spcPct val="170000"/>
+              </a:lnSpc>
+            </a:pPr>
+            <a:r>
+              <a:rPr lang="es-ES_tradnl" dirty="0"/>
+              <a:t>La base B no se representa, es implícita e igual para todos: 2</a:t>
+            </a:r>
+          </a:p>
+          <a:p>
+            <a:pPr lvl="1">
+              <a:lnSpc>
+                <a:spcPct val="170000"/>
+              </a:lnSpc>
+            </a:pPr>
+            <a:r>
+              <a:rPr lang="es-ES_tradnl" dirty="0"/>
+              <a:t>La coma de la base está a la derecha del bit más significativo de la mantisa S y no se representa físicamente sino que se asume</a:t>
+            </a:r>
+          </a:p>
+          <a:p>
+            <a:pPr lvl="1">
+              <a:lnSpc>
+                <a:spcPct val="170000"/>
+              </a:lnSpc>
+            </a:pPr>
+            <a:r>
+              <a:rPr lang="es-ES_tradnl" dirty="0"/>
+              <a:t>Al lado izquierdo de la coma está también un 1, que tampoco se representa sino que se asume.</a:t>
+            </a:r>
+            <a:endParaRPr lang="en-US" dirty="0"/>
+          </a:p>
+        </p:txBody>
+      </p:sp>
+    </p:spTree>
+    <p:extLst>
+      <p:ext uri="{BB962C8B-B14F-4D97-AF65-F5344CB8AC3E}">
+        <p14:creationId xmlns:p14="http://schemas.microsoft.com/office/powerpoint/2010/main" val="716591894"/>
+      </p:ext>
+    </p:extLst>
+  </p:cSld>
+  <p:clrMapOvr>
+    <a:masterClrMapping/>
+  </p:clrMapOvr>
+</p:sld>
+</file>
+
+<file path=ppt/slides/slide18.xml><?xml version="1.0" encoding="utf-8"?>
+<p:sld xmlns:a="http://schemas.openxmlformats.org/drawingml/2006/main" xmlns:r="http://schemas.openxmlformats.org/officeDocument/2006/relationships" xmlns:p="http://schemas.openxmlformats.org/presentationml/2006/main">
+  <p:cSld>
+    <p:spTree>
+      <p:nvGrpSpPr>
+        <p:cNvPr id="1" name=""/>
+        <p:cNvGrpSpPr/>
+        <p:nvPr/>
+      </p:nvGrpSpPr>
+      <p:grpSpPr>
+        <a:xfrm>
+          <a:off x="0" y="0"/>
+          <a:ext cx="0" cy="0"/>
+          <a:chOff x="0" y="0"/>
+          <a:chExt cx="0" cy="0"/>
+        </a:xfrm>
+      </p:grpSpPr>
+      <p:sp>
+        <p:nvSpPr>
+          <p:cNvPr id="2" name="1 Título"/>
+          <p:cNvSpPr>
+            <a:spLocks noGrp="1"/>
+          </p:cNvSpPr>
+          <p:nvPr>
+            <p:ph type="title"/>
+          </p:nvPr>
+        </p:nvSpPr>
+        <p:spPr/>
+        <p:txBody>
+          <a:bodyPr/>
+          <a:lstStyle/>
+          <a:p>
+            <a:r>
+              <a:rPr lang="es-ES_tradnl" dirty="0"/>
+              <a:t>Aritmética de punto flotante</a:t>
+            </a:r>
+            <a:endParaRPr lang="en-US" dirty="0"/>
+          </a:p>
+        </p:txBody>
+      </p:sp>
+      <p:sp>
+        <p:nvSpPr>
+          <p:cNvPr id="3" name="2 Marcador de contenido"/>
+          <p:cNvSpPr>
+            <a:spLocks noGrp="1"/>
+          </p:cNvSpPr>
+          <p:nvPr>
+            <p:ph idx="1"/>
+          </p:nvPr>
+        </p:nvSpPr>
         <p:spPr/>
         <p:txBody>
           <a:bodyPr/>
@@ -6732,7 +7462,7 @@
 </p:sld>
 </file>
 
-<file path=ppt/slides/slide18.xml><?xml version="1.0" encoding="utf-8"?>
+<file path=ppt/slides/slide19.xml><?xml version="1.0" encoding="utf-8"?>
 <p:sld xmlns:a="http://schemas.openxmlformats.org/drawingml/2006/main" xmlns:r="http://schemas.openxmlformats.org/officeDocument/2006/relationships" xmlns:p="http://schemas.openxmlformats.org/presentationml/2006/main">
   <p:cSld>
     <p:spTree>
@@ -6839,131 +7569,6 @@
     <p:extLst>
       <p:ext uri="{BB962C8B-B14F-4D97-AF65-F5344CB8AC3E}">
         <p14:creationId xmlns:p14="http://schemas.microsoft.com/office/powerpoint/2010/main" val="1730484224"/>
-      </p:ext>
-    </p:extLst>
-  </p:cSld>
-  <p:clrMapOvr>
-    <a:masterClrMapping/>
-  </p:clrMapOvr>
-</p:sld>
-</file>
-
-<file path=ppt/slides/slide19.xml><?xml version="1.0" encoding="utf-8"?>
-<p:sld xmlns:a="http://schemas.openxmlformats.org/drawingml/2006/main" xmlns:r="http://schemas.openxmlformats.org/officeDocument/2006/relationships" xmlns:p="http://schemas.openxmlformats.org/presentationml/2006/main">
-  <p:cSld>
-    <p:spTree>
-      <p:nvGrpSpPr>
-        <p:cNvPr id="1" name=""/>
-        <p:cNvGrpSpPr/>
-        <p:nvPr/>
-      </p:nvGrpSpPr>
-      <p:grpSpPr>
-        <a:xfrm>
-          <a:off x="0" y="0"/>
-          <a:ext cx="0" cy="0"/>
-          <a:chOff x="0" y="0"/>
-          <a:chExt cx="0" cy="0"/>
-        </a:xfrm>
-      </p:grpSpPr>
-      <p:sp>
-        <p:nvSpPr>
-          <p:cNvPr id="2" name="1 Título"/>
-          <p:cNvSpPr>
-            <a:spLocks noGrp="1"/>
-          </p:cNvSpPr>
-          <p:nvPr>
-            <p:ph type="title"/>
-          </p:nvPr>
-        </p:nvSpPr>
-        <p:spPr/>
-        <p:txBody>
-          <a:bodyPr/>
-          <a:lstStyle/>
-          <a:p>
-            <a:r>
-              <a:rPr lang="es-ES_tradnl" dirty="0"/>
-              <a:t>Aritmética de punto flotante</a:t>
-            </a:r>
-            <a:endParaRPr lang="en-US" dirty="0"/>
-          </a:p>
-        </p:txBody>
-      </p:sp>
-      <p:pic>
-        <p:nvPicPr>
-          <p:cNvPr id="68610" name="Picture 2"/>
-          <p:cNvPicPr>
-            <a:picLocks noChangeAspect="1" noChangeArrowheads="1"/>
-          </p:cNvPicPr>
-          <p:nvPr/>
-        </p:nvPicPr>
-        <p:blipFill>
-          <a:blip r:embed="rId2" cstate="print"/>
-          <a:srcRect/>
-          <a:stretch>
-            <a:fillRect/>
-          </a:stretch>
-        </p:blipFill>
-        <p:spPr bwMode="auto">
-          <a:xfrm>
-            <a:off x="2698781" y="1781161"/>
-            <a:ext cx="8582025" cy="4695825"/>
-          </a:xfrm>
-          <a:prstGeom prst="rect">
-            <a:avLst/>
-          </a:prstGeom>
-          <a:noFill/>
-          <a:ln w="9525">
-            <a:noFill/>
-            <a:miter lim="800000"/>
-            <a:headEnd/>
-            <a:tailEnd/>
-          </a:ln>
-          <a:effectLst/>
-        </p:spPr>
-      </p:pic>
-      <p:sp>
-        <p:nvSpPr>
-          <p:cNvPr id="5" name="4 Rectángulo"/>
-          <p:cNvSpPr/>
-          <p:nvPr/>
-        </p:nvSpPr>
-        <p:spPr>
-          <a:xfrm>
-            <a:off x="2311380" y="6557982"/>
-            <a:ext cx="9216819" cy="720197"/>
-          </a:xfrm>
-          <a:prstGeom prst="rect">
-            <a:avLst/>
-          </a:prstGeom>
-        </p:spPr>
-        <p:txBody>
-          <a:bodyPr wrap="none">
-            <a:spAutoFit/>
-          </a:bodyPr>
-          <a:lstStyle/>
-          <a:p>
-            <a:pPr algn="ctr"/>
-            <a:r>
-              <a:rPr lang="es-ES_tradnl" sz="2040" dirty="0"/>
-              <a:t>Formato IEEE 754 Tomado de </a:t>
-            </a:r>
-          </a:p>
-          <a:p>
-            <a:pPr algn="ctr"/>
-            <a:r>
-              <a:rPr lang="en-US" sz="2040" dirty="0">
-                <a:hlinkClick r:id="rId3"/>
-              </a:rPr>
-              <a:t>http://www.uned.es/ca-bergara/ppropias/Morillo/web_etc_I/transp_aritm_codif.pdf</a:t>
-            </a:r>
-            <a:endParaRPr lang="en-US" sz="2040" dirty="0"/>
-          </a:p>
-        </p:txBody>
-      </p:sp>
-    </p:spTree>
-    <p:extLst>
-      <p:ext uri="{BB962C8B-B14F-4D97-AF65-F5344CB8AC3E}">
-        <p14:creationId xmlns:p14="http://schemas.microsoft.com/office/powerpoint/2010/main" val="239663331"/>
       </p:ext>
     </p:extLst>
   </p:cSld>
@@ -7165,6 +7770,131 @@
           <a:p>
             <a:r>
               <a:rPr lang="es-ES_tradnl" dirty="0"/>
+              <a:t>Aritmética de punto flotante</a:t>
+            </a:r>
+            <a:endParaRPr lang="en-US" dirty="0"/>
+          </a:p>
+        </p:txBody>
+      </p:sp>
+      <p:pic>
+        <p:nvPicPr>
+          <p:cNvPr id="68610" name="Picture 2"/>
+          <p:cNvPicPr>
+            <a:picLocks noChangeAspect="1" noChangeArrowheads="1"/>
+          </p:cNvPicPr>
+          <p:nvPr/>
+        </p:nvPicPr>
+        <p:blipFill>
+          <a:blip r:embed="rId2" cstate="print"/>
+          <a:srcRect/>
+          <a:stretch>
+            <a:fillRect/>
+          </a:stretch>
+        </p:blipFill>
+        <p:spPr bwMode="auto">
+          <a:xfrm>
+            <a:off x="2698781" y="1781161"/>
+            <a:ext cx="8582025" cy="4695825"/>
+          </a:xfrm>
+          <a:prstGeom prst="rect">
+            <a:avLst/>
+          </a:prstGeom>
+          <a:noFill/>
+          <a:ln w="9525">
+            <a:noFill/>
+            <a:miter lim="800000"/>
+            <a:headEnd/>
+            <a:tailEnd/>
+          </a:ln>
+          <a:effectLst/>
+        </p:spPr>
+      </p:pic>
+      <p:sp>
+        <p:nvSpPr>
+          <p:cNvPr id="5" name="4 Rectángulo"/>
+          <p:cNvSpPr/>
+          <p:nvPr/>
+        </p:nvSpPr>
+        <p:spPr>
+          <a:xfrm>
+            <a:off x="2311380" y="6557982"/>
+            <a:ext cx="9216819" cy="720197"/>
+          </a:xfrm>
+          <a:prstGeom prst="rect">
+            <a:avLst/>
+          </a:prstGeom>
+        </p:spPr>
+        <p:txBody>
+          <a:bodyPr wrap="none">
+            <a:spAutoFit/>
+          </a:bodyPr>
+          <a:lstStyle/>
+          <a:p>
+            <a:pPr algn="ctr"/>
+            <a:r>
+              <a:rPr lang="es-ES_tradnl" sz="2040" dirty="0"/>
+              <a:t>Formato IEEE 754 Tomado de </a:t>
+            </a:r>
+          </a:p>
+          <a:p>
+            <a:pPr algn="ctr"/>
+            <a:r>
+              <a:rPr lang="en-US" sz="2040" dirty="0">
+                <a:hlinkClick r:id="rId3"/>
+              </a:rPr>
+              <a:t>http://www.uned.es/ca-bergara/ppropias/Morillo/web_etc_I/transp_aritm_codif.pdf</a:t>
+            </a:r>
+            <a:endParaRPr lang="en-US" sz="2040" dirty="0"/>
+          </a:p>
+        </p:txBody>
+      </p:sp>
+    </p:spTree>
+    <p:extLst>
+      <p:ext uri="{BB962C8B-B14F-4D97-AF65-F5344CB8AC3E}">
+        <p14:creationId xmlns:p14="http://schemas.microsoft.com/office/powerpoint/2010/main" val="239663331"/>
+      </p:ext>
+    </p:extLst>
+  </p:cSld>
+  <p:clrMapOvr>
+    <a:masterClrMapping/>
+  </p:clrMapOvr>
+</p:sld>
+</file>
+
+<file path=ppt/slides/slide21.xml><?xml version="1.0" encoding="utf-8"?>
+<p:sld xmlns:a="http://schemas.openxmlformats.org/drawingml/2006/main" xmlns:r="http://schemas.openxmlformats.org/officeDocument/2006/relationships" xmlns:p="http://schemas.openxmlformats.org/presentationml/2006/main">
+  <p:cSld>
+    <p:spTree>
+      <p:nvGrpSpPr>
+        <p:cNvPr id="1" name=""/>
+        <p:cNvGrpSpPr/>
+        <p:nvPr/>
+      </p:nvGrpSpPr>
+      <p:grpSpPr>
+        <a:xfrm>
+          <a:off x="0" y="0"/>
+          <a:ext cx="0" cy="0"/>
+          <a:chOff x="0" y="0"/>
+          <a:chExt cx="0" cy="0"/>
+        </a:xfrm>
+      </p:grpSpPr>
+      <p:sp>
+        <p:nvSpPr>
+          <p:cNvPr id="2" name="1 Título"/>
+          <p:cNvSpPr>
+            <a:spLocks noGrp="1"/>
+          </p:cNvSpPr>
+          <p:nvPr>
+            <p:ph type="title"/>
+          </p:nvPr>
+        </p:nvSpPr>
+        <p:spPr/>
+        <p:txBody>
+          <a:bodyPr/>
+          <a:lstStyle/>
+          <a:p>
+            <a:r>
+              <a:rPr lang="es-ES_tradnl" dirty="0"/>
               <a:t>Bibliografía</a:t>
             </a:r>
             <a:endParaRPr lang="en-US" dirty="0"/>
@@ -7270,7 +8000,7 @@
 </p:sld>
 </file>
 
-<file path=ppt/slides/slide21.xml><?xml version="1.0" encoding="utf-8"?>
+<file path=ppt/slides/slide22.xml><?xml version="1.0" encoding="utf-8"?>
 <p:sld xmlns:a="http://schemas.openxmlformats.org/drawingml/2006/main" xmlns:r="http://schemas.openxmlformats.org/officeDocument/2006/relationships" xmlns:p="http://schemas.openxmlformats.org/presentationml/2006/main">
   <p:cSld>
     <p:spTree>
@@ -7366,7 +8096,7 @@
 </p:sld>
 </file>
 
-<file path=ppt/slides/slide22.xml><?xml version="1.0" encoding="utf-8"?>
+<file path=ppt/slides/slide23.xml><?xml version="1.0" encoding="utf-8"?>
 <p:sld xmlns:a="http://schemas.openxmlformats.org/drawingml/2006/main" xmlns:r="http://schemas.openxmlformats.org/officeDocument/2006/relationships" xmlns:p="http://schemas.openxmlformats.org/presentationml/2006/main">
   <p:cSld>
     <p:spTree>
@@ -7676,7 +8406,9 @@
           </a:xfrm>
         </p:spPr>
         <p:txBody>
-          <a:bodyPr/>
+          <a:bodyPr>
+            <a:normAutofit lnSpcReduction="10000"/>
+          </a:bodyPr>
           <a:lstStyle/>
           <a:p>
             <a:r>
@@ -7720,15 +8452,11 @@
             </a:r>
           </a:p>
           <a:p>
-            <a:pPr lvl="3"/>
-            <a:r>
-              <a:rPr lang="es-ES_tradnl" dirty="0"/>
-              <a:t>Representar 18 y su negación con complemento a dos</a:t>
-            </a:r>
-          </a:p>
-          <a:p>
             <a:pPr lvl="1"/>
-            <a:endParaRPr lang="en-US" dirty="0"/>
+            <a:r>
+              <a:rPr lang="es-ES_tradnl" b="1" dirty="0"/>
+              <a:t>Ejercicio: Representar 18 usando 8 dígitos binarios y su negación con complemento a dos</a:t>
+            </a:r>
           </a:p>
         </p:txBody>
       </p:sp>
@@ -8649,8 +9377,8 @@
         </p:nvSpPr>
         <p:spPr>
           <a:xfrm>
-            <a:off x="8659297" y="2159870"/>
-            <a:ext cx="2881061" cy="4154984"/>
+            <a:off x="7604567" y="2159870"/>
+            <a:ext cx="3935791" cy="3785652"/>
           </a:xfrm>
           <a:prstGeom prst="rect">
             <a:avLst/>
@@ -8674,14 +9402,30 @@
           <a:p>
             <a:r>
               <a:rPr lang="es-CO" sz="2400" dirty="0"/>
-              <a:t>150  10010110  +</a:t>
+              <a:t>150</a:t>
+            </a:r>
+            <a:r>
+              <a:rPr lang="es-CO" sz="2400" baseline="-25000" dirty="0"/>
+              <a:t>10</a:t>
+            </a:r>
+            <a:r>
+              <a:rPr lang="es-CO" sz="2400" dirty="0"/>
+              <a:t>  10010110  +</a:t>
             </a:r>
             <a:br>
               <a:rPr lang="es-CO" sz="2400" dirty="0"/>
             </a:br>
             <a:r>
               <a:rPr lang="es-CO" sz="2400" dirty="0"/>
-              <a:t>150  10010110</a:t>
+              <a:t>150</a:t>
+            </a:r>
+            <a:r>
+              <a:rPr lang="es-CO" sz="2400" baseline="-25000" dirty="0"/>
+              <a:t>10</a:t>
+            </a:r>
+            <a:r>
+              <a:rPr lang="es-CO" sz="2400" dirty="0"/>
+              <a:t>  10010110</a:t>
             </a:r>
           </a:p>
           <a:p>
@@ -8826,7 +9570,13 @@
       </p:grpSpPr>
       <p:sp>
         <p:nvSpPr>
-          <p:cNvPr id="2" name="1 Título"/>
+          <p:cNvPr id="5" name="Título 4">
+            <a:extLst>
+              <a:ext uri="{FF2B5EF4-FFF2-40B4-BE49-F238E27FC236}">
+                <a16:creationId xmlns:a16="http://schemas.microsoft.com/office/drawing/2014/main" id="{B504777B-EE08-4A9B-8C8A-186BC679F530}"/>
+              </a:ext>
+            </a:extLst>
+          </p:cNvPr>
           <p:cNvSpPr>
             <a:spLocks noGrp="1"/>
           </p:cNvSpPr>
@@ -8840,16 +9590,22 @@
           <a:lstStyle/>
           <a:p>
             <a:r>
-              <a:rPr lang="es-ES_tradnl" dirty="0"/>
-              <a:t>Aritmética con enteros</a:t>
-            </a:r>
-            <a:endParaRPr lang="en-US" dirty="0"/>
-          </a:p>
-        </p:txBody>
-      </p:sp>
-      <p:sp>
-        <p:nvSpPr>
-          <p:cNvPr id="3" name="2 Marcador de contenido"/>
+              <a:rPr lang="es-CO" dirty="0"/>
+              <a:t>Ejercicios Sumas Binarios</a:t>
+            </a:r>
+            <a:endParaRPr lang="es-419" dirty="0"/>
+          </a:p>
+        </p:txBody>
+      </p:sp>
+      <p:sp>
+        <p:nvSpPr>
+          <p:cNvPr id="6" name="Marcador de contenido 5">
+            <a:extLst>
+              <a:ext uri="{FF2B5EF4-FFF2-40B4-BE49-F238E27FC236}">
+                <a16:creationId xmlns:a16="http://schemas.microsoft.com/office/drawing/2014/main" id="{EA5B2E07-992E-4DA5-A1C6-3EFCB6429826}"/>
+              </a:ext>
+            </a:extLst>
+          </p:cNvPr>
           <p:cNvSpPr>
             <a:spLocks noGrp="1"/>
           </p:cNvSpPr>
@@ -8863,43 +9619,101 @@
           <a:lstStyle/>
           <a:p>
             <a:r>
-              <a:rPr lang="es-ES_tradnl" dirty="0"/>
-              <a:t>Resta</a:t>
+              <a:rPr lang="es-CO" dirty="0"/>
+              <a:t>Para cada punto:</a:t>
             </a:r>
           </a:p>
           <a:p>
             <a:pPr lvl="1"/>
             <a:r>
-              <a:rPr lang="es-ES_tradnl" dirty="0"/>
-              <a:t>Se consigue usando la suma y se aplica el tratamiento de </a:t>
-            </a:r>
-            <a:r>
-              <a:rPr lang="es-ES_tradnl" dirty="0" err="1"/>
+              <a:rPr lang="es-ES" dirty="0"/>
+              <a:t>Realiza la suma en binario.</a:t>
+            </a:r>
+          </a:p>
+          <a:p>
+            <a:pPr lvl="1"/>
+            <a:r>
+              <a:rPr lang="es-ES" dirty="0"/>
+              <a:t>Convierte el resultado a decimal.</a:t>
+            </a:r>
+          </a:p>
+          <a:p>
+            <a:pPr lvl="1"/>
+            <a:r>
+              <a:rPr lang="es-ES" dirty="0"/>
+              <a:t>Indica si hay </a:t>
+            </a:r>
+            <a:r>
+              <a:rPr lang="es-ES" dirty="0" err="1"/>
               <a:t>overflow</a:t>
             </a:r>
-            <a:endParaRPr lang="es-ES_tradnl" dirty="0"/>
-          </a:p>
-          <a:p>
-            <a:pPr lvl="1"/>
-            <a:r>
-              <a:rPr lang="es-ES_tradnl" dirty="0"/>
-              <a:t>Al sustraendo se le trata como entero positivo y se le calcula su negativo en CAD, éste se suma al minuendo</a:t>
-            </a:r>
-          </a:p>
-          <a:p>
-            <a:pPr lvl="1"/>
-            <a:r>
-              <a:rPr lang="es-ES_tradnl" dirty="0"/>
-              <a:t>Se analiza el resultado</a:t>
-            </a:r>
-            <a:endParaRPr lang="en-US" dirty="0"/>
+            <a:r>
+              <a:rPr lang="es-ES" dirty="0"/>
+              <a:t>.</a:t>
+            </a:r>
+            <a:r>
+              <a:rPr lang="es-CO" dirty="0"/>
+              <a:t> </a:t>
+            </a:r>
+            <a:endParaRPr lang="es-419" dirty="0"/>
+          </a:p>
+          <a:p>
+            <a:pPr marL="1032495" lvl="1" indent="-514350">
+              <a:buFont typeface="+mj-lt"/>
+              <a:buAutoNum type="arabicPeriod"/>
+            </a:pPr>
+            <a:r>
+              <a:rPr lang="es-419" dirty="0"/>
+              <a:t>60 +( – 25)</a:t>
+            </a:r>
+          </a:p>
+          <a:p>
+            <a:pPr marL="1032495" lvl="1" indent="-514350">
+              <a:buFont typeface="+mj-lt"/>
+              <a:buAutoNum type="arabicPeriod"/>
+            </a:pPr>
+            <a:r>
+              <a:rPr lang="es-419" dirty="0"/>
+              <a:t>90 + 70</a:t>
+            </a:r>
+          </a:p>
+          <a:p>
+            <a:pPr marL="1032495" lvl="1" indent="-514350">
+              <a:buFont typeface="+mj-lt"/>
+              <a:buAutoNum type="arabicPeriod"/>
+            </a:pPr>
+            <a:r>
+              <a:rPr lang="es-419" dirty="0"/>
+              <a:t>-90 + (-50)</a:t>
+            </a:r>
+          </a:p>
+          <a:p>
+            <a:pPr marL="1032495" lvl="1" indent="-514350">
+              <a:buFont typeface="+mj-lt"/>
+              <a:buAutoNum type="arabicPeriod"/>
+            </a:pPr>
+            <a:r>
+              <a:rPr lang="es-419" dirty="0"/>
+              <a:t>120 + (-70)</a:t>
+            </a:r>
+          </a:p>
+          <a:p>
+            <a:pPr marL="1032495" lvl="1" indent="-514350">
+              <a:buFont typeface="+mj-lt"/>
+              <a:buAutoNum type="arabicPeriod"/>
+            </a:pPr>
+            <a:r>
+              <a:rPr lang="es-419" dirty="0"/>
+              <a:t>-85 + 42</a:t>
+            </a:r>
+            <a:endParaRPr lang="es-CO" dirty="0"/>
           </a:p>
         </p:txBody>
       </p:sp>
     </p:spTree>
     <p:extLst>
       <p:ext uri="{BB962C8B-B14F-4D97-AF65-F5344CB8AC3E}">
-        <p14:creationId xmlns:p14="http://schemas.microsoft.com/office/powerpoint/2010/main" val="1742051783"/>
+        <p14:creationId xmlns:p14="http://schemas.microsoft.com/office/powerpoint/2010/main" val="4153692827"/>
       </p:ext>
     </p:extLst>
   </p:cSld>
@@ -8961,9 +9775,7 @@
         </p:nvSpPr>
         <p:spPr/>
         <p:txBody>
-          <a:bodyPr>
-            <a:normAutofit/>
-          </a:bodyPr>
+          <a:bodyPr/>
           <a:lstStyle/>
           <a:p>
             <a:r>
@@ -8975,371 +9787,35 @@
             <a:pPr lvl="1"/>
             <a:r>
               <a:rPr lang="es-ES_tradnl" dirty="0"/>
-              <a:t>Ejemplo: Efectuar 2-7. (representar en palabras de 4 bit)</a:t>
-            </a:r>
+              <a:t>Se consigue usando la suma y se aplica el tratamiento de </a:t>
+            </a:r>
+            <a:r>
+              <a:rPr lang="es-ES_tradnl" dirty="0" err="1"/>
+              <a:t>overflow</a:t>
+            </a:r>
+            <a:endParaRPr lang="es-ES_tradnl" dirty="0"/>
           </a:p>
           <a:p>
             <a:pPr lvl="1"/>
-            <a:endParaRPr lang="es-ES_tradnl" dirty="0"/>
+            <a:r>
+              <a:rPr lang="es-ES_tradnl" dirty="0"/>
+              <a:t>Al sustraendo se le trata como entero positivo y se le calcula su negativo en CAD, éste se suma al minuendo</a:t>
+            </a:r>
           </a:p>
           <a:p>
             <a:pPr lvl="1"/>
-            <a:endParaRPr lang="es-ES_tradnl" dirty="0"/>
-          </a:p>
-          <a:p>
-            <a:pPr lvl="1"/>
-            <a:endParaRPr lang="es-ES_tradnl" dirty="0"/>
-          </a:p>
-          <a:p>
-            <a:pPr lvl="1"/>
-            <a:endParaRPr lang="es-ES_tradnl" dirty="0"/>
-          </a:p>
-          <a:p>
-            <a:pPr lvl="1"/>
-            <a:endParaRPr lang="es-ES_tradnl" dirty="0"/>
-          </a:p>
-          <a:p>
-            <a:pPr lvl="1"/>
             <a:r>
               <a:rPr lang="es-ES_tradnl" dirty="0"/>
-              <a:t>Realizar: </a:t>
-            </a:r>
-          </a:p>
-          <a:p>
-            <a:pPr lvl="2"/>
-            <a:r>
-              <a:rPr lang="es-ES_tradnl" dirty="0"/>
-              <a:t>5 – 2		-5 -2		7 – 7 		-6 - 4 </a:t>
+              <a:t>Se analiza el resultado</a:t>
             </a:r>
             <a:endParaRPr lang="en-US" dirty="0"/>
-          </a:p>
-        </p:txBody>
-      </p:sp>
-      <p:graphicFrame>
-        <p:nvGraphicFramePr>
-          <p:cNvPr id="4" name="3 Tabla"/>
-          <p:cNvGraphicFramePr>
-            <a:graphicFrameLocks noGrp="1"/>
-          </p:cNvGraphicFramePr>
-          <p:nvPr>
-            <p:extLst>
-              <p:ext uri="{D42A27DB-BD31-4B8C-83A1-F6EECF244321}">
-                <p14:modId xmlns:p14="http://schemas.microsoft.com/office/powerpoint/2010/main" val="3874815873"/>
-              </p:ext>
-            </p:extLst>
-          </p:nvPr>
-        </p:nvGraphicFramePr>
-        <p:xfrm>
-          <a:off x="3608538" y="3721324"/>
-          <a:ext cx="4938747" cy="1367943"/>
-        </p:xfrm>
-        <a:graphic>
-          <a:graphicData uri="http://schemas.openxmlformats.org/drawingml/2006/table">
-            <a:tbl>
-              <a:tblPr firstRow="1" bandRow="1">
-                <a:tableStyleId>{5C22544A-7EE6-4342-B048-85BDC9FD1C3A}</a:tableStyleId>
-              </a:tblPr>
-              <a:tblGrid>
-                <a:gridCol w="2302933">
-                  <a:extLst>
-                    <a:ext uri="{9D8B030D-6E8A-4147-A177-3AD203B41FA5}">
-                      <a16:colId xmlns:a16="http://schemas.microsoft.com/office/drawing/2014/main" val="20000"/>
-                    </a:ext>
-                  </a:extLst>
-                </a:gridCol>
-                <a:gridCol w="2635814">
-                  <a:extLst>
-                    <a:ext uri="{9D8B030D-6E8A-4147-A177-3AD203B41FA5}">
-                      <a16:colId xmlns:a16="http://schemas.microsoft.com/office/drawing/2014/main" val="20001"/>
-                    </a:ext>
-                  </a:extLst>
-                </a:gridCol>
-              </a:tblGrid>
-              <a:tr h="455981">
-                <a:tc>
-                  <a:txBody>
-                    <a:bodyPr/>
-                    <a:lstStyle/>
-                    <a:p>
-                      <a:r>
-                        <a:rPr lang="es-ES_tradnl" sz="2300" dirty="0"/>
-                        <a:t>M = 2 </a:t>
-                      </a:r>
-                      <a:r>
-                        <a:rPr lang="es-ES_tradnl" sz="2300" dirty="0">
-                          <a:sym typeface="Wingdings" pitchFamily="2" charset="2"/>
-                        </a:rPr>
-                        <a:t> 0010</a:t>
-                      </a:r>
-                      <a:endParaRPr lang="en-US" sz="2300" dirty="0"/>
-                    </a:p>
-                  </a:txBody>
-                  <a:tcPr marL="103632" marR="103632" marT="51816" marB="51816"/>
-                </a:tc>
-                <a:tc>
-                  <a:txBody>
-                    <a:bodyPr/>
-                    <a:lstStyle/>
-                    <a:p>
-                      <a:r>
-                        <a:rPr lang="es-ES_tradnl" sz="2300" dirty="0"/>
-                        <a:t>   0010</a:t>
-                      </a:r>
-                      <a:endParaRPr lang="en-US" sz="2300" dirty="0"/>
-                    </a:p>
-                  </a:txBody>
-                  <a:tcPr marL="103632" marR="103632" marT="51816" marB="51816"/>
-                </a:tc>
-                <a:extLst>
-                  <a:ext uri="{0D108BD9-81ED-4DB2-BD59-A6C34878D82A}">
-                    <a16:rowId xmlns:a16="http://schemas.microsoft.com/office/drawing/2014/main" val="10000"/>
-                  </a:ext>
-                </a:extLst>
-              </a:tr>
-              <a:tr h="455981">
-                <a:tc>
-                  <a:txBody>
-                    <a:bodyPr/>
-                    <a:lstStyle/>
-                    <a:p>
-                      <a:r>
-                        <a:rPr lang="es-ES_tradnl" sz="2300" dirty="0"/>
-                        <a:t>S</a:t>
-                      </a:r>
-                      <a:r>
-                        <a:rPr lang="es-ES_tradnl" sz="2300" baseline="0" dirty="0"/>
-                        <a:t> = 7 </a:t>
-                      </a:r>
-                      <a:r>
-                        <a:rPr lang="es-ES_tradnl" sz="2300" baseline="0" dirty="0">
-                          <a:sym typeface="Wingdings" pitchFamily="2" charset="2"/>
-                        </a:rPr>
-                        <a:t> 0111</a:t>
-                      </a:r>
-                      <a:endParaRPr lang="en-US" sz="2300" dirty="0"/>
-                    </a:p>
-                  </a:txBody>
-                  <a:tcPr marL="103632" marR="103632" marT="51816" marB="51816"/>
-                </a:tc>
-                <a:tc>
-                  <a:txBody>
-                    <a:bodyPr/>
-                    <a:lstStyle/>
-                    <a:p>
-                      <a:r>
-                        <a:rPr lang="es-ES_tradnl" sz="2300" dirty="0"/>
-                        <a:t>+ 1001</a:t>
-                      </a:r>
-                      <a:endParaRPr lang="en-US" sz="2300" dirty="0"/>
-                    </a:p>
-                  </a:txBody>
-                  <a:tcPr marL="103632" marR="103632" marT="51816" marB="51816"/>
-                </a:tc>
-                <a:extLst>
-                  <a:ext uri="{0D108BD9-81ED-4DB2-BD59-A6C34878D82A}">
-                    <a16:rowId xmlns:a16="http://schemas.microsoft.com/office/drawing/2014/main" val="10001"/>
-                  </a:ext>
-                </a:extLst>
-              </a:tr>
-              <a:tr h="455981">
-                <a:tc>
-                  <a:txBody>
-                    <a:bodyPr/>
-                    <a:lstStyle/>
-                    <a:p>
-                      <a:r>
-                        <a:rPr lang="es-ES_tradnl" sz="2300" dirty="0"/>
-                        <a:t>-S</a:t>
-                      </a:r>
-                      <a:r>
-                        <a:rPr lang="es-ES_tradnl" sz="2300" baseline="0" dirty="0"/>
-                        <a:t> = </a:t>
-                      </a:r>
-                      <a:r>
-                        <a:rPr lang="es-ES_tradnl" sz="2300" baseline="0" dirty="0">
-                          <a:sym typeface="Wingdings" pitchFamily="2" charset="2"/>
-                        </a:rPr>
-                        <a:t> 1001</a:t>
-                      </a:r>
-                      <a:endParaRPr lang="en-US" sz="2300" dirty="0"/>
-                    </a:p>
-                  </a:txBody>
-                  <a:tcPr marL="103632" marR="103632" marT="51816" marB="51816"/>
-                </a:tc>
-                <a:tc>
-                  <a:txBody>
-                    <a:bodyPr/>
-                    <a:lstStyle/>
-                    <a:p>
-                      <a:r>
-                        <a:rPr lang="es-ES_tradnl" sz="2300" dirty="0"/>
-                        <a:t>   1011 </a:t>
-                      </a:r>
-                      <a:r>
-                        <a:rPr lang="es-ES_tradnl" sz="2300" dirty="0">
-                          <a:sym typeface="Wingdings" pitchFamily="2" charset="2"/>
-                        </a:rPr>
-                        <a:t> Resultado</a:t>
-                      </a:r>
-                      <a:endParaRPr lang="en-US" sz="2300" dirty="0"/>
-                    </a:p>
-                  </a:txBody>
-                  <a:tcPr marL="103632" marR="103632" marT="51816" marB="51816"/>
-                </a:tc>
-                <a:extLst>
-                  <a:ext uri="{0D108BD9-81ED-4DB2-BD59-A6C34878D82A}">
-                    <a16:rowId xmlns:a16="http://schemas.microsoft.com/office/drawing/2014/main" val="10002"/>
-                  </a:ext>
-                </a:extLst>
-              </a:tr>
-            </a:tbl>
-          </a:graphicData>
-        </a:graphic>
-      </p:graphicFrame>
-      <p:sp>
-        <p:nvSpPr>
-          <p:cNvPr id="5" name="4 CuadroTexto"/>
-          <p:cNvSpPr txBox="1"/>
-          <p:nvPr/>
-        </p:nvSpPr>
-        <p:spPr>
-          <a:xfrm>
-            <a:off x="3770465" y="2992657"/>
-            <a:ext cx="1785361" cy="441211"/>
-          </a:xfrm>
-          <a:prstGeom prst="rect">
-            <a:avLst/>
-          </a:prstGeom>
-          <a:noFill/>
-        </p:spPr>
-        <p:txBody>
-          <a:bodyPr wrap="none" rtlCol="0">
-            <a:spAutoFit/>
-          </a:bodyPr>
-          <a:lstStyle/>
-          <a:p>
-            <a:r>
-              <a:rPr lang="es-ES_tradnl" sz="2267" b="1" dirty="0"/>
-              <a:t>Conversiones</a:t>
-            </a:r>
-            <a:endParaRPr lang="en-US" sz="2267" b="1" dirty="0"/>
-          </a:p>
-        </p:txBody>
-      </p:sp>
-      <p:sp>
-        <p:nvSpPr>
-          <p:cNvPr id="6" name="5 CuadroTexto"/>
-          <p:cNvSpPr txBox="1"/>
-          <p:nvPr/>
-        </p:nvSpPr>
-        <p:spPr>
-          <a:xfrm>
-            <a:off x="6199357" y="2992657"/>
-            <a:ext cx="1762021" cy="441211"/>
-          </a:xfrm>
-          <a:prstGeom prst="rect">
-            <a:avLst/>
-          </a:prstGeom>
-          <a:noFill/>
-        </p:spPr>
-        <p:txBody>
-          <a:bodyPr wrap="none" rtlCol="0">
-            <a:spAutoFit/>
-          </a:bodyPr>
-          <a:lstStyle/>
-          <a:p>
-            <a:r>
-              <a:rPr lang="es-ES_tradnl" sz="2267" b="1" dirty="0"/>
-              <a:t>La Operación</a:t>
-            </a:r>
-            <a:endParaRPr lang="en-US" sz="2267" b="1" dirty="0"/>
-          </a:p>
-        </p:txBody>
-      </p:sp>
-      <p:sp>
-        <p:nvSpPr>
-          <p:cNvPr id="8" name="7 Flecha abajo"/>
-          <p:cNvSpPr/>
-          <p:nvPr/>
-        </p:nvSpPr>
-        <p:spPr>
-          <a:xfrm>
-            <a:off x="4580095" y="3397472"/>
-            <a:ext cx="323852" cy="242889"/>
-          </a:xfrm>
-          <a:prstGeom prst="downArrow">
-            <a:avLst/>
-          </a:prstGeom>
-        </p:spPr>
-        <p:style>
-          <a:lnRef idx="2">
-            <a:schemeClr val="accent1">
-              <a:shade val="50000"/>
-            </a:schemeClr>
-          </a:lnRef>
-          <a:fillRef idx="1">
-            <a:schemeClr val="accent1"/>
-          </a:fillRef>
-          <a:effectRef idx="0">
-            <a:schemeClr val="accent1"/>
-          </a:effectRef>
-          <a:fontRef idx="minor">
-            <a:schemeClr val="lt1"/>
-          </a:fontRef>
-        </p:style>
-        <p:txBody>
-          <a:bodyPr rtlCol="0" anchor="ctr"/>
-          <a:lstStyle/>
-          <a:p>
-            <a:pPr algn="ctr"/>
-            <a:endParaRPr lang="en-US" sz="2040"/>
-          </a:p>
-        </p:txBody>
-      </p:sp>
-      <p:sp>
-        <p:nvSpPr>
-          <p:cNvPr id="9" name="8 Flecha abajo"/>
-          <p:cNvSpPr/>
-          <p:nvPr/>
-        </p:nvSpPr>
-        <p:spPr>
-          <a:xfrm>
-            <a:off x="7008987" y="3397472"/>
-            <a:ext cx="323852" cy="242889"/>
-          </a:xfrm>
-          <a:prstGeom prst="downArrow">
-            <a:avLst/>
-          </a:prstGeom>
-        </p:spPr>
-        <p:style>
-          <a:lnRef idx="2">
-            <a:schemeClr val="accent1">
-              <a:shade val="50000"/>
-            </a:schemeClr>
-          </a:lnRef>
-          <a:fillRef idx="1">
-            <a:schemeClr val="accent1"/>
-          </a:fillRef>
-          <a:effectRef idx="0">
-            <a:schemeClr val="accent1"/>
-          </a:effectRef>
-          <a:fontRef idx="minor">
-            <a:schemeClr val="lt1"/>
-          </a:fontRef>
-        </p:style>
-        <p:txBody>
-          <a:bodyPr rtlCol="0" anchor="ctr"/>
-          <a:lstStyle/>
-          <a:p>
-            <a:pPr algn="ctr"/>
-            <a:endParaRPr lang="en-US" sz="2040"/>
           </a:p>
         </p:txBody>
       </p:sp>
     </p:spTree>
     <p:extLst>
       <p:ext uri="{BB962C8B-B14F-4D97-AF65-F5344CB8AC3E}">
-        <p14:creationId xmlns:p14="http://schemas.microsoft.com/office/powerpoint/2010/main" val="2856087148"/>
+        <p14:creationId xmlns:p14="http://schemas.microsoft.com/office/powerpoint/2010/main" val="1742051783"/>
       </p:ext>
     </p:extLst>
   </p:cSld>

--- a/Slides/3_Aritmetica_del_computador.pptx
+++ b/Slides/3_Aritmetica_del_computador.pptx
@@ -5,7 +5,7 @@
     <p:sldMasterId id="2147483672" r:id="rId1"/>
   </p:sldMasterIdLst>
   <p:notesMasterIdLst>
-    <p:notesMasterId r:id="rId25"/>
+    <p:notesMasterId r:id="rId28"/>
   </p:notesMasterIdLst>
   <p:sldIdLst>
     <p:sldId id="257" r:id="rId2"/>
@@ -20,17 +20,20 @@
     <p:sldId id="385" r:id="rId11"/>
     <p:sldId id="388" r:id="rId12"/>
     <p:sldId id="440" r:id="rId13"/>
-    <p:sldId id="401" r:id="rId14"/>
-    <p:sldId id="406" r:id="rId15"/>
-    <p:sldId id="407" r:id="rId16"/>
-    <p:sldId id="408" r:id="rId17"/>
-    <p:sldId id="411" r:id="rId18"/>
-    <p:sldId id="412" r:id="rId19"/>
-    <p:sldId id="416" r:id="rId20"/>
-    <p:sldId id="417" r:id="rId21"/>
-    <p:sldId id="422" r:id="rId22"/>
-    <p:sldId id="358" r:id="rId23"/>
-    <p:sldId id="359" r:id="rId24"/>
+    <p:sldId id="445" r:id="rId14"/>
+    <p:sldId id="401" r:id="rId15"/>
+    <p:sldId id="446" r:id="rId16"/>
+    <p:sldId id="447" r:id="rId17"/>
+    <p:sldId id="406" r:id="rId18"/>
+    <p:sldId id="407" r:id="rId19"/>
+    <p:sldId id="408" r:id="rId20"/>
+    <p:sldId id="411" r:id="rId21"/>
+    <p:sldId id="412" r:id="rId22"/>
+    <p:sldId id="416" r:id="rId23"/>
+    <p:sldId id="417" r:id="rId24"/>
+    <p:sldId id="422" r:id="rId25"/>
+    <p:sldId id="358" r:id="rId26"/>
+    <p:sldId id="359" r:id="rId27"/>
   </p:sldIdLst>
   <p:sldSz cx="13817600" cy="7772400"/>
   <p:notesSz cx="6858000" cy="9144000"/>
@@ -152,8 +155,8 @@
 <pc:chgInfo xmlns:a="http://schemas.openxmlformats.org/drawingml/2006/main" xmlns:r="http://schemas.openxmlformats.org/officeDocument/2006/relationships" xmlns:ac="http://schemas.microsoft.com/office/drawing/2013/main/command" xmlns:pc="http://schemas.microsoft.com/office/powerpoint/2013/main/command">
   <pc:docChgLst>
     <pc:chgData name="Cesar Augusto Lopez Gallego" userId="0dfa9112-9251-4882-b472-cf2dfcee09d1" providerId="ADAL" clId="{7555F657-D3C0-4200-86C9-4E788E09563A}"/>
-    <pc:docChg chg="custSel addSld modSld">
-      <pc:chgData name="Cesar Augusto Lopez Gallego" userId="0dfa9112-9251-4882-b472-cf2dfcee09d1" providerId="ADAL" clId="{7555F657-D3C0-4200-86C9-4E788E09563A}" dt="2025-07-21T23:51:07.308" v="224" actId="20577"/>
+    <pc:docChg chg="undo custSel addSld delSld modSld">
+      <pc:chgData name="Cesar Augusto Lopez Gallego" userId="0dfa9112-9251-4882-b472-cf2dfcee09d1" providerId="ADAL" clId="{7555F657-D3C0-4200-86C9-4E788E09563A}" dt="2025-07-23T23:04:52.972" v="970" actId="12"/>
       <pc:docMkLst>
         <pc:docMk/>
       </pc:docMkLst>
@@ -218,6 +221,124 @@
           </ac:cxnSpMkLst>
         </pc:cxnChg>
       </pc:sldChg>
+      <pc:sldChg chg="addSp delSp modSp mod">
+        <pc:chgData name="Cesar Augusto Lopez Gallego" userId="0dfa9112-9251-4882-b472-cf2dfcee09d1" providerId="ADAL" clId="{7555F657-D3C0-4200-86C9-4E788E09563A}" dt="2025-07-23T23:02:41.539" v="833" actId="478"/>
+        <pc:sldMkLst>
+          <pc:docMk/>
+          <pc:sldMk cId="4018628143" sldId="401"/>
+        </pc:sldMkLst>
+        <pc:spChg chg="mod">
+          <ac:chgData name="Cesar Augusto Lopez Gallego" userId="0dfa9112-9251-4882-b472-cf2dfcee09d1" providerId="ADAL" clId="{7555F657-D3C0-4200-86C9-4E788E09563A}" dt="2025-07-23T20:01:19.457" v="236" actId="20577"/>
+          <ac:spMkLst>
+            <pc:docMk/>
+            <pc:sldMk cId="4018628143" sldId="401"/>
+            <ac:spMk id="2" creationId="{00000000-0000-0000-0000-000000000000}"/>
+          </ac:spMkLst>
+        </pc:spChg>
+        <pc:spChg chg="mod">
+          <ac:chgData name="Cesar Augusto Lopez Gallego" userId="0dfa9112-9251-4882-b472-cf2dfcee09d1" providerId="ADAL" clId="{7555F657-D3C0-4200-86C9-4E788E09563A}" dt="2025-07-23T23:02:32.750" v="831" actId="21"/>
+          <ac:spMkLst>
+            <pc:docMk/>
+            <pc:sldMk cId="4018628143" sldId="401"/>
+            <ac:spMk id="3" creationId="{00000000-0000-0000-0000-000000000000}"/>
+          </ac:spMkLst>
+        </pc:spChg>
+        <pc:spChg chg="del">
+          <ac:chgData name="Cesar Augusto Lopez Gallego" userId="0dfa9112-9251-4882-b472-cf2dfcee09d1" providerId="ADAL" clId="{7555F657-D3C0-4200-86C9-4E788E09563A}" dt="2025-07-23T23:02:37.502" v="832" actId="478"/>
+          <ac:spMkLst>
+            <pc:docMk/>
+            <pc:sldMk cId="4018628143" sldId="401"/>
+            <ac:spMk id="13" creationId="{D5B3050C-372D-48AC-A1AE-D3EC884F8FC5}"/>
+          </ac:spMkLst>
+        </pc:spChg>
+        <pc:cxnChg chg="add">
+          <ac:chgData name="Cesar Augusto Lopez Gallego" userId="0dfa9112-9251-4882-b472-cf2dfcee09d1" providerId="ADAL" clId="{7555F657-D3C0-4200-86C9-4E788E09563A}" dt="2025-07-23T22:51:22.522" v="488" actId="11529"/>
+          <ac:cxnSpMkLst>
+            <pc:docMk/>
+            <pc:sldMk cId="4018628143" sldId="401"/>
+            <ac:cxnSpMk id="7" creationId="{FBCE5904-EDEC-4CB9-BA8F-558809390194}"/>
+          </ac:cxnSpMkLst>
+        </pc:cxnChg>
+        <pc:cxnChg chg="del">
+          <ac:chgData name="Cesar Augusto Lopez Gallego" userId="0dfa9112-9251-4882-b472-cf2dfcee09d1" providerId="ADAL" clId="{7555F657-D3C0-4200-86C9-4E788E09563A}" dt="2025-07-23T23:02:41.539" v="833" actId="478"/>
+          <ac:cxnSpMkLst>
+            <pc:docMk/>
+            <pc:sldMk cId="4018628143" sldId="401"/>
+            <ac:cxnSpMk id="14" creationId="{BDD4A1CA-E2BB-48E2-A416-04B29761A6E8}"/>
+          </ac:cxnSpMkLst>
+        </pc:cxnChg>
+        <pc:cxnChg chg="del">
+          <ac:chgData name="Cesar Augusto Lopez Gallego" userId="0dfa9112-9251-4882-b472-cf2dfcee09d1" providerId="ADAL" clId="{7555F657-D3C0-4200-86C9-4E788E09563A}" dt="2025-07-23T23:02:41.539" v="833" actId="478"/>
+          <ac:cxnSpMkLst>
+            <pc:docMk/>
+            <pc:sldMk cId="4018628143" sldId="401"/>
+            <ac:cxnSpMk id="15" creationId="{F8AAFBE7-0937-492F-8D00-3789AD62DF99}"/>
+          </ac:cxnSpMkLst>
+        </pc:cxnChg>
+        <pc:cxnChg chg="add del">
+          <ac:chgData name="Cesar Augusto Lopez Gallego" userId="0dfa9112-9251-4882-b472-cf2dfcee09d1" providerId="ADAL" clId="{7555F657-D3C0-4200-86C9-4E788E09563A}" dt="2025-07-23T22:51:35.412" v="490" actId="478"/>
+          <ac:cxnSpMkLst>
+            <pc:docMk/>
+            <pc:sldMk cId="4018628143" sldId="401"/>
+            <ac:cxnSpMk id="17" creationId="{CF0D7897-283B-4FC4-B246-23902DA2F06A}"/>
+          </ac:cxnSpMkLst>
+        </pc:cxnChg>
+        <pc:cxnChg chg="add mod">
+          <ac:chgData name="Cesar Augusto Lopez Gallego" userId="0dfa9112-9251-4882-b472-cf2dfcee09d1" providerId="ADAL" clId="{7555F657-D3C0-4200-86C9-4E788E09563A}" dt="2025-07-23T22:51:45.282" v="492" actId="14100"/>
+          <ac:cxnSpMkLst>
+            <pc:docMk/>
+            <pc:sldMk cId="4018628143" sldId="401"/>
+            <ac:cxnSpMk id="19" creationId="{AB5002A8-B027-4B86-BF5B-23B189162660}"/>
+          </ac:cxnSpMkLst>
+        </pc:cxnChg>
+        <pc:cxnChg chg="add del">
+          <ac:chgData name="Cesar Augusto Lopez Gallego" userId="0dfa9112-9251-4882-b472-cf2dfcee09d1" providerId="ADAL" clId="{7555F657-D3C0-4200-86C9-4E788E09563A}" dt="2025-07-23T23:02:37.502" v="832" actId="478"/>
+          <ac:cxnSpMkLst>
+            <pc:docMk/>
+            <pc:sldMk cId="4018628143" sldId="401"/>
+            <ac:cxnSpMk id="22" creationId="{970D7AC2-691E-4C74-B8C0-586E6DFD5010}"/>
+          </ac:cxnSpMkLst>
+        </pc:cxnChg>
+      </pc:sldChg>
+      <pc:sldChg chg="addSp delSp modSp mod">
+        <pc:chgData name="Cesar Augusto Lopez Gallego" userId="0dfa9112-9251-4882-b472-cf2dfcee09d1" providerId="ADAL" clId="{7555F657-D3C0-4200-86C9-4E788E09563A}" dt="2025-07-23T22:50:02.968" v="487" actId="20577"/>
+        <pc:sldMkLst>
+          <pc:docMk/>
+          <pc:sldMk cId="588849611" sldId="440"/>
+        </pc:sldMkLst>
+        <pc:spChg chg="mod">
+          <ac:chgData name="Cesar Augusto Lopez Gallego" userId="0dfa9112-9251-4882-b472-cf2dfcee09d1" providerId="ADAL" clId="{7555F657-D3C0-4200-86C9-4E788E09563A}" dt="2025-07-23T22:50:02.968" v="487" actId="20577"/>
+          <ac:spMkLst>
+            <pc:docMk/>
+            <pc:sldMk cId="588849611" sldId="440"/>
+            <ac:spMk id="3" creationId="{B6DC100E-91ED-40F8-A8F6-3EB6EB5A1AD0}"/>
+          </ac:spMkLst>
+        </pc:spChg>
+        <pc:spChg chg="del">
+          <ac:chgData name="Cesar Augusto Lopez Gallego" userId="0dfa9112-9251-4882-b472-cf2dfcee09d1" providerId="ADAL" clId="{7555F657-D3C0-4200-86C9-4E788E09563A}" dt="2025-07-23T22:41:48.674" v="448" actId="478"/>
+          <ac:spMkLst>
+            <pc:docMk/>
+            <pc:sldMk cId="588849611" sldId="440"/>
+            <ac:spMk id="7" creationId="{FAC472EC-B957-4984-A702-A5FE55A965D3}"/>
+          </ac:spMkLst>
+        </pc:spChg>
+        <pc:picChg chg="add mod">
+          <ac:chgData name="Cesar Augusto Lopez Gallego" userId="0dfa9112-9251-4882-b472-cf2dfcee09d1" providerId="ADAL" clId="{7555F657-D3C0-4200-86C9-4E788E09563A}" dt="2025-07-23T22:44:29.324" v="456" actId="1076"/>
+          <ac:picMkLst>
+            <pc:docMk/>
+            <pc:sldMk cId="588849611" sldId="440"/>
+            <ac:picMk id="5" creationId="{84B0EB85-97BD-4F33-8D09-F365694B8FF2}"/>
+          </ac:picMkLst>
+        </pc:picChg>
+        <pc:picChg chg="del mod">
+          <ac:chgData name="Cesar Augusto Lopez Gallego" userId="0dfa9112-9251-4882-b472-cf2dfcee09d1" providerId="ADAL" clId="{7555F657-D3C0-4200-86C9-4E788E09563A}" dt="2025-07-23T22:41:48.674" v="448" actId="478"/>
+          <ac:picMkLst>
+            <pc:docMk/>
+            <pc:sldMk cId="588849611" sldId="440"/>
+            <ac:picMk id="6" creationId="{56C74C82-0FF7-40CC-9AF6-3E3B29829635}"/>
+          </ac:picMkLst>
+        </pc:picChg>
+      </pc:sldChg>
       <pc:sldChg chg="modSp mod">
         <pc:chgData name="Cesar Augusto Lopez Gallego" userId="0dfa9112-9251-4882-b472-cf2dfcee09d1" providerId="ADAL" clId="{7555F657-D3C0-4200-86C9-4E788E09563A}" dt="2025-07-21T13:51:55.478" v="48"/>
         <pc:sldMkLst>
@@ -280,6 +401,170 @@
           </ac:spMkLst>
         </pc:spChg>
       </pc:sldChg>
+      <pc:sldChg chg="addSp delSp modSp new mod">
+        <pc:chgData name="Cesar Augusto Lopez Gallego" userId="0dfa9112-9251-4882-b472-cf2dfcee09d1" providerId="ADAL" clId="{7555F657-D3C0-4200-86C9-4E788E09563A}" dt="2025-07-23T22:49:50.914" v="466" actId="20577"/>
+        <pc:sldMkLst>
+          <pc:docMk/>
+          <pc:sldMk cId="3875089031" sldId="445"/>
+        </pc:sldMkLst>
+        <pc:spChg chg="del">
+          <ac:chgData name="Cesar Augusto Lopez Gallego" userId="0dfa9112-9251-4882-b472-cf2dfcee09d1" providerId="ADAL" clId="{7555F657-D3C0-4200-86C9-4E788E09563A}" dt="2025-07-23T20:01:58.665" v="240"/>
+          <ac:spMkLst>
+            <pc:docMk/>
+            <pc:sldMk cId="3875089031" sldId="445"/>
+            <ac:spMk id="2" creationId="{224DF631-7292-4FC7-B74F-A6E893E755E7}"/>
+          </ac:spMkLst>
+        </pc:spChg>
+        <pc:spChg chg="del">
+          <ac:chgData name="Cesar Augusto Lopez Gallego" userId="0dfa9112-9251-4882-b472-cf2dfcee09d1" providerId="ADAL" clId="{7555F657-D3C0-4200-86C9-4E788E09563A}" dt="2025-07-23T20:02:28.712" v="261" actId="478"/>
+          <ac:spMkLst>
+            <pc:docMk/>
+            <pc:sldMk cId="3875089031" sldId="445"/>
+            <ac:spMk id="3" creationId="{B8F08C7B-54EB-49B1-B8C4-FE369F2FBBEA}"/>
+          </ac:spMkLst>
+        </pc:spChg>
+        <pc:spChg chg="add del mod">
+          <ac:chgData name="Cesar Augusto Lopez Gallego" userId="0dfa9112-9251-4882-b472-cf2dfcee09d1" providerId="ADAL" clId="{7555F657-D3C0-4200-86C9-4E788E09563A}" dt="2025-07-23T20:01:57.749" v="239"/>
+          <ac:spMkLst>
+            <pc:docMk/>
+            <pc:sldMk cId="3875089031" sldId="445"/>
+            <ac:spMk id="4" creationId="{9EB9F7A6-E73A-4DB6-BFA0-899187CDE0E1}"/>
+          </ac:spMkLst>
+        </pc:spChg>
+        <pc:spChg chg="add mod">
+          <ac:chgData name="Cesar Augusto Lopez Gallego" userId="0dfa9112-9251-4882-b472-cf2dfcee09d1" providerId="ADAL" clId="{7555F657-D3C0-4200-86C9-4E788E09563A}" dt="2025-07-23T22:21:43.686" v="444" actId="20577"/>
+          <ac:spMkLst>
+            <pc:docMk/>
+            <pc:sldMk cId="3875089031" sldId="445"/>
+            <ac:spMk id="5" creationId="{43E1200A-D35E-4C41-900B-6382EED1F4C3}"/>
+          </ac:spMkLst>
+        </pc:spChg>
+        <pc:spChg chg="add del mod">
+          <ac:chgData name="Cesar Augusto Lopez Gallego" userId="0dfa9112-9251-4882-b472-cf2dfcee09d1" providerId="ADAL" clId="{7555F657-D3C0-4200-86C9-4E788E09563A}" dt="2025-07-23T21:58:16.156" v="423" actId="478"/>
+          <ac:spMkLst>
+            <pc:docMk/>
+            <pc:sldMk cId="3875089031" sldId="445"/>
+            <ac:spMk id="7" creationId="{0AE27902-155F-4E8C-9672-A42A3298DABD}"/>
+          </ac:spMkLst>
+        </pc:spChg>
+        <pc:spChg chg="add del">
+          <ac:chgData name="Cesar Augusto Lopez Gallego" userId="0dfa9112-9251-4882-b472-cf2dfcee09d1" providerId="ADAL" clId="{7555F657-D3C0-4200-86C9-4E788E09563A}" dt="2025-07-23T20:03:56.084" v="269"/>
+          <ac:spMkLst>
+            <pc:docMk/>
+            <pc:sldMk cId="3875089031" sldId="445"/>
+            <ac:spMk id="8" creationId="{976DBB79-AF45-4141-9F46-F5C6D46E5DDE}"/>
+          </ac:spMkLst>
+        </pc:spChg>
+        <pc:spChg chg="add del">
+          <ac:chgData name="Cesar Augusto Lopez Gallego" userId="0dfa9112-9251-4882-b472-cf2dfcee09d1" providerId="ADAL" clId="{7555F657-D3C0-4200-86C9-4E788E09563A}" dt="2025-07-23T20:04:05.721" v="271"/>
+          <ac:spMkLst>
+            <pc:docMk/>
+            <pc:sldMk cId="3875089031" sldId="445"/>
+            <ac:spMk id="9" creationId="{85B45A72-6162-417F-8358-EAF4CF1E94F3}"/>
+          </ac:spMkLst>
+        </pc:spChg>
+        <pc:spChg chg="add mod">
+          <ac:chgData name="Cesar Augusto Lopez Gallego" userId="0dfa9112-9251-4882-b472-cf2dfcee09d1" providerId="ADAL" clId="{7555F657-D3C0-4200-86C9-4E788E09563A}" dt="2025-07-23T22:49:50.914" v="466" actId="20577"/>
+          <ac:spMkLst>
+            <pc:docMk/>
+            <pc:sldMk cId="3875089031" sldId="445"/>
+            <ac:spMk id="11" creationId="{F81BBCB8-1B4B-4D7F-A3ED-FA5881FC710C}"/>
+          </ac:spMkLst>
+        </pc:spChg>
+        <pc:picChg chg="add del mod">
+          <ac:chgData name="Cesar Augusto Lopez Gallego" userId="0dfa9112-9251-4882-b472-cf2dfcee09d1" providerId="ADAL" clId="{7555F657-D3C0-4200-86C9-4E788E09563A}" dt="2025-07-23T21:58:18.071" v="424" actId="478"/>
+          <ac:picMkLst>
+            <pc:docMk/>
+            <pc:sldMk cId="3875089031" sldId="445"/>
+            <ac:picMk id="13" creationId="{EEB83FD8-F216-4EB0-BFA1-AC2AB130AAB3}"/>
+          </ac:picMkLst>
+        </pc:picChg>
+        <pc:picChg chg="add mod">
+          <ac:chgData name="Cesar Augusto Lopez Gallego" userId="0dfa9112-9251-4882-b472-cf2dfcee09d1" providerId="ADAL" clId="{7555F657-D3C0-4200-86C9-4E788E09563A}" dt="2025-07-23T22:21:48.481" v="445" actId="14100"/>
+          <ac:picMkLst>
+            <pc:docMk/>
+            <pc:sldMk cId="3875089031" sldId="445"/>
+            <ac:picMk id="15" creationId="{08A0890C-3CC6-41D1-BA2B-ADF5F7636560}"/>
+          </ac:picMkLst>
+        </pc:picChg>
+      </pc:sldChg>
+      <pc:sldChg chg="addSp delSp modSp new mod modClrScheme chgLayout">
+        <pc:chgData name="Cesar Augusto Lopez Gallego" userId="0dfa9112-9251-4882-b472-cf2dfcee09d1" providerId="ADAL" clId="{7555F657-D3C0-4200-86C9-4E788E09563A}" dt="2025-07-23T23:03:58.851" v="967" actId="20577"/>
+        <pc:sldMkLst>
+          <pc:docMk/>
+          <pc:sldMk cId="1598715249" sldId="446"/>
+        </pc:sldMkLst>
+        <pc:spChg chg="del">
+          <ac:chgData name="Cesar Augusto Lopez Gallego" userId="0dfa9112-9251-4882-b472-cf2dfcee09d1" providerId="ADAL" clId="{7555F657-D3C0-4200-86C9-4E788E09563A}" dt="2025-07-23T22:58:10.110" v="495" actId="478"/>
+          <ac:spMkLst>
+            <pc:docMk/>
+            <pc:sldMk cId="1598715249" sldId="446"/>
+            <ac:spMk id="2" creationId="{770766B6-D834-44DB-9655-986C9AD395CD}"/>
+          </ac:spMkLst>
+        </pc:spChg>
+        <pc:spChg chg="del">
+          <ac:chgData name="Cesar Augusto Lopez Gallego" userId="0dfa9112-9251-4882-b472-cf2dfcee09d1" providerId="ADAL" clId="{7555F657-D3C0-4200-86C9-4E788E09563A}" dt="2025-07-23T22:58:12.378" v="496" actId="478"/>
+          <ac:spMkLst>
+            <pc:docMk/>
+            <pc:sldMk cId="1598715249" sldId="446"/>
+            <ac:spMk id="3" creationId="{7FF3BA03-0523-4126-BDF2-44D9D537602A}"/>
+          </ac:spMkLst>
+        </pc:spChg>
+        <pc:spChg chg="add mod ord">
+          <ac:chgData name="Cesar Augusto Lopez Gallego" userId="0dfa9112-9251-4882-b472-cf2dfcee09d1" providerId="ADAL" clId="{7555F657-D3C0-4200-86C9-4E788E09563A}" dt="2025-07-23T22:58:37.122" v="535" actId="700"/>
+          <ac:spMkLst>
+            <pc:docMk/>
+            <pc:sldMk cId="1598715249" sldId="446"/>
+            <ac:spMk id="4" creationId="{A85E3B1E-0A1F-4DF9-AA12-881C7A91A3AC}"/>
+          </ac:spMkLst>
+        </pc:spChg>
+        <pc:spChg chg="add del mod ord">
+          <ac:chgData name="Cesar Augusto Lopez Gallego" userId="0dfa9112-9251-4882-b472-cf2dfcee09d1" providerId="ADAL" clId="{7555F657-D3C0-4200-86C9-4E788E09563A}" dt="2025-07-23T22:58:32.220" v="534" actId="700"/>
+          <ac:spMkLst>
+            <pc:docMk/>
+            <pc:sldMk cId="1598715249" sldId="446"/>
+            <ac:spMk id="5" creationId="{BF917A95-1763-49A4-9309-3746F800FDB2}"/>
+          </ac:spMkLst>
+        </pc:spChg>
+        <pc:spChg chg="add mod ord">
+          <ac:chgData name="Cesar Augusto Lopez Gallego" userId="0dfa9112-9251-4882-b472-cf2dfcee09d1" providerId="ADAL" clId="{7555F657-D3C0-4200-86C9-4E788E09563A}" dt="2025-07-23T23:03:58.851" v="967" actId="20577"/>
+          <ac:spMkLst>
+            <pc:docMk/>
+            <pc:sldMk cId="1598715249" sldId="446"/>
+            <ac:spMk id="6" creationId="{D6003260-3B65-4A40-91E5-986E0CF0C4D2}"/>
+          </ac:spMkLst>
+        </pc:spChg>
+      </pc:sldChg>
+      <pc:sldChg chg="delSp add del mod">
+        <pc:chgData name="Cesar Augusto Lopez Gallego" userId="0dfa9112-9251-4882-b472-cf2dfcee09d1" providerId="ADAL" clId="{7555F657-D3C0-4200-86C9-4E788E09563A}" dt="2025-07-23T21:58:11.104" v="422" actId="47"/>
+        <pc:sldMkLst>
+          <pc:docMk/>
+          <pc:sldMk cId="3301660997" sldId="446"/>
+        </pc:sldMkLst>
+        <pc:spChg chg="del">
+          <ac:chgData name="Cesar Augusto Lopez Gallego" userId="0dfa9112-9251-4882-b472-cf2dfcee09d1" providerId="ADAL" clId="{7555F657-D3C0-4200-86C9-4E788E09563A}" dt="2025-07-23T21:58:07.796" v="421" actId="478"/>
+          <ac:spMkLst>
+            <pc:docMk/>
+            <pc:sldMk cId="3301660997" sldId="446"/>
+            <ac:spMk id="11" creationId="{F81BBCB8-1B4B-4D7F-A3ED-FA5881FC710C}"/>
+          </ac:spMkLst>
+        </pc:spChg>
+      </pc:sldChg>
+      <pc:sldChg chg="modSp add mod">
+        <pc:chgData name="Cesar Augusto Lopez Gallego" userId="0dfa9112-9251-4882-b472-cf2dfcee09d1" providerId="ADAL" clId="{7555F657-D3C0-4200-86C9-4E788E09563A}" dt="2025-07-23T23:04:52.972" v="970" actId="12"/>
+        <pc:sldMkLst>
+          <pc:docMk/>
+          <pc:sldMk cId="2907511462" sldId="447"/>
+        </pc:sldMkLst>
+        <pc:spChg chg="mod">
+          <ac:chgData name="Cesar Augusto Lopez Gallego" userId="0dfa9112-9251-4882-b472-cf2dfcee09d1" providerId="ADAL" clId="{7555F657-D3C0-4200-86C9-4E788E09563A}" dt="2025-07-23T23:04:52.972" v="970" actId="12"/>
+          <ac:spMkLst>
+            <pc:docMk/>
+            <pc:sldMk cId="2907511462" sldId="447"/>
+            <ac:spMk id="6" creationId="{D6003260-3B65-4A40-91E5-986E0CF0C4D2}"/>
+          </ac:spMkLst>
+        </pc:spChg>
+      </pc:sldChg>
     </pc:docChg>
   </pc:docChgLst>
 </pc:chgInfo>
@@ -367,7 +652,7 @@
           <a:p>
             <a:fld id="{BDCF4082-7146-476A-B590-4447682ABE83}" type="datetimeFigureOut">
               <a:rPr lang="es-CO" smtClean="0"/>
-              <a:t>21/07/2025</a:t>
+              <a:t>23/07/2025</a:t>
             </a:fld>
             <a:endParaRPr lang="es-CO"/>
           </a:p>
@@ -870,7 +1155,7 @@
           <a:p>
             <a:fld id="{6B86245D-015E-46AE-96CC-32E8A5E9A1DF}" type="datetimeFigureOut">
               <a:rPr lang="es-CO" smtClean="0"/>
-              <a:t>21/07/2025</a:t>
+              <a:t>23/07/2025</a:t>
             </a:fld>
             <a:endParaRPr lang="es-CO"/>
           </a:p>
@@ -1040,7 +1325,7 @@
           <a:p>
             <a:fld id="{6B86245D-015E-46AE-96CC-32E8A5E9A1DF}" type="datetimeFigureOut">
               <a:rPr lang="es-CO" smtClean="0"/>
-              <a:t>21/07/2025</a:t>
+              <a:t>23/07/2025</a:t>
             </a:fld>
             <a:endParaRPr lang="es-CO"/>
           </a:p>
@@ -1220,7 +1505,7 @@
           <a:p>
             <a:fld id="{6B86245D-015E-46AE-96CC-32E8A5E9A1DF}" type="datetimeFigureOut">
               <a:rPr lang="es-CO" smtClean="0"/>
-              <a:t>21/07/2025</a:t>
+              <a:t>23/07/2025</a:t>
             </a:fld>
             <a:endParaRPr lang="es-CO"/>
           </a:p>
@@ -1390,7 +1675,7 @@
           <a:p>
             <a:fld id="{6B86245D-015E-46AE-96CC-32E8A5E9A1DF}" type="datetimeFigureOut">
               <a:rPr lang="es-CO" smtClean="0"/>
-              <a:t>21/07/2025</a:t>
+              <a:t>23/07/2025</a:t>
             </a:fld>
             <a:endParaRPr lang="es-CO"/>
           </a:p>
@@ -1636,7 +1921,7 @@
           <a:p>
             <a:fld id="{6B86245D-015E-46AE-96CC-32E8A5E9A1DF}" type="datetimeFigureOut">
               <a:rPr lang="es-CO" smtClean="0"/>
-              <a:t>21/07/2025</a:t>
+              <a:t>23/07/2025</a:t>
             </a:fld>
             <a:endParaRPr lang="es-CO"/>
           </a:p>
@@ -1868,7 +2153,7 @@
           <a:p>
             <a:fld id="{6B86245D-015E-46AE-96CC-32E8A5E9A1DF}" type="datetimeFigureOut">
               <a:rPr lang="es-CO" smtClean="0"/>
-              <a:t>21/07/2025</a:t>
+              <a:t>23/07/2025</a:t>
             </a:fld>
             <a:endParaRPr lang="es-CO"/>
           </a:p>
@@ -2235,7 +2520,7 @@
           <a:p>
             <a:fld id="{6B86245D-015E-46AE-96CC-32E8A5E9A1DF}" type="datetimeFigureOut">
               <a:rPr lang="es-CO" smtClean="0"/>
-              <a:t>21/07/2025</a:t>
+              <a:t>23/07/2025</a:t>
             </a:fld>
             <a:endParaRPr lang="es-CO"/>
           </a:p>
@@ -2353,7 +2638,7 @@
           <a:p>
             <a:fld id="{6B86245D-015E-46AE-96CC-32E8A5E9A1DF}" type="datetimeFigureOut">
               <a:rPr lang="es-CO" smtClean="0"/>
-              <a:t>21/07/2025</a:t>
+              <a:t>23/07/2025</a:t>
             </a:fld>
             <a:endParaRPr lang="es-CO"/>
           </a:p>
@@ -2448,7 +2733,7 @@
           <a:p>
             <a:fld id="{6B86245D-015E-46AE-96CC-32E8A5E9A1DF}" type="datetimeFigureOut">
               <a:rPr lang="es-CO" smtClean="0"/>
-              <a:t>21/07/2025</a:t>
+              <a:t>23/07/2025</a:t>
             </a:fld>
             <a:endParaRPr lang="es-CO"/>
           </a:p>
@@ -2725,7 +3010,7 @@
           <a:p>
             <a:fld id="{6B86245D-015E-46AE-96CC-32E8A5E9A1DF}" type="datetimeFigureOut">
               <a:rPr lang="es-CO" smtClean="0"/>
-              <a:t>21/07/2025</a:t>
+              <a:t>23/07/2025</a:t>
             </a:fld>
             <a:endParaRPr lang="es-CO"/>
           </a:p>
@@ -2982,7 +3267,7 @@
           <a:p>
             <a:fld id="{6B86245D-015E-46AE-96CC-32E8A5E9A1DF}" type="datetimeFigureOut">
               <a:rPr lang="es-CO" smtClean="0"/>
-              <a:t>21/07/2025</a:t>
+              <a:t>23/07/2025</a:t>
             </a:fld>
             <a:endParaRPr lang="es-CO"/>
           </a:p>
@@ -3204,7 +3489,7 @@
           <a:p>
             <a:fld id="{6B86245D-015E-46AE-96CC-32E8A5E9A1DF}" type="datetimeFigureOut">
               <a:rPr lang="es-CO" smtClean="0"/>
-              <a:t>21/07/2025</a:t>
+              <a:t>23/07/2025</a:t>
             </a:fld>
             <a:endParaRPr lang="es-CO"/>
           </a:p>
@@ -5759,83 +6044,18 @@
         </p:nvSpPr>
         <p:spPr>
           <a:xfrm>
-            <a:off x="949960" y="2069042"/>
-            <a:ext cx="6144523" cy="4931516"/>
+            <a:off x="2697737" y="1710227"/>
+            <a:ext cx="9826070" cy="1502305"/>
           </a:xfrm>
         </p:spPr>
         <p:txBody>
           <a:bodyPr>
-            <a:normAutofit fontScale="92500" lnSpcReduction="10000"/>
+            <a:normAutofit fontScale="92500"/>
           </a:bodyPr>
           <a:lstStyle/>
           <a:p>
             <a:r>
-              <a:rPr lang="en-US" dirty="0"/>
-              <a:t>Se </a:t>
-            </a:r>
-            <a:r>
-              <a:rPr lang="en-US" dirty="0" err="1"/>
-              <a:t>tratan</a:t>
-            </a:r>
-            <a:r>
-              <a:rPr lang="en-US" dirty="0"/>
-              <a:t> </a:t>
-            </a:r>
-            <a:r>
-              <a:rPr lang="en-US" dirty="0" err="1"/>
-              <a:t>los</a:t>
-            </a:r>
-            <a:r>
-              <a:rPr lang="en-US" dirty="0"/>
-              <a:t> </a:t>
-            </a:r>
-            <a:r>
-              <a:rPr lang="en-US" dirty="0" err="1"/>
-              <a:t>signos</a:t>
-            </a:r>
-            <a:r>
-              <a:rPr lang="en-US" dirty="0"/>
-              <a:t> </a:t>
-            </a:r>
-            <a:r>
-              <a:rPr lang="en-US" dirty="0" err="1"/>
-              <a:t>por</a:t>
-            </a:r>
-            <a:r>
-              <a:rPr lang="en-US" dirty="0"/>
-              <a:t> </a:t>
-            </a:r>
-            <a:r>
-              <a:rPr lang="en-US" dirty="0" err="1"/>
-              <a:t>separado</a:t>
-            </a:r>
-            <a:endParaRPr lang="en-US" dirty="0"/>
-          </a:p>
-          <a:p>
-            <a:pPr lvl="1"/>
-            <a:r>
-              <a:rPr lang="es-CO" dirty="0"/>
-              <a:t>Si los dos números son positivos:</a:t>
-            </a:r>
-          </a:p>
-          <a:p>
-            <a:pPr lvl="2"/>
-            <a:r>
-              <a:rPr lang="es-CO" dirty="0"/>
-              <a:t>Se realiza directamente la operación. </a:t>
-            </a:r>
-          </a:p>
-          <a:p>
-            <a:pPr lvl="2"/>
-            <a:r>
-              <a:rPr lang="es-CO" dirty="0"/>
-              <a:t>Al resultado se añade un bit de signo 0 (el resultado es un número positivo).</a:t>
-            </a:r>
-          </a:p>
-          <a:p>
-            <a:pPr lvl="1"/>
-            <a:r>
-              <a:rPr lang="es-CO" dirty="0">
+              <a:rPr lang="es-CO" sz="2800" dirty="0">
                 <a:solidFill>
                   <a:srgbClr val="FF0000"/>
                 </a:solidFill>
@@ -5846,67 +6066,36 @@
           <a:p>
             <a:pPr lvl="2"/>
             <a:r>
-              <a:rPr lang="es-CO" dirty="0"/>
+              <a:rPr lang="es-CO" sz="2000" dirty="0"/>
               <a:t>Complemento a 2 de cada número</a:t>
             </a:r>
           </a:p>
           <a:p>
             <a:pPr lvl="2"/>
             <a:r>
-              <a:rPr lang="es-CO" dirty="0"/>
-              <a:t>Se multiplican y se obtiene el resultado</a:t>
+              <a:rPr lang="es-CO" sz="2000" dirty="0"/>
+              <a:t>Se multiplican </a:t>
             </a:r>
           </a:p>
           <a:p>
             <a:pPr lvl="2"/>
             <a:r>
-              <a:rPr lang="es-CO" dirty="0"/>
-              <a:t>Se agrega el bit de signo 0 (positivo).</a:t>
-            </a:r>
-          </a:p>
-          <a:p>
-            <a:pPr lvl="1"/>
-            <a:r>
-              <a:rPr lang="es-CO" dirty="0"/>
-              <a:t>Si uno de los números es negativo</a:t>
+              <a:rPr lang="es-CO" sz="2000" dirty="0"/>
+              <a:t>Se toma los bit de la longitud de la palabra para hallar el resultado, de forma directa</a:t>
             </a:r>
           </a:p>
           <a:p>
             <a:pPr lvl="2"/>
-            <a:r>
-              <a:rPr lang="es-CO" dirty="0"/>
-              <a:t>Complemento a 2 el número negativo</a:t>
-            </a:r>
-          </a:p>
-          <a:p>
-            <a:pPr lvl="2"/>
-            <a:r>
-              <a:rPr lang="es-CO" dirty="0"/>
-              <a:t>Se multiplica por el número positivo</a:t>
-            </a:r>
-          </a:p>
-          <a:p>
-            <a:pPr lvl="2"/>
-            <a:r>
-              <a:rPr lang="es-CO" dirty="0"/>
-              <a:t>El resultado se Complementa a 2 </a:t>
-            </a:r>
-          </a:p>
-          <a:p>
-            <a:pPr lvl="2"/>
-            <a:r>
-              <a:rPr lang="es-CO" dirty="0"/>
-              <a:t>Se agrega el bit de signo 1 (negativo).</a:t>
-            </a:r>
+            <a:endParaRPr lang="es-CO" sz="2000" dirty="0"/>
           </a:p>
         </p:txBody>
       </p:sp>
       <p:pic>
         <p:nvPicPr>
-          <p:cNvPr id="6" name="Imagen 5">
+          <p:cNvPr id="5" name="Imagen 4">
             <a:extLst>
               <a:ext uri="{FF2B5EF4-FFF2-40B4-BE49-F238E27FC236}">
-                <a16:creationId xmlns:a16="http://schemas.microsoft.com/office/drawing/2014/main" id="{56C74C82-0FF7-40CC-9AF6-3E3B29829635}"/>
+                <a16:creationId xmlns:a16="http://schemas.microsoft.com/office/drawing/2014/main" id="{84B0EB85-97BD-4F33-8D09-F365694B8FF2}"/>
               </a:ext>
             </a:extLst>
           </p:cNvPr>
@@ -5923,53 +6112,14 @@
         </p:blipFill>
         <p:spPr>
           <a:xfrm>
-            <a:off x="7960028" y="3026667"/>
-            <a:ext cx="4685998" cy="3407999"/>
+            <a:off x="1060128" y="3349550"/>
+            <a:ext cx="10979714" cy="2902099"/>
           </a:xfrm>
           <a:prstGeom prst="rect">
             <a:avLst/>
           </a:prstGeom>
         </p:spPr>
       </p:pic>
-      <p:sp>
-        <p:nvSpPr>
-          <p:cNvPr id="7" name="CuadroTexto 6">
-            <a:extLst>
-              <a:ext uri="{FF2B5EF4-FFF2-40B4-BE49-F238E27FC236}">
-                <a16:creationId xmlns:a16="http://schemas.microsoft.com/office/drawing/2014/main" id="{FAC472EC-B957-4984-A702-A5FE55A965D3}"/>
-              </a:ext>
-            </a:extLst>
-          </p:cNvPr>
-          <p:cNvSpPr txBox="1"/>
-          <p:nvPr/>
-        </p:nvSpPr>
-        <p:spPr>
-          <a:xfrm>
-            <a:off x="7573288" y="2286724"/>
-            <a:ext cx="4543231" cy="400110"/>
-          </a:xfrm>
-          <a:prstGeom prst="rect">
-            <a:avLst/>
-          </a:prstGeom>
-          <a:noFill/>
-        </p:spPr>
-        <p:txBody>
-          <a:bodyPr wrap="none" rtlCol="0">
-            <a:spAutoFit/>
-          </a:bodyPr>
-          <a:lstStyle/>
-          <a:p>
-            <a:r>
-              <a:rPr lang="es-CO" sz="2000" dirty="0">
-                <a:solidFill>
-                  <a:srgbClr val="FF0000"/>
-                </a:solidFill>
-              </a:rPr>
-              <a:t>Multiplicar -4 * -8 representados en 5 bits</a:t>
-            </a:r>
-          </a:p>
-        </p:txBody>
-      </p:sp>
     </p:spTree>
     <p:extLst>
       <p:ext uri="{BB962C8B-B14F-4D97-AF65-F5344CB8AC3E}">
@@ -6002,6 +6152,188 @@
       </p:grpSpPr>
       <p:sp>
         <p:nvSpPr>
+          <p:cNvPr id="5" name="Título 1">
+            <a:extLst>
+              <a:ext uri="{FF2B5EF4-FFF2-40B4-BE49-F238E27FC236}">
+                <a16:creationId xmlns:a16="http://schemas.microsoft.com/office/drawing/2014/main" id="{43E1200A-D35E-4C41-900B-6382EED1F4C3}"/>
+              </a:ext>
+            </a:extLst>
+          </p:cNvPr>
+          <p:cNvSpPr>
+            <a:spLocks noGrp="1"/>
+          </p:cNvSpPr>
+          <p:nvPr>
+            <p:ph type="title"/>
+          </p:nvPr>
+        </p:nvSpPr>
+        <p:spPr>
+          <a:xfrm>
+            <a:off x="949325" y="414338"/>
+            <a:ext cx="11918950" cy="1501775"/>
+          </a:xfrm>
+        </p:spPr>
+        <p:txBody>
+          <a:bodyPr/>
+          <a:lstStyle/>
+          <a:p>
+            <a:r>
+              <a:rPr lang="en-US" dirty="0" err="1"/>
+              <a:t>Producto</a:t>
+            </a:r>
+            <a:r>
+              <a:rPr lang="en-US" dirty="0"/>
+              <a:t> con un </a:t>
+            </a:r>
+            <a:r>
+              <a:rPr lang="en-US" dirty="0" err="1"/>
+              <a:t>entero</a:t>
+            </a:r>
+            <a:r>
+              <a:rPr lang="en-US" dirty="0"/>
+              <a:t> </a:t>
+            </a:r>
+            <a:r>
+              <a:rPr lang="en-US" dirty="0" err="1"/>
+              <a:t>negativo</a:t>
+            </a:r>
+            <a:r>
+              <a:rPr lang="en-US" dirty="0"/>
+              <a:t> </a:t>
+            </a:r>
+            <a:br>
+              <a:rPr lang="en-US" dirty="0"/>
+            </a:br>
+            <a:r>
+              <a:rPr lang="en-US" dirty="0"/>
+              <a:t>Sumas </a:t>
+            </a:r>
+            <a:r>
+              <a:rPr lang="en-US" dirty="0" err="1"/>
+              <a:t>Parciales</a:t>
+            </a:r>
+            <a:endParaRPr lang="es-CO" dirty="0"/>
+          </a:p>
+        </p:txBody>
+      </p:sp>
+      <p:sp>
+        <p:nvSpPr>
+          <p:cNvPr id="11" name="CuadroTexto 10">
+            <a:extLst>
+              <a:ext uri="{FF2B5EF4-FFF2-40B4-BE49-F238E27FC236}">
+                <a16:creationId xmlns:a16="http://schemas.microsoft.com/office/drawing/2014/main" id="{F81BBCB8-1B4B-4D7F-A3ED-FA5881FC710C}"/>
+              </a:ext>
+            </a:extLst>
+          </p:cNvPr>
+          <p:cNvSpPr txBox="1"/>
+          <p:nvPr/>
+        </p:nvSpPr>
+        <p:spPr>
+          <a:xfrm>
+            <a:off x="6249043" y="1372103"/>
+            <a:ext cx="5279341" cy="1631216"/>
+          </a:xfrm>
+          <a:prstGeom prst="rect">
+            <a:avLst/>
+          </a:prstGeom>
+          <a:noFill/>
+        </p:spPr>
+        <p:txBody>
+          <a:bodyPr wrap="square">
+            <a:spAutoFit/>
+          </a:bodyPr>
+          <a:lstStyle/>
+          <a:p>
+            <a:pPr lvl="1"/>
+            <a:r>
+              <a:rPr lang="es-CO" sz="2000" dirty="0"/>
+              <a:t>Si uno de los números es negativo</a:t>
+            </a:r>
+          </a:p>
+          <a:p>
+            <a:pPr lvl="2"/>
+            <a:r>
+              <a:rPr lang="es-CO" sz="2000" dirty="0"/>
+              <a:t>Complemento a 2 el número negativo</a:t>
+            </a:r>
+          </a:p>
+          <a:p>
+            <a:pPr lvl="2"/>
+            <a:r>
+              <a:rPr lang="es-CO" sz="2000" dirty="0"/>
+              <a:t>Se multiplica por el número positivo</a:t>
+            </a:r>
+          </a:p>
+          <a:p>
+            <a:pPr lvl="2"/>
+            <a:r>
+              <a:rPr lang="es-CO" sz="2000" dirty="0"/>
+              <a:t>Se toma los bit de la longitud de la palabra para hallar el resultado en Ca2</a:t>
+            </a:r>
+          </a:p>
+        </p:txBody>
+      </p:sp>
+      <p:pic>
+        <p:nvPicPr>
+          <p:cNvPr id="15" name="Imagen 14">
+            <a:extLst>
+              <a:ext uri="{FF2B5EF4-FFF2-40B4-BE49-F238E27FC236}">
+                <a16:creationId xmlns:a16="http://schemas.microsoft.com/office/drawing/2014/main" id="{08A0890C-3CC6-41D1-BA2B-ADF5F7636560}"/>
+              </a:ext>
+            </a:extLst>
+          </p:cNvPr>
+          <p:cNvPicPr>
+            <a:picLocks noChangeAspect="1"/>
+          </p:cNvPicPr>
+          <p:nvPr/>
+        </p:nvPicPr>
+        <p:blipFill>
+          <a:blip r:embed="rId2"/>
+          <a:stretch>
+            <a:fillRect/>
+          </a:stretch>
+        </p:blipFill>
+        <p:spPr>
+          <a:xfrm>
+            <a:off x="691556" y="3090441"/>
+            <a:ext cx="11554693" cy="4027989"/>
+          </a:xfrm>
+          <a:prstGeom prst="rect">
+            <a:avLst/>
+          </a:prstGeom>
+        </p:spPr>
+      </p:pic>
+    </p:spTree>
+    <p:extLst>
+      <p:ext uri="{BB962C8B-B14F-4D97-AF65-F5344CB8AC3E}">
+        <p14:creationId xmlns:p14="http://schemas.microsoft.com/office/powerpoint/2010/main" val="3875089031"/>
+      </p:ext>
+    </p:extLst>
+  </p:cSld>
+  <p:clrMapOvr>
+    <a:masterClrMapping/>
+  </p:clrMapOvr>
+</p:sld>
+</file>
+
+<file path=ppt/slides/slide14.xml><?xml version="1.0" encoding="utf-8"?>
+<p:sld xmlns:a="http://schemas.openxmlformats.org/drawingml/2006/main" xmlns:r="http://schemas.openxmlformats.org/officeDocument/2006/relationships" xmlns:p="http://schemas.openxmlformats.org/presentationml/2006/main">
+  <p:cSld>
+    <p:spTree>
+      <p:nvGrpSpPr>
+        <p:cNvPr id="1" name=""/>
+        <p:cNvGrpSpPr/>
+        <p:nvPr/>
+      </p:nvGrpSpPr>
+      <p:grpSpPr>
+        <a:xfrm>
+          <a:off x="0" y="0"/>
+          <a:ext cx="0" cy="0"/>
+          <a:chOff x="0" y="0"/>
+          <a:chExt cx="0" cy="0"/>
+        </a:xfrm>
+      </p:grpSpPr>
+      <p:sp>
+        <p:nvSpPr>
           <p:cNvPr id="2" name="1 Título"/>
           <p:cNvSpPr>
             <a:spLocks noGrp="1"/>
@@ -6017,7 +6349,7 @@
           <a:p>
             <a:r>
               <a:rPr lang="es-ES_tradnl" dirty="0"/>
-              <a:t>División con enteros positivos</a:t>
+              <a:t>División Binaria</a:t>
             </a:r>
             <a:endParaRPr lang="en-US" dirty="0"/>
           </a:p>
@@ -6052,18 +6384,6 @@
             <a:r>
               <a:rPr lang="es-ES_tradnl" dirty="0"/>
               <a:t>Ejemplo: dividamos 32/4, 17/2</a:t>
-            </a:r>
-          </a:p>
-          <a:p>
-            <a:r>
-              <a:rPr lang="es-ES_tradnl" dirty="0"/>
-              <a:t>Si hay números negativos, se trata tal cual como se planteó en la multiplicación</a:t>
-            </a:r>
-          </a:p>
-          <a:p>
-            <a:r>
-              <a:rPr lang="es-ES_tradnl" dirty="0"/>
-              <a:t>Ejemplo dividamos -20/10</a:t>
             </a:r>
           </a:p>
           <a:p>
@@ -6358,89 +6678,12 @@
           </a:fontRef>
         </p:style>
       </p:cxnSp>
-      <p:sp>
-        <p:nvSpPr>
-          <p:cNvPr id="13" name="CuadroTexto 12">
+      <p:cxnSp>
+        <p:nvCxnSpPr>
+          <p:cNvPr id="7" name="Conector recto de flecha 6">
             <a:extLst>
               <a:ext uri="{FF2B5EF4-FFF2-40B4-BE49-F238E27FC236}">
-                <a16:creationId xmlns:a16="http://schemas.microsoft.com/office/drawing/2014/main" id="{D5B3050C-372D-48AC-A1AE-D3EC884F8FC5}"/>
-              </a:ext>
-            </a:extLst>
-          </p:cNvPr>
-          <p:cNvSpPr txBox="1"/>
-          <p:nvPr/>
-        </p:nvSpPr>
-        <p:spPr>
-          <a:xfrm>
-            <a:off x="8450317" y="4187741"/>
-            <a:ext cx="2314095" cy="2677656"/>
-          </a:xfrm>
-          <a:prstGeom prst="rect">
-            <a:avLst/>
-          </a:prstGeom>
-          <a:noFill/>
-        </p:spPr>
-        <p:txBody>
-          <a:bodyPr wrap="none" rtlCol="0">
-            <a:spAutoFit/>
-          </a:bodyPr>
-          <a:lstStyle/>
-          <a:p>
-            <a:r>
-              <a:rPr lang="es-CO" sz="2400" dirty="0"/>
-              <a:t>-20 = 101100 ca2</a:t>
-            </a:r>
-          </a:p>
-          <a:p>
-            <a:endParaRPr lang="es-CO" sz="2400" dirty="0"/>
-          </a:p>
-          <a:p>
-            <a:r>
-              <a:rPr lang="es-CO" sz="2400" dirty="0"/>
-              <a:t>    101100	1010</a:t>
-            </a:r>
-          </a:p>
-          <a:p>
-            <a:r>
-              <a:rPr lang="es-CO" sz="2400" dirty="0"/>
-              <a:t>           100   100</a:t>
-            </a:r>
-          </a:p>
-          <a:p>
-            <a:endParaRPr lang="es-CO" sz="2400" dirty="0"/>
-          </a:p>
-          <a:p>
-            <a:r>
-              <a:rPr lang="es-CO" sz="2400" dirty="0"/>
-              <a:t>R/=</a:t>
-            </a:r>
-            <a:r>
-              <a:rPr lang="es-CO" sz="2400" dirty="0">
-                <a:solidFill>
-                  <a:srgbClr val="FF0000"/>
-                </a:solidFill>
-              </a:rPr>
-              <a:t>1</a:t>
-            </a:r>
-            <a:r>
-              <a:rPr lang="es-CO" sz="2400" dirty="0"/>
-              <a:t>100</a:t>
-            </a:r>
-          </a:p>
-          <a:p>
-            <a:r>
-              <a:rPr lang="es-CO" sz="2400" dirty="0"/>
-              <a:t>  </a:t>
-            </a:r>
-          </a:p>
-        </p:txBody>
-      </p:sp>
-      <p:cxnSp>
-        <p:nvCxnSpPr>
-          <p:cNvPr id="14" name="Conector recto 13">
-            <a:extLst>
-              <a:ext uri="{FF2B5EF4-FFF2-40B4-BE49-F238E27FC236}">
-                <a16:creationId xmlns:a16="http://schemas.microsoft.com/office/drawing/2014/main" id="{BDD4A1CA-E2BB-48E2-A416-04B29761A6E8}"/>
+                <a16:creationId xmlns:a16="http://schemas.microsoft.com/office/drawing/2014/main" id="{FBCE5904-EDEC-4CB9-BA8F-558809390194}"/>
               </a:ext>
             </a:extLst>
           </p:cNvPr>
@@ -6448,13 +6691,16 @@
           <p:nvPr/>
         </p:nvCxnSpPr>
         <p:spPr>
-          <a:xfrm>
-            <a:off x="9853454" y="4965458"/>
-            <a:ext cx="0" cy="346841"/>
+          <a:xfrm flipV="1">
+            <a:off x="5486400" y="2257063"/>
+            <a:ext cx="2858947" cy="1930678"/>
           </a:xfrm>
-          <a:prstGeom prst="line">
+          <a:prstGeom prst="straightConnector1">
             <a:avLst/>
           </a:prstGeom>
+          <a:ln>
+            <a:tailEnd type="triangle"/>
+          </a:ln>
         </p:spPr>
         <p:style>
           <a:lnRef idx="1">
@@ -6473,26 +6719,29 @@
       </p:cxnSp>
       <p:cxnSp>
         <p:nvCxnSpPr>
-          <p:cNvPr id="15" name="Conector recto 14">
+          <p:cNvPr id="19" name="Conector: angular 18">
             <a:extLst>
               <a:ext uri="{FF2B5EF4-FFF2-40B4-BE49-F238E27FC236}">
-                <a16:creationId xmlns:a16="http://schemas.microsoft.com/office/drawing/2014/main" id="{F8AAFBE7-0937-492F-8D00-3789AD62DF99}"/>
+                <a16:creationId xmlns:a16="http://schemas.microsoft.com/office/drawing/2014/main" id="{AB5002A8-B027-4B86-BF5B-23B189162660}"/>
               </a:ext>
             </a:extLst>
           </p:cNvPr>
-          <p:cNvCxnSpPr>
-            <a:cxnSpLocks/>
-          </p:cNvCxnSpPr>
+          <p:cNvCxnSpPr/>
           <p:nvPr/>
         </p:nvCxnSpPr>
         <p:spPr>
-          <a:xfrm>
-            <a:off x="9853454" y="5312299"/>
-            <a:ext cx="852609" cy="0"/>
+          <a:xfrm flipV="1">
+            <a:off x="2176041" y="3692324"/>
+            <a:ext cx="6678592" cy="1145894"/>
           </a:xfrm>
-          <a:prstGeom prst="line">
-            <a:avLst/>
+          <a:prstGeom prst="bentConnector3">
+            <a:avLst>
+              <a:gd name="adj1" fmla="val 71490"/>
+            </a:avLst>
           </a:prstGeom>
+          <a:ln>
+            <a:tailEnd type="triangle"/>
+          </a:ln>
         </p:spPr>
         <p:style>
           <a:lnRef idx="1">
@@ -6522,7 +6771,7 @@
 </p:sld>
 </file>
 
-<file path=ppt/slides/slide14.xml><?xml version="1.0" encoding="utf-8"?>
+<file path=ppt/slides/slide15.xml><?xml version="1.0" encoding="utf-8"?>
 <p:sld xmlns:a="http://schemas.openxmlformats.org/drawingml/2006/main" xmlns:r="http://schemas.openxmlformats.org/officeDocument/2006/relationships" xmlns:p="http://schemas.openxmlformats.org/presentationml/2006/main">
   <p:cSld>
     <p:spTree>
@@ -6541,6 +6790,207 @@
       </p:grpSpPr>
       <p:sp>
         <p:nvSpPr>
+          <p:cNvPr id="4" name="1 Título">
+            <a:extLst>
+              <a:ext uri="{FF2B5EF4-FFF2-40B4-BE49-F238E27FC236}">
+                <a16:creationId xmlns:a16="http://schemas.microsoft.com/office/drawing/2014/main" id="{A85E3B1E-0A1F-4DF9-AA12-881C7A91A3AC}"/>
+              </a:ext>
+            </a:extLst>
+          </p:cNvPr>
+          <p:cNvSpPr>
+            <a:spLocks noGrp="1"/>
+          </p:cNvSpPr>
+          <p:nvPr>
+            <p:ph type="title"/>
+          </p:nvPr>
+        </p:nvSpPr>
+        <p:spPr/>
+        <p:txBody>
+          <a:bodyPr/>
+          <a:lstStyle/>
+          <a:p>
+            <a:r>
+              <a:rPr lang="es-ES_tradnl" dirty="0"/>
+              <a:t>División Binaria – Entre positivo y negativo</a:t>
+            </a:r>
+            <a:endParaRPr lang="en-US" dirty="0"/>
+          </a:p>
+        </p:txBody>
+      </p:sp>
+      <p:sp>
+        <p:nvSpPr>
+          <p:cNvPr id="6" name="Marcador de contenido 5">
+            <a:extLst>
+              <a:ext uri="{FF2B5EF4-FFF2-40B4-BE49-F238E27FC236}">
+                <a16:creationId xmlns:a16="http://schemas.microsoft.com/office/drawing/2014/main" id="{D6003260-3B65-4A40-91E5-986E0CF0C4D2}"/>
+              </a:ext>
+            </a:extLst>
+          </p:cNvPr>
+          <p:cNvSpPr>
+            <a:spLocks noGrp="1"/>
+          </p:cNvSpPr>
+          <p:nvPr>
+            <p:ph idx="1"/>
+          </p:nvPr>
+        </p:nvSpPr>
+        <p:spPr/>
+        <p:txBody>
+          <a:bodyPr/>
+          <a:lstStyle/>
+          <a:p>
+            <a:r>
+              <a:rPr lang="es-ES" dirty="0"/>
+              <a:t>Paso 1: Convertir ambos números a binario (8 bits). El negativo, Ca2</a:t>
+            </a:r>
+          </a:p>
+          <a:p>
+            <a:r>
+              <a:rPr lang="es-ES" dirty="0"/>
+              <a:t>Paso 2: Luego calcula y representa cada binario en su valor absoluto. </a:t>
+            </a:r>
+            <a:r>
+              <a:rPr lang="es-419" dirty="0"/>
+              <a:t>El negativo queda positivo.</a:t>
+            </a:r>
+          </a:p>
+          <a:p>
+            <a:r>
+              <a:rPr lang="es-419" dirty="0"/>
+              <a:t>Paso 3: Realiza la división, paso por paso…</a:t>
+            </a:r>
+          </a:p>
+          <a:p>
+            <a:r>
+              <a:rPr lang="es-419" dirty="0"/>
+              <a:t>Paso 4: aplica el signo final</a:t>
+            </a:r>
+            <a:r>
+              <a:rPr lang="es-ES" dirty="0"/>
+              <a:t>, si es negativo en complemento a 2</a:t>
+            </a:r>
+            <a:endParaRPr lang="es-419" dirty="0"/>
+          </a:p>
+        </p:txBody>
+      </p:sp>
+    </p:spTree>
+    <p:extLst>
+      <p:ext uri="{BB962C8B-B14F-4D97-AF65-F5344CB8AC3E}">
+        <p14:creationId xmlns:p14="http://schemas.microsoft.com/office/powerpoint/2010/main" val="1598715249"/>
+      </p:ext>
+    </p:extLst>
+  </p:cSld>
+  <p:clrMapOvr>
+    <a:masterClrMapping/>
+  </p:clrMapOvr>
+</p:sld>
+</file>
+
+<file path=ppt/slides/slide16.xml><?xml version="1.0" encoding="utf-8"?>
+<p:sld xmlns:a="http://schemas.openxmlformats.org/drawingml/2006/main" xmlns:r="http://schemas.openxmlformats.org/officeDocument/2006/relationships" xmlns:p="http://schemas.openxmlformats.org/presentationml/2006/main">
+  <p:cSld>
+    <p:spTree>
+      <p:nvGrpSpPr>
+        <p:cNvPr id="1" name=""/>
+        <p:cNvGrpSpPr/>
+        <p:nvPr/>
+      </p:nvGrpSpPr>
+      <p:grpSpPr>
+        <a:xfrm>
+          <a:off x="0" y="0"/>
+          <a:ext cx="0" cy="0"/>
+          <a:chOff x="0" y="0"/>
+          <a:chExt cx="0" cy="0"/>
+        </a:xfrm>
+      </p:grpSpPr>
+      <p:sp>
+        <p:nvSpPr>
+          <p:cNvPr id="4" name="1 Título">
+            <a:extLst>
+              <a:ext uri="{FF2B5EF4-FFF2-40B4-BE49-F238E27FC236}">
+                <a16:creationId xmlns:a16="http://schemas.microsoft.com/office/drawing/2014/main" id="{A85E3B1E-0A1F-4DF9-AA12-881C7A91A3AC}"/>
+              </a:ext>
+            </a:extLst>
+          </p:cNvPr>
+          <p:cNvSpPr>
+            <a:spLocks noGrp="1"/>
+          </p:cNvSpPr>
+          <p:nvPr>
+            <p:ph type="title"/>
+          </p:nvPr>
+        </p:nvSpPr>
+        <p:spPr/>
+        <p:txBody>
+          <a:bodyPr/>
+          <a:lstStyle/>
+          <a:p>
+            <a:r>
+              <a:rPr lang="es-ES_tradnl" dirty="0"/>
+              <a:t>División Binaria – Entre positivo y negativo</a:t>
+            </a:r>
+            <a:endParaRPr lang="en-US" dirty="0"/>
+          </a:p>
+        </p:txBody>
+      </p:sp>
+      <p:sp>
+        <p:nvSpPr>
+          <p:cNvPr id="6" name="Marcador de contenido 5">
+            <a:extLst>
+              <a:ext uri="{FF2B5EF4-FFF2-40B4-BE49-F238E27FC236}">
+                <a16:creationId xmlns:a16="http://schemas.microsoft.com/office/drawing/2014/main" id="{D6003260-3B65-4A40-91E5-986E0CF0C4D2}"/>
+              </a:ext>
+            </a:extLst>
+          </p:cNvPr>
+          <p:cNvSpPr>
+            <a:spLocks noGrp="1"/>
+          </p:cNvSpPr>
+          <p:nvPr>
+            <p:ph idx="1"/>
+          </p:nvPr>
+        </p:nvSpPr>
+        <p:spPr/>
+        <p:txBody>
+          <a:bodyPr/>
+          <a:lstStyle/>
+          <a:p>
+            <a:pPr marL="0" indent="0">
+              <a:buNone/>
+            </a:pPr>
+            <a:endParaRPr lang="es-419" dirty="0"/>
+          </a:p>
+        </p:txBody>
+      </p:sp>
+    </p:spTree>
+    <p:extLst>
+      <p:ext uri="{BB962C8B-B14F-4D97-AF65-F5344CB8AC3E}">
+        <p14:creationId xmlns:p14="http://schemas.microsoft.com/office/powerpoint/2010/main" val="2907511462"/>
+      </p:ext>
+    </p:extLst>
+  </p:cSld>
+  <p:clrMapOvr>
+    <a:masterClrMapping/>
+  </p:clrMapOvr>
+</p:sld>
+</file>
+
+<file path=ppt/slides/slide17.xml><?xml version="1.0" encoding="utf-8"?>
+<p:sld xmlns:a="http://schemas.openxmlformats.org/drawingml/2006/main" xmlns:r="http://schemas.openxmlformats.org/officeDocument/2006/relationships" xmlns:p="http://schemas.openxmlformats.org/presentationml/2006/main">
+  <p:cSld>
+    <p:spTree>
+      <p:nvGrpSpPr>
+        <p:cNvPr id="1" name=""/>
+        <p:cNvGrpSpPr/>
+        <p:nvPr/>
+      </p:nvGrpSpPr>
+      <p:grpSpPr>
+        <a:xfrm>
+          <a:off x="0" y="0"/>
+          <a:ext cx="0" cy="0"/>
+          <a:chOff x="0" y="0"/>
+          <a:chExt cx="0" cy="0"/>
+        </a:xfrm>
+      </p:grpSpPr>
+      <p:sp>
+        <p:nvSpPr>
           <p:cNvPr id="2" name="1 Título"/>
           <p:cNvSpPr>
             <a:spLocks noGrp="1"/>
@@ -6689,7 +7139,7 @@
 </p:sld>
 </file>
 
-<file path=ppt/slides/slide15.xml><?xml version="1.0" encoding="utf-8"?>
+<file path=ppt/slides/slide18.xml><?xml version="1.0" encoding="utf-8"?>
 <p:sld xmlns:a="http://schemas.openxmlformats.org/drawingml/2006/main" xmlns:r="http://schemas.openxmlformats.org/officeDocument/2006/relationships" xmlns:p="http://schemas.openxmlformats.org/presentationml/2006/main">
   <p:cSld>
     <p:spTree>
@@ -6805,663 +7255,6 @@
 </p:sld>
 </file>
 
-<file path=ppt/slides/slide16.xml><?xml version="1.0" encoding="utf-8"?>
-<p:sld xmlns:a="http://schemas.openxmlformats.org/drawingml/2006/main" xmlns:r="http://schemas.openxmlformats.org/officeDocument/2006/relationships" xmlns:p="http://schemas.openxmlformats.org/presentationml/2006/main">
-  <p:cSld>
-    <p:spTree>
-      <p:nvGrpSpPr>
-        <p:cNvPr id="1" name=""/>
-        <p:cNvGrpSpPr/>
-        <p:nvPr/>
-      </p:nvGrpSpPr>
-      <p:grpSpPr>
-        <a:xfrm>
-          <a:off x="0" y="0"/>
-          <a:ext cx="0" cy="0"/>
-          <a:chOff x="0" y="0"/>
-          <a:chExt cx="0" cy="0"/>
-        </a:xfrm>
-      </p:grpSpPr>
-      <p:sp>
-        <p:nvSpPr>
-          <p:cNvPr id="2" name="1 Título"/>
-          <p:cNvSpPr>
-            <a:spLocks noGrp="1"/>
-          </p:cNvSpPr>
-          <p:nvPr>
-            <p:ph type="title"/>
-          </p:nvPr>
-        </p:nvSpPr>
-        <p:spPr/>
-        <p:txBody>
-          <a:bodyPr/>
-          <a:lstStyle/>
-          <a:p>
-            <a:r>
-              <a:rPr lang="es-ES_tradnl" dirty="0"/>
-              <a:t>Aritmética de punto flotante</a:t>
-            </a:r>
-            <a:endParaRPr lang="en-US" dirty="0"/>
-          </a:p>
-        </p:txBody>
-      </p:sp>
-      <p:sp>
-        <p:nvSpPr>
-          <p:cNvPr id="3" name="2 Marcador de contenido"/>
-          <p:cNvSpPr>
-            <a:spLocks noGrp="1"/>
-          </p:cNvSpPr>
-          <p:nvPr>
-            <p:ph idx="1"/>
-          </p:nvPr>
-        </p:nvSpPr>
-        <p:spPr>
-          <a:xfrm>
-            <a:off x="2245360" y="1813560"/>
-            <a:ext cx="9326880" cy="5311163"/>
-          </a:xfrm>
-        </p:spPr>
-        <p:txBody>
-          <a:bodyPr>
-            <a:normAutofit fontScale="77500" lnSpcReduction="20000"/>
-          </a:bodyPr>
-          <a:lstStyle/>
-          <a:p>
-            <a:pPr algn="just">
-              <a:lnSpc>
-                <a:spcPct val="170000"/>
-              </a:lnSpc>
-            </a:pPr>
-            <a:r>
-              <a:rPr lang="es-ES_tradnl" dirty="0"/>
-              <a:t>Se mueve dinámicamente la coma decimal a una posición conveniente y se usa el exponente en base 10 para registrar la posición de la coma.</a:t>
-            </a:r>
-          </a:p>
-          <a:p>
-            <a:pPr>
-              <a:lnSpc>
-                <a:spcPct val="170000"/>
-              </a:lnSpc>
-            </a:pPr>
-            <a:r>
-              <a:rPr lang="es-ES_tradnl" dirty="0"/>
-              <a:t>Hay equivalencia, no son cifras distintas</a:t>
-            </a:r>
-          </a:p>
-          <a:p>
-            <a:pPr>
-              <a:lnSpc>
-                <a:spcPct val="170000"/>
-              </a:lnSpc>
-            </a:pPr>
-            <a:r>
-              <a:rPr lang="es-ES_tradnl" dirty="0"/>
-              <a:t>Por ejemplo:</a:t>
-            </a:r>
-          </a:p>
-          <a:p>
-            <a:pPr lvl="1"/>
-            <a:endParaRPr lang="es-ES_tradnl" dirty="0"/>
-          </a:p>
-          <a:p>
-            <a:pPr lvl="1"/>
-            <a:r>
-              <a:rPr lang="es-ES_tradnl" dirty="0"/>
-              <a:t>0,0715 x 10</a:t>
-            </a:r>
-            <a:r>
-              <a:rPr lang="es-ES_tradnl" baseline="30000" dirty="0"/>
-              <a:t>0</a:t>
-            </a:r>
-            <a:r>
-              <a:rPr lang="es-ES_tradnl" dirty="0"/>
-              <a:t> </a:t>
-            </a:r>
-            <a:r>
-              <a:rPr lang="es-ES_tradnl" dirty="0">
-                <a:sym typeface="Wingdings" pitchFamily="2" charset="2"/>
-              </a:rPr>
-              <a:t> 7,15 x 10</a:t>
-            </a:r>
-            <a:r>
-              <a:rPr lang="es-ES_tradnl" baseline="30000" dirty="0">
-                <a:sym typeface="Wingdings" pitchFamily="2" charset="2"/>
-              </a:rPr>
-              <a:t>-2</a:t>
-            </a:r>
-            <a:r>
-              <a:rPr lang="es-ES_tradnl" dirty="0">
-                <a:sym typeface="Wingdings" pitchFamily="2" charset="2"/>
-              </a:rPr>
-              <a:t> </a:t>
-            </a:r>
-          </a:p>
-          <a:p>
-            <a:pPr lvl="1">
-              <a:buNone/>
-            </a:pPr>
-            <a:endParaRPr lang="es-ES_tradnl" dirty="0">
-              <a:sym typeface="Wingdings" pitchFamily="2" charset="2"/>
-            </a:endParaRPr>
-          </a:p>
-          <a:p>
-            <a:pPr lvl="1"/>
-            <a:r>
-              <a:rPr lang="es-ES_tradnl" dirty="0"/>
-              <a:t>1973 x 10</a:t>
-            </a:r>
-            <a:r>
-              <a:rPr lang="es-ES_tradnl" baseline="30000" dirty="0"/>
-              <a:t>0</a:t>
-            </a:r>
-            <a:r>
-              <a:rPr lang="es-ES_tradnl" dirty="0"/>
-              <a:t>  </a:t>
-            </a:r>
-            <a:r>
-              <a:rPr lang="es-ES_tradnl" dirty="0">
-                <a:sym typeface="Wingdings" pitchFamily="2" charset="2"/>
-              </a:rPr>
-              <a:t> 19,73 x 10</a:t>
-            </a:r>
-            <a:r>
-              <a:rPr lang="es-ES_tradnl" baseline="30000" dirty="0">
-                <a:sym typeface="Wingdings" pitchFamily="2" charset="2"/>
-              </a:rPr>
-              <a:t>2</a:t>
-            </a:r>
-            <a:r>
-              <a:rPr lang="es-ES_tradnl" dirty="0">
-                <a:sym typeface="Wingdings" pitchFamily="2" charset="2"/>
-              </a:rPr>
-              <a:t> </a:t>
-            </a:r>
-          </a:p>
-          <a:p>
-            <a:pPr lvl="1"/>
-            <a:r>
-              <a:rPr lang="es-ES_tradnl" dirty="0"/>
-              <a:t>1973 x 10</a:t>
-            </a:r>
-            <a:r>
-              <a:rPr lang="es-ES_tradnl" baseline="30000" dirty="0"/>
-              <a:t>0</a:t>
-            </a:r>
-            <a:r>
-              <a:rPr lang="es-ES_tradnl" dirty="0"/>
-              <a:t>  </a:t>
-            </a:r>
-            <a:r>
-              <a:rPr lang="es-ES_tradnl" dirty="0">
-                <a:sym typeface="Wingdings" pitchFamily="2" charset="2"/>
-              </a:rPr>
-              <a:t> 1,973 x 10</a:t>
-            </a:r>
-            <a:r>
-              <a:rPr lang="es-ES_tradnl" baseline="30000" dirty="0">
-                <a:sym typeface="Wingdings" pitchFamily="2" charset="2"/>
-              </a:rPr>
-              <a:t>3</a:t>
-            </a:r>
-          </a:p>
-          <a:p>
-            <a:pPr lvl="1"/>
-            <a:r>
-              <a:rPr lang="es-ES_tradnl" dirty="0"/>
-              <a:t>1973 x 10</a:t>
-            </a:r>
-            <a:r>
-              <a:rPr lang="es-ES_tradnl" baseline="30000" dirty="0"/>
-              <a:t>0</a:t>
-            </a:r>
-            <a:r>
-              <a:rPr lang="es-ES_tradnl" dirty="0"/>
-              <a:t>  </a:t>
-            </a:r>
-            <a:r>
-              <a:rPr lang="es-ES_tradnl" dirty="0">
-                <a:sym typeface="Wingdings" pitchFamily="2" charset="2"/>
-              </a:rPr>
-              <a:t> 0,1973 x 10</a:t>
-            </a:r>
-            <a:r>
-              <a:rPr lang="es-ES_tradnl" baseline="30000" dirty="0">
-                <a:sym typeface="Wingdings" pitchFamily="2" charset="2"/>
-              </a:rPr>
-              <a:t>4</a:t>
-            </a:r>
-          </a:p>
-          <a:p>
-            <a:pPr lvl="1"/>
-            <a:endParaRPr lang="es-ES_tradnl" dirty="0"/>
-          </a:p>
-        </p:txBody>
-      </p:sp>
-    </p:spTree>
-    <p:extLst>
-      <p:ext uri="{BB962C8B-B14F-4D97-AF65-F5344CB8AC3E}">
-        <p14:creationId xmlns:p14="http://schemas.microsoft.com/office/powerpoint/2010/main" val="885582571"/>
-      </p:ext>
-    </p:extLst>
-  </p:cSld>
-  <p:clrMapOvr>
-    <a:masterClrMapping/>
-  </p:clrMapOvr>
-</p:sld>
-</file>
-
-<file path=ppt/slides/slide17.xml><?xml version="1.0" encoding="utf-8"?>
-<p:sld xmlns:a="http://schemas.openxmlformats.org/drawingml/2006/main" xmlns:r="http://schemas.openxmlformats.org/officeDocument/2006/relationships" xmlns:p="http://schemas.openxmlformats.org/presentationml/2006/main">
-  <p:cSld>
-    <p:spTree>
-      <p:nvGrpSpPr>
-        <p:cNvPr id="1" name=""/>
-        <p:cNvGrpSpPr/>
-        <p:nvPr/>
-      </p:nvGrpSpPr>
-      <p:grpSpPr>
-        <a:xfrm>
-          <a:off x="0" y="0"/>
-          <a:ext cx="0" cy="0"/>
-          <a:chOff x="0" y="0"/>
-          <a:chExt cx="0" cy="0"/>
-        </a:xfrm>
-      </p:grpSpPr>
-      <p:sp>
-        <p:nvSpPr>
-          <p:cNvPr id="2" name="1 Título"/>
-          <p:cNvSpPr>
-            <a:spLocks noGrp="1"/>
-          </p:cNvSpPr>
-          <p:nvPr>
-            <p:ph type="title"/>
-          </p:nvPr>
-        </p:nvSpPr>
-        <p:spPr/>
-        <p:txBody>
-          <a:bodyPr/>
-          <a:lstStyle/>
-          <a:p>
-            <a:r>
-              <a:rPr lang="es-ES_tradnl" dirty="0"/>
-              <a:t>Aritmética de punto flotante</a:t>
-            </a:r>
-            <a:endParaRPr lang="en-US" dirty="0"/>
-          </a:p>
-        </p:txBody>
-      </p:sp>
-      <p:sp>
-        <p:nvSpPr>
-          <p:cNvPr id="3" name="2 Marcador de contenido"/>
-          <p:cNvSpPr>
-            <a:spLocks noGrp="1"/>
-          </p:cNvSpPr>
-          <p:nvPr>
-            <p:ph idx="1"/>
-          </p:nvPr>
-        </p:nvSpPr>
-        <p:spPr>
-          <a:xfrm>
-            <a:off x="2245360" y="1813560"/>
-            <a:ext cx="9326880" cy="5554052"/>
-          </a:xfrm>
-        </p:spPr>
-        <p:txBody>
-          <a:bodyPr>
-            <a:normAutofit fontScale="70000" lnSpcReduction="20000"/>
-          </a:bodyPr>
-          <a:lstStyle/>
-          <a:p>
-            <a:pPr>
-              <a:lnSpc>
-                <a:spcPct val="170000"/>
-              </a:lnSpc>
-            </a:pPr>
-            <a:r>
-              <a:rPr lang="es-ES_tradnl" dirty="0"/>
-              <a:t>Para representar en binarios se usa la expresión</a:t>
-            </a:r>
-          </a:p>
-          <a:p>
-            <a:pPr lvl="1" algn="ctr">
-              <a:lnSpc>
-                <a:spcPct val="170000"/>
-              </a:lnSpc>
-              <a:buNone/>
-            </a:pPr>
-            <a:r>
-              <a:rPr lang="es-ES_tradnl" sz="4080" b="1" dirty="0">
-                <a:solidFill>
-                  <a:srgbClr val="FF0000"/>
-                </a:solidFill>
-              </a:rPr>
-              <a:t>± S x B </a:t>
-            </a:r>
-            <a:r>
-              <a:rPr lang="es-ES_tradnl" sz="4080" b="1" baseline="30000" dirty="0">
-                <a:solidFill>
-                  <a:srgbClr val="FF0000"/>
-                </a:solidFill>
-              </a:rPr>
-              <a:t>±E</a:t>
-            </a:r>
-          </a:p>
-          <a:p>
-            <a:pPr lvl="1">
-              <a:lnSpc>
-                <a:spcPct val="170000"/>
-              </a:lnSpc>
-            </a:pPr>
-            <a:r>
-              <a:rPr lang="es-ES_tradnl" dirty="0"/>
-              <a:t>Signo</a:t>
-            </a:r>
-          </a:p>
-          <a:p>
-            <a:pPr lvl="1">
-              <a:lnSpc>
-                <a:spcPct val="170000"/>
-              </a:lnSpc>
-            </a:pPr>
-            <a:r>
-              <a:rPr lang="es-ES_tradnl" dirty="0"/>
-              <a:t>S: mantisa o parte significativa</a:t>
-            </a:r>
-          </a:p>
-          <a:p>
-            <a:pPr lvl="1">
-              <a:lnSpc>
-                <a:spcPct val="170000"/>
-              </a:lnSpc>
-            </a:pPr>
-            <a:r>
-              <a:rPr lang="es-ES_tradnl" dirty="0"/>
-              <a:t>E: Exponente</a:t>
-            </a:r>
-          </a:p>
-          <a:p>
-            <a:pPr lvl="1">
-              <a:lnSpc>
-                <a:spcPct val="170000"/>
-              </a:lnSpc>
-            </a:pPr>
-            <a:r>
-              <a:rPr lang="es-ES_tradnl" dirty="0"/>
-              <a:t>La base B no se representa, es implícita e igual para todos: 2</a:t>
-            </a:r>
-          </a:p>
-          <a:p>
-            <a:pPr lvl="1">
-              <a:lnSpc>
-                <a:spcPct val="170000"/>
-              </a:lnSpc>
-            </a:pPr>
-            <a:r>
-              <a:rPr lang="es-ES_tradnl" dirty="0"/>
-              <a:t>La coma de la base está a la derecha del bit más significativo de la mantisa S y no se representa físicamente sino que se asume</a:t>
-            </a:r>
-          </a:p>
-          <a:p>
-            <a:pPr lvl="1">
-              <a:lnSpc>
-                <a:spcPct val="170000"/>
-              </a:lnSpc>
-            </a:pPr>
-            <a:r>
-              <a:rPr lang="es-ES_tradnl" dirty="0"/>
-              <a:t>Al lado izquierdo de la coma está también un 1, que tampoco se representa sino que se asume.</a:t>
-            </a:r>
-            <a:endParaRPr lang="en-US" dirty="0"/>
-          </a:p>
-        </p:txBody>
-      </p:sp>
-    </p:spTree>
-    <p:extLst>
-      <p:ext uri="{BB962C8B-B14F-4D97-AF65-F5344CB8AC3E}">
-        <p14:creationId xmlns:p14="http://schemas.microsoft.com/office/powerpoint/2010/main" val="716591894"/>
-      </p:ext>
-    </p:extLst>
-  </p:cSld>
-  <p:clrMapOvr>
-    <a:masterClrMapping/>
-  </p:clrMapOvr>
-</p:sld>
-</file>
-
-<file path=ppt/slides/slide18.xml><?xml version="1.0" encoding="utf-8"?>
-<p:sld xmlns:a="http://schemas.openxmlformats.org/drawingml/2006/main" xmlns:r="http://schemas.openxmlformats.org/officeDocument/2006/relationships" xmlns:p="http://schemas.openxmlformats.org/presentationml/2006/main">
-  <p:cSld>
-    <p:spTree>
-      <p:nvGrpSpPr>
-        <p:cNvPr id="1" name=""/>
-        <p:cNvGrpSpPr/>
-        <p:nvPr/>
-      </p:nvGrpSpPr>
-      <p:grpSpPr>
-        <a:xfrm>
-          <a:off x="0" y="0"/>
-          <a:ext cx="0" cy="0"/>
-          <a:chOff x="0" y="0"/>
-          <a:chExt cx="0" cy="0"/>
-        </a:xfrm>
-      </p:grpSpPr>
-      <p:sp>
-        <p:nvSpPr>
-          <p:cNvPr id="2" name="1 Título"/>
-          <p:cNvSpPr>
-            <a:spLocks noGrp="1"/>
-          </p:cNvSpPr>
-          <p:nvPr>
-            <p:ph type="title"/>
-          </p:nvPr>
-        </p:nvSpPr>
-        <p:spPr/>
-        <p:txBody>
-          <a:bodyPr/>
-          <a:lstStyle/>
-          <a:p>
-            <a:r>
-              <a:rPr lang="es-ES_tradnl" dirty="0"/>
-              <a:t>Aritmética de punto flotante</a:t>
-            </a:r>
-            <a:endParaRPr lang="en-US" dirty="0"/>
-          </a:p>
-        </p:txBody>
-      </p:sp>
-      <p:sp>
-        <p:nvSpPr>
-          <p:cNvPr id="3" name="2 Marcador de contenido"/>
-          <p:cNvSpPr>
-            <a:spLocks noGrp="1"/>
-          </p:cNvSpPr>
-          <p:nvPr>
-            <p:ph idx="1"/>
-          </p:nvPr>
-        </p:nvSpPr>
-        <p:spPr/>
-        <p:txBody>
-          <a:bodyPr/>
-          <a:lstStyle/>
-          <a:p>
-            <a:r>
-              <a:rPr lang="es-ES_tradnl" dirty="0"/>
-              <a:t>Algo importante:</a:t>
-            </a:r>
-          </a:p>
-          <a:p>
-            <a:pPr lvl="1"/>
-            <a:r>
-              <a:rPr lang="es-ES_tradnl" dirty="0"/>
-              <a:t>Hemos visto:</a:t>
-            </a:r>
-          </a:p>
-          <a:p>
-            <a:pPr lvl="2"/>
-            <a:r>
-              <a:rPr lang="es-ES_tradnl" dirty="0"/>
-              <a:t>0110 </a:t>
-            </a:r>
-            <a:r>
-              <a:rPr lang="es-ES_tradnl" dirty="0">
-                <a:sym typeface="Wingdings" pitchFamily="2" charset="2"/>
-              </a:rPr>
-              <a:t> 2</a:t>
-            </a:r>
-            <a:r>
-              <a:rPr lang="es-ES_tradnl" baseline="30000" dirty="0">
-                <a:sym typeface="Wingdings" pitchFamily="2" charset="2"/>
-              </a:rPr>
-              <a:t>3</a:t>
-            </a:r>
-            <a:r>
-              <a:rPr lang="es-ES_tradnl" dirty="0">
-                <a:sym typeface="Wingdings" pitchFamily="2" charset="2"/>
-              </a:rPr>
-              <a:t>* 0 + 2</a:t>
-            </a:r>
-            <a:r>
-              <a:rPr lang="es-ES_tradnl" baseline="30000" dirty="0">
-                <a:sym typeface="Wingdings" pitchFamily="2" charset="2"/>
-              </a:rPr>
-              <a:t>2</a:t>
-            </a:r>
-            <a:r>
-              <a:rPr lang="es-ES_tradnl" dirty="0">
-                <a:sym typeface="Wingdings" pitchFamily="2" charset="2"/>
-              </a:rPr>
-              <a:t>*1 + 2</a:t>
-            </a:r>
-            <a:r>
-              <a:rPr lang="es-ES_tradnl" baseline="30000" dirty="0">
-                <a:sym typeface="Wingdings" pitchFamily="2" charset="2"/>
-              </a:rPr>
-              <a:t>1</a:t>
-            </a:r>
-            <a:r>
-              <a:rPr lang="es-ES_tradnl" dirty="0">
-                <a:sym typeface="Wingdings" pitchFamily="2" charset="2"/>
-              </a:rPr>
-              <a:t> * 1 + 2</a:t>
-            </a:r>
-            <a:r>
-              <a:rPr lang="es-ES_tradnl" baseline="30000" dirty="0">
-                <a:sym typeface="Wingdings" pitchFamily="2" charset="2"/>
-              </a:rPr>
-              <a:t>0</a:t>
-            </a:r>
-            <a:r>
-              <a:rPr lang="es-ES_tradnl" dirty="0">
-                <a:sym typeface="Wingdings" pitchFamily="2" charset="2"/>
-              </a:rPr>
-              <a:t> * 0</a:t>
-            </a:r>
-          </a:p>
-          <a:p>
-            <a:pPr lvl="1"/>
-            <a:r>
-              <a:rPr lang="es-ES_tradnl" dirty="0">
-                <a:sym typeface="Wingdings" pitchFamily="2" charset="2"/>
-              </a:rPr>
-              <a:t>Aprendamos que:</a:t>
-            </a:r>
-          </a:p>
-          <a:p>
-            <a:pPr lvl="2"/>
-            <a:r>
-              <a:rPr lang="es-ES_tradnl" dirty="0">
-                <a:sym typeface="Wingdings" pitchFamily="2" charset="2"/>
-              </a:rPr>
-              <a:t>0.110  Se divide en parte entera y parte </a:t>
-            </a:r>
-            <a:r>
-              <a:rPr lang="es-ES_tradnl" dirty="0" err="1">
-                <a:sym typeface="Wingdings" pitchFamily="2" charset="2"/>
-              </a:rPr>
-              <a:t>décimal</a:t>
-            </a:r>
-            <a:endParaRPr lang="es-ES_tradnl" dirty="0">
-              <a:sym typeface="Wingdings" pitchFamily="2" charset="2"/>
-            </a:endParaRPr>
-          </a:p>
-          <a:p>
-            <a:pPr lvl="2"/>
-            <a:r>
-              <a:rPr lang="es-ES_tradnl" dirty="0">
-                <a:sym typeface="Wingdings" pitchFamily="2" charset="2"/>
-              </a:rPr>
-              <a:t>Se tratan por separado</a:t>
-            </a:r>
-          </a:p>
-          <a:p>
-            <a:pPr lvl="2"/>
-            <a:r>
-              <a:rPr lang="es-ES_tradnl" dirty="0">
-                <a:sym typeface="Wingdings" pitchFamily="2" charset="2"/>
-              </a:rPr>
-              <a:t>Después del punto: 2</a:t>
-            </a:r>
-            <a:r>
-              <a:rPr lang="es-ES_tradnl" baseline="30000" dirty="0">
-                <a:sym typeface="Wingdings" pitchFamily="2" charset="2"/>
-              </a:rPr>
-              <a:t>-1</a:t>
-            </a:r>
-            <a:r>
-              <a:rPr lang="es-ES_tradnl" dirty="0">
-                <a:sym typeface="Wingdings" pitchFamily="2" charset="2"/>
-              </a:rPr>
-              <a:t> * 1 + 2</a:t>
-            </a:r>
-            <a:r>
-              <a:rPr lang="es-ES_tradnl" baseline="30000" dirty="0">
-                <a:sym typeface="Wingdings" pitchFamily="2" charset="2"/>
-              </a:rPr>
-              <a:t>-2</a:t>
-            </a:r>
-            <a:r>
-              <a:rPr lang="es-ES_tradnl" dirty="0">
-                <a:sym typeface="Wingdings" pitchFamily="2" charset="2"/>
-              </a:rPr>
-              <a:t> * 1 + 2 </a:t>
-            </a:r>
-            <a:r>
-              <a:rPr lang="es-ES_tradnl" baseline="30000" dirty="0">
-                <a:sym typeface="Wingdings" pitchFamily="2" charset="2"/>
-              </a:rPr>
-              <a:t>-3</a:t>
-            </a:r>
-            <a:r>
-              <a:rPr lang="es-ES_tradnl" dirty="0">
-                <a:sym typeface="Wingdings" pitchFamily="2" charset="2"/>
-              </a:rPr>
-              <a:t> * 0</a:t>
-            </a:r>
-          </a:p>
-          <a:p>
-            <a:pPr lvl="2"/>
-            <a:r>
-              <a:rPr lang="es-ES_tradnl" dirty="0">
-                <a:sym typeface="Wingdings" pitchFamily="2" charset="2"/>
-              </a:rPr>
-              <a:t>0,5 * 1 + 0,25 * 1 + 0,125 * 0</a:t>
-            </a:r>
-            <a:endParaRPr lang="en-US" dirty="0"/>
-          </a:p>
-        </p:txBody>
-      </p:sp>
-    </p:spTree>
-    <p:extLst>
-      <p:ext uri="{BB962C8B-B14F-4D97-AF65-F5344CB8AC3E}">
-        <p14:creationId xmlns:p14="http://schemas.microsoft.com/office/powerpoint/2010/main" val="905050336"/>
-      </p:ext>
-    </p:extLst>
-  </p:cSld>
-  <p:clrMapOvr>
-    <a:masterClrMapping/>
-  </p:clrMapOvr>
-</p:sld>
-</file>
-
 <file path=ppt/slides/slide19.xml><?xml version="1.0" encoding="utf-8"?>
 <p:sld xmlns:a="http://schemas.openxmlformats.org/drawingml/2006/main" xmlns:r="http://schemas.openxmlformats.org/officeDocument/2006/relationships" xmlns:p="http://schemas.openxmlformats.org/presentationml/2006/main">
   <p:cSld>
@@ -7502,73 +7295,202 @@
           </a:p>
         </p:txBody>
       </p:sp>
-      <p:pic>
-        <p:nvPicPr>
-          <p:cNvPr id="1026" name="Picture 2"/>
-          <p:cNvPicPr>
-            <a:picLocks noChangeAspect="1" noChangeArrowheads="1"/>
-          </p:cNvPicPr>
-          <p:nvPr/>
-        </p:nvPicPr>
-        <p:blipFill>
-          <a:blip r:embed="rId2" cstate="print"/>
-          <a:srcRect/>
-          <a:stretch>
-            <a:fillRect/>
-          </a:stretch>
-        </p:blipFill>
-        <p:spPr bwMode="auto">
-          <a:xfrm>
-            <a:off x="2941610" y="2509828"/>
-            <a:ext cx="7853419" cy="4638996"/>
-          </a:xfrm>
-          <a:prstGeom prst="rect">
-            <a:avLst/>
-          </a:prstGeom>
-          <a:noFill/>
-          <a:ln w="9525">
-            <a:noFill/>
-            <a:miter lim="800000"/>
-            <a:headEnd/>
-            <a:tailEnd/>
-          </a:ln>
-          <a:effectLst/>
-        </p:spPr>
-      </p:pic>
-      <p:sp>
-        <p:nvSpPr>
-          <p:cNvPr id="5" name="4 CuadroTexto"/>
-          <p:cNvSpPr txBox="1"/>
-          <p:nvPr/>
+      <p:sp>
+        <p:nvSpPr>
+          <p:cNvPr id="3" name="2 Marcador de contenido"/>
+          <p:cNvSpPr>
+            <a:spLocks noGrp="1"/>
+          </p:cNvSpPr>
+          <p:nvPr>
+            <p:ph idx="1"/>
+          </p:nvPr>
         </p:nvSpPr>
         <p:spPr>
           <a:xfrm>
-            <a:off x="2779684" y="1862124"/>
-            <a:ext cx="3503716" cy="650499"/>
+            <a:off x="2245360" y="1813560"/>
+            <a:ext cx="9326880" cy="5311163"/>
           </a:xfrm>
-          <a:prstGeom prst="rect">
-            <a:avLst/>
-          </a:prstGeom>
-          <a:noFill/>
         </p:spPr>
         <p:txBody>
-          <a:bodyPr wrap="none" rtlCol="0">
-            <a:spAutoFit/>
+          <a:bodyPr>
+            <a:normAutofit fontScale="77500" lnSpcReduction="20000"/>
           </a:bodyPr>
           <a:lstStyle/>
           <a:p>
-            <a:r>
-              <a:rPr lang="es-ES_tradnl" sz="3627" dirty="0"/>
-              <a:t>Formato IEEE 754</a:t>
-            </a:r>
-            <a:endParaRPr lang="en-US" sz="3627" dirty="0"/>
+            <a:pPr algn="just">
+              <a:lnSpc>
+                <a:spcPct val="170000"/>
+              </a:lnSpc>
+            </a:pPr>
+            <a:r>
+              <a:rPr lang="es-ES_tradnl" dirty="0"/>
+              <a:t>Se mueve dinámicamente la coma decimal a una posición conveniente y se usa el exponente en base 10 para registrar la posición de la coma.</a:t>
+            </a:r>
+          </a:p>
+          <a:p>
+            <a:pPr>
+              <a:lnSpc>
+                <a:spcPct val="170000"/>
+              </a:lnSpc>
+            </a:pPr>
+            <a:r>
+              <a:rPr lang="es-ES_tradnl" dirty="0"/>
+              <a:t>Hay equivalencia, no son cifras distintas</a:t>
+            </a:r>
+          </a:p>
+          <a:p>
+            <a:pPr>
+              <a:lnSpc>
+                <a:spcPct val="170000"/>
+              </a:lnSpc>
+            </a:pPr>
+            <a:r>
+              <a:rPr lang="es-ES_tradnl" dirty="0"/>
+              <a:t>Por ejemplo:</a:t>
+            </a:r>
+          </a:p>
+          <a:p>
+            <a:pPr lvl="1"/>
+            <a:endParaRPr lang="es-ES_tradnl" dirty="0"/>
+          </a:p>
+          <a:p>
+            <a:pPr lvl="1"/>
+            <a:r>
+              <a:rPr lang="es-ES_tradnl" dirty="0"/>
+              <a:t>0,0715 x 10</a:t>
+            </a:r>
+            <a:r>
+              <a:rPr lang="es-ES_tradnl" baseline="30000" dirty="0"/>
+              <a:t>0</a:t>
+            </a:r>
+            <a:r>
+              <a:rPr lang="es-ES_tradnl" dirty="0"/>
+              <a:t> </a:t>
+            </a:r>
+            <a:r>
+              <a:rPr lang="es-ES_tradnl" dirty="0">
+                <a:sym typeface="Wingdings" pitchFamily="2" charset="2"/>
+              </a:rPr>
+              <a:t> 7,15 x 10</a:t>
+            </a:r>
+            <a:r>
+              <a:rPr lang="es-ES_tradnl" baseline="30000" dirty="0">
+                <a:sym typeface="Wingdings" pitchFamily="2" charset="2"/>
+              </a:rPr>
+              <a:t>-2</a:t>
+            </a:r>
+            <a:r>
+              <a:rPr lang="es-ES_tradnl" dirty="0">
+                <a:sym typeface="Wingdings" pitchFamily="2" charset="2"/>
+              </a:rPr>
+              <a:t> </a:t>
+            </a:r>
+          </a:p>
+          <a:p>
+            <a:pPr lvl="1">
+              <a:buNone/>
+            </a:pPr>
+            <a:endParaRPr lang="es-ES_tradnl" dirty="0">
+              <a:sym typeface="Wingdings" pitchFamily="2" charset="2"/>
+            </a:endParaRPr>
+          </a:p>
+          <a:p>
+            <a:pPr lvl="1"/>
+            <a:r>
+              <a:rPr lang="es-ES_tradnl" dirty="0"/>
+              <a:t>1973 x 10</a:t>
+            </a:r>
+            <a:r>
+              <a:rPr lang="es-ES_tradnl" baseline="30000" dirty="0"/>
+              <a:t>0</a:t>
+            </a:r>
+            <a:r>
+              <a:rPr lang="es-ES_tradnl" dirty="0"/>
+              <a:t>  </a:t>
+            </a:r>
+            <a:r>
+              <a:rPr lang="es-ES_tradnl" dirty="0">
+                <a:sym typeface="Wingdings" pitchFamily="2" charset="2"/>
+              </a:rPr>
+              <a:t> 19,73 x 10</a:t>
+            </a:r>
+            <a:r>
+              <a:rPr lang="es-ES_tradnl" baseline="30000" dirty="0">
+                <a:sym typeface="Wingdings" pitchFamily="2" charset="2"/>
+              </a:rPr>
+              <a:t>2</a:t>
+            </a:r>
+            <a:r>
+              <a:rPr lang="es-ES_tradnl" dirty="0">
+                <a:sym typeface="Wingdings" pitchFamily="2" charset="2"/>
+              </a:rPr>
+              <a:t> </a:t>
+            </a:r>
+          </a:p>
+          <a:p>
+            <a:pPr lvl="1"/>
+            <a:r>
+              <a:rPr lang="es-ES_tradnl" dirty="0"/>
+              <a:t>1973 x 10</a:t>
+            </a:r>
+            <a:r>
+              <a:rPr lang="es-ES_tradnl" baseline="30000" dirty="0"/>
+              <a:t>0</a:t>
+            </a:r>
+            <a:r>
+              <a:rPr lang="es-ES_tradnl" dirty="0"/>
+              <a:t>  </a:t>
+            </a:r>
+            <a:r>
+              <a:rPr lang="es-ES_tradnl" dirty="0">
+                <a:sym typeface="Wingdings" pitchFamily="2" charset="2"/>
+              </a:rPr>
+              <a:t> 1,973 x 10</a:t>
+            </a:r>
+            <a:r>
+              <a:rPr lang="es-ES_tradnl" baseline="30000" dirty="0">
+                <a:sym typeface="Wingdings" pitchFamily="2" charset="2"/>
+              </a:rPr>
+              <a:t>3</a:t>
+            </a:r>
+          </a:p>
+          <a:p>
+            <a:pPr lvl="1"/>
+            <a:r>
+              <a:rPr lang="es-ES_tradnl" dirty="0"/>
+              <a:t>1973 x 10</a:t>
+            </a:r>
+            <a:r>
+              <a:rPr lang="es-ES_tradnl" baseline="30000" dirty="0"/>
+              <a:t>0</a:t>
+            </a:r>
+            <a:r>
+              <a:rPr lang="es-ES_tradnl" dirty="0"/>
+              <a:t>  </a:t>
+            </a:r>
+            <a:r>
+              <a:rPr lang="es-ES_tradnl" dirty="0">
+                <a:sym typeface="Wingdings" pitchFamily="2" charset="2"/>
+              </a:rPr>
+              <a:t> 0,1973 x 10</a:t>
+            </a:r>
+            <a:r>
+              <a:rPr lang="es-ES_tradnl" baseline="30000" dirty="0">
+                <a:sym typeface="Wingdings" pitchFamily="2" charset="2"/>
+              </a:rPr>
+              <a:t>4</a:t>
+            </a:r>
+          </a:p>
+          <a:p>
+            <a:pPr lvl="1"/>
+            <a:endParaRPr lang="es-ES_tradnl" dirty="0"/>
           </a:p>
         </p:txBody>
       </p:sp>
     </p:spTree>
     <p:extLst>
       <p:ext uri="{BB962C8B-B14F-4D97-AF65-F5344CB8AC3E}">
-        <p14:creationId xmlns:p14="http://schemas.microsoft.com/office/powerpoint/2010/main" val="1730484224"/>
+        <p14:creationId xmlns:p14="http://schemas.microsoft.com/office/powerpoint/2010/main" val="885582571"/>
       </p:ext>
     </p:extLst>
   </p:cSld>
@@ -7776,6 +7698,534 @@
           </a:p>
         </p:txBody>
       </p:sp>
+      <p:sp>
+        <p:nvSpPr>
+          <p:cNvPr id="3" name="2 Marcador de contenido"/>
+          <p:cNvSpPr>
+            <a:spLocks noGrp="1"/>
+          </p:cNvSpPr>
+          <p:nvPr>
+            <p:ph idx="1"/>
+          </p:nvPr>
+        </p:nvSpPr>
+        <p:spPr>
+          <a:xfrm>
+            <a:off x="2245360" y="1813560"/>
+            <a:ext cx="9326880" cy="5554052"/>
+          </a:xfrm>
+        </p:spPr>
+        <p:txBody>
+          <a:bodyPr>
+            <a:normAutofit fontScale="70000" lnSpcReduction="20000"/>
+          </a:bodyPr>
+          <a:lstStyle/>
+          <a:p>
+            <a:pPr>
+              <a:lnSpc>
+                <a:spcPct val="170000"/>
+              </a:lnSpc>
+            </a:pPr>
+            <a:r>
+              <a:rPr lang="es-ES_tradnl" dirty="0"/>
+              <a:t>Para representar en binarios se usa la expresión</a:t>
+            </a:r>
+          </a:p>
+          <a:p>
+            <a:pPr lvl="1" algn="ctr">
+              <a:lnSpc>
+                <a:spcPct val="170000"/>
+              </a:lnSpc>
+              <a:buNone/>
+            </a:pPr>
+            <a:r>
+              <a:rPr lang="es-ES_tradnl" sz="4080" b="1" dirty="0">
+                <a:solidFill>
+                  <a:srgbClr val="FF0000"/>
+                </a:solidFill>
+              </a:rPr>
+              <a:t>± S x B </a:t>
+            </a:r>
+            <a:r>
+              <a:rPr lang="es-ES_tradnl" sz="4080" b="1" baseline="30000" dirty="0">
+                <a:solidFill>
+                  <a:srgbClr val="FF0000"/>
+                </a:solidFill>
+              </a:rPr>
+              <a:t>±E</a:t>
+            </a:r>
+          </a:p>
+          <a:p>
+            <a:pPr lvl="1">
+              <a:lnSpc>
+                <a:spcPct val="170000"/>
+              </a:lnSpc>
+            </a:pPr>
+            <a:r>
+              <a:rPr lang="es-ES_tradnl" dirty="0"/>
+              <a:t>Signo</a:t>
+            </a:r>
+          </a:p>
+          <a:p>
+            <a:pPr lvl="1">
+              <a:lnSpc>
+                <a:spcPct val="170000"/>
+              </a:lnSpc>
+            </a:pPr>
+            <a:r>
+              <a:rPr lang="es-ES_tradnl" dirty="0"/>
+              <a:t>S: mantisa o parte significativa</a:t>
+            </a:r>
+          </a:p>
+          <a:p>
+            <a:pPr lvl="1">
+              <a:lnSpc>
+                <a:spcPct val="170000"/>
+              </a:lnSpc>
+            </a:pPr>
+            <a:r>
+              <a:rPr lang="es-ES_tradnl" dirty="0"/>
+              <a:t>E: Exponente</a:t>
+            </a:r>
+          </a:p>
+          <a:p>
+            <a:pPr lvl="1">
+              <a:lnSpc>
+                <a:spcPct val="170000"/>
+              </a:lnSpc>
+            </a:pPr>
+            <a:r>
+              <a:rPr lang="es-ES_tradnl" dirty="0"/>
+              <a:t>La base B no se representa, es implícita e igual para todos: 2</a:t>
+            </a:r>
+          </a:p>
+          <a:p>
+            <a:pPr lvl="1">
+              <a:lnSpc>
+                <a:spcPct val="170000"/>
+              </a:lnSpc>
+            </a:pPr>
+            <a:r>
+              <a:rPr lang="es-ES_tradnl" dirty="0"/>
+              <a:t>La coma de la base está a la derecha del bit más significativo de la mantisa S y no se representa físicamente sino que se asume</a:t>
+            </a:r>
+          </a:p>
+          <a:p>
+            <a:pPr lvl="1">
+              <a:lnSpc>
+                <a:spcPct val="170000"/>
+              </a:lnSpc>
+            </a:pPr>
+            <a:r>
+              <a:rPr lang="es-ES_tradnl" dirty="0"/>
+              <a:t>Al lado izquierdo de la coma está también un 1, que tampoco se representa sino que se asume.</a:t>
+            </a:r>
+            <a:endParaRPr lang="en-US" dirty="0"/>
+          </a:p>
+        </p:txBody>
+      </p:sp>
+    </p:spTree>
+    <p:extLst>
+      <p:ext uri="{BB962C8B-B14F-4D97-AF65-F5344CB8AC3E}">
+        <p14:creationId xmlns:p14="http://schemas.microsoft.com/office/powerpoint/2010/main" val="716591894"/>
+      </p:ext>
+    </p:extLst>
+  </p:cSld>
+  <p:clrMapOvr>
+    <a:masterClrMapping/>
+  </p:clrMapOvr>
+</p:sld>
+</file>
+
+<file path=ppt/slides/slide21.xml><?xml version="1.0" encoding="utf-8"?>
+<p:sld xmlns:a="http://schemas.openxmlformats.org/drawingml/2006/main" xmlns:r="http://schemas.openxmlformats.org/officeDocument/2006/relationships" xmlns:p="http://schemas.openxmlformats.org/presentationml/2006/main">
+  <p:cSld>
+    <p:spTree>
+      <p:nvGrpSpPr>
+        <p:cNvPr id="1" name=""/>
+        <p:cNvGrpSpPr/>
+        <p:nvPr/>
+      </p:nvGrpSpPr>
+      <p:grpSpPr>
+        <a:xfrm>
+          <a:off x="0" y="0"/>
+          <a:ext cx="0" cy="0"/>
+          <a:chOff x="0" y="0"/>
+          <a:chExt cx="0" cy="0"/>
+        </a:xfrm>
+      </p:grpSpPr>
+      <p:sp>
+        <p:nvSpPr>
+          <p:cNvPr id="2" name="1 Título"/>
+          <p:cNvSpPr>
+            <a:spLocks noGrp="1"/>
+          </p:cNvSpPr>
+          <p:nvPr>
+            <p:ph type="title"/>
+          </p:nvPr>
+        </p:nvSpPr>
+        <p:spPr/>
+        <p:txBody>
+          <a:bodyPr/>
+          <a:lstStyle/>
+          <a:p>
+            <a:r>
+              <a:rPr lang="es-ES_tradnl" dirty="0"/>
+              <a:t>Aritmética de punto flotante</a:t>
+            </a:r>
+            <a:endParaRPr lang="en-US" dirty="0"/>
+          </a:p>
+        </p:txBody>
+      </p:sp>
+      <p:sp>
+        <p:nvSpPr>
+          <p:cNvPr id="3" name="2 Marcador de contenido"/>
+          <p:cNvSpPr>
+            <a:spLocks noGrp="1"/>
+          </p:cNvSpPr>
+          <p:nvPr>
+            <p:ph idx="1"/>
+          </p:nvPr>
+        </p:nvSpPr>
+        <p:spPr/>
+        <p:txBody>
+          <a:bodyPr/>
+          <a:lstStyle/>
+          <a:p>
+            <a:r>
+              <a:rPr lang="es-ES_tradnl" dirty="0"/>
+              <a:t>Algo importante:</a:t>
+            </a:r>
+          </a:p>
+          <a:p>
+            <a:pPr lvl="1"/>
+            <a:r>
+              <a:rPr lang="es-ES_tradnl" dirty="0"/>
+              <a:t>Hemos visto:</a:t>
+            </a:r>
+          </a:p>
+          <a:p>
+            <a:pPr lvl="2"/>
+            <a:r>
+              <a:rPr lang="es-ES_tradnl" dirty="0"/>
+              <a:t>0110 </a:t>
+            </a:r>
+            <a:r>
+              <a:rPr lang="es-ES_tradnl" dirty="0">
+                <a:sym typeface="Wingdings" pitchFamily="2" charset="2"/>
+              </a:rPr>
+              <a:t> 2</a:t>
+            </a:r>
+            <a:r>
+              <a:rPr lang="es-ES_tradnl" baseline="30000" dirty="0">
+                <a:sym typeface="Wingdings" pitchFamily="2" charset="2"/>
+              </a:rPr>
+              <a:t>3</a:t>
+            </a:r>
+            <a:r>
+              <a:rPr lang="es-ES_tradnl" dirty="0">
+                <a:sym typeface="Wingdings" pitchFamily="2" charset="2"/>
+              </a:rPr>
+              <a:t>* 0 + 2</a:t>
+            </a:r>
+            <a:r>
+              <a:rPr lang="es-ES_tradnl" baseline="30000" dirty="0">
+                <a:sym typeface="Wingdings" pitchFamily="2" charset="2"/>
+              </a:rPr>
+              <a:t>2</a:t>
+            </a:r>
+            <a:r>
+              <a:rPr lang="es-ES_tradnl" dirty="0">
+                <a:sym typeface="Wingdings" pitchFamily="2" charset="2"/>
+              </a:rPr>
+              <a:t>*1 + 2</a:t>
+            </a:r>
+            <a:r>
+              <a:rPr lang="es-ES_tradnl" baseline="30000" dirty="0">
+                <a:sym typeface="Wingdings" pitchFamily="2" charset="2"/>
+              </a:rPr>
+              <a:t>1</a:t>
+            </a:r>
+            <a:r>
+              <a:rPr lang="es-ES_tradnl" dirty="0">
+                <a:sym typeface="Wingdings" pitchFamily="2" charset="2"/>
+              </a:rPr>
+              <a:t> * 1 + 2</a:t>
+            </a:r>
+            <a:r>
+              <a:rPr lang="es-ES_tradnl" baseline="30000" dirty="0">
+                <a:sym typeface="Wingdings" pitchFamily="2" charset="2"/>
+              </a:rPr>
+              <a:t>0</a:t>
+            </a:r>
+            <a:r>
+              <a:rPr lang="es-ES_tradnl" dirty="0">
+                <a:sym typeface="Wingdings" pitchFamily="2" charset="2"/>
+              </a:rPr>
+              <a:t> * 0</a:t>
+            </a:r>
+          </a:p>
+          <a:p>
+            <a:pPr lvl="1"/>
+            <a:r>
+              <a:rPr lang="es-ES_tradnl" dirty="0">
+                <a:sym typeface="Wingdings" pitchFamily="2" charset="2"/>
+              </a:rPr>
+              <a:t>Aprendamos que:</a:t>
+            </a:r>
+          </a:p>
+          <a:p>
+            <a:pPr lvl="2"/>
+            <a:r>
+              <a:rPr lang="es-ES_tradnl" dirty="0">
+                <a:sym typeface="Wingdings" pitchFamily="2" charset="2"/>
+              </a:rPr>
+              <a:t>0.110  Se divide en parte entera y parte </a:t>
+            </a:r>
+            <a:r>
+              <a:rPr lang="es-ES_tradnl" dirty="0" err="1">
+                <a:sym typeface="Wingdings" pitchFamily="2" charset="2"/>
+              </a:rPr>
+              <a:t>décimal</a:t>
+            </a:r>
+            <a:endParaRPr lang="es-ES_tradnl" dirty="0">
+              <a:sym typeface="Wingdings" pitchFamily="2" charset="2"/>
+            </a:endParaRPr>
+          </a:p>
+          <a:p>
+            <a:pPr lvl="2"/>
+            <a:r>
+              <a:rPr lang="es-ES_tradnl" dirty="0">
+                <a:sym typeface="Wingdings" pitchFamily="2" charset="2"/>
+              </a:rPr>
+              <a:t>Se tratan por separado</a:t>
+            </a:r>
+          </a:p>
+          <a:p>
+            <a:pPr lvl="2"/>
+            <a:r>
+              <a:rPr lang="es-ES_tradnl" dirty="0">
+                <a:sym typeface="Wingdings" pitchFamily="2" charset="2"/>
+              </a:rPr>
+              <a:t>Después del punto: 2</a:t>
+            </a:r>
+            <a:r>
+              <a:rPr lang="es-ES_tradnl" baseline="30000" dirty="0">
+                <a:sym typeface="Wingdings" pitchFamily="2" charset="2"/>
+              </a:rPr>
+              <a:t>-1</a:t>
+            </a:r>
+            <a:r>
+              <a:rPr lang="es-ES_tradnl" dirty="0">
+                <a:sym typeface="Wingdings" pitchFamily="2" charset="2"/>
+              </a:rPr>
+              <a:t> * 1 + 2</a:t>
+            </a:r>
+            <a:r>
+              <a:rPr lang="es-ES_tradnl" baseline="30000" dirty="0">
+                <a:sym typeface="Wingdings" pitchFamily="2" charset="2"/>
+              </a:rPr>
+              <a:t>-2</a:t>
+            </a:r>
+            <a:r>
+              <a:rPr lang="es-ES_tradnl" dirty="0">
+                <a:sym typeface="Wingdings" pitchFamily="2" charset="2"/>
+              </a:rPr>
+              <a:t> * 1 + 2 </a:t>
+            </a:r>
+            <a:r>
+              <a:rPr lang="es-ES_tradnl" baseline="30000" dirty="0">
+                <a:sym typeface="Wingdings" pitchFamily="2" charset="2"/>
+              </a:rPr>
+              <a:t>-3</a:t>
+            </a:r>
+            <a:r>
+              <a:rPr lang="es-ES_tradnl" dirty="0">
+                <a:sym typeface="Wingdings" pitchFamily="2" charset="2"/>
+              </a:rPr>
+              <a:t> * 0</a:t>
+            </a:r>
+          </a:p>
+          <a:p>
+            <a:pPr lvl="2"/>
+            <a:r>
+              <a:rPr lang="es-ES_tradnl" dirty="0">
+                <a:sym typeface="Wingdings" pitchFamily="2" charset="2"/>
+              </a:rPr>
+              <a:t>0,5 * 1 + 0,25 * 1 + 0,125 * 0</a:t>
+            </a:r>
+            <a:endParaRPr lang="en-US" dirty="0"/>
+          </a:p>
+        </p:txBody>
+      </p:sp>
+    </p:spTree>
+    <p:extLst>
+      <p:ext uri="{BB962C8B-B14F-4D97-AF65-F5344CB8AC3E}">
+        <p14:creationId xmlns:p14="http://schemas.microsoft.com/office/powerpoint/2010/main" val="905050336"/>
+      </p:ext>
+    </p:extLst>
+  </p:cSld>
+  <p:clrMapOvr>
+    <a:masterClrMapping/>
+  </p:clrMapOvr>
+</p:sld>
+</file>
+
+<file path=ppt/slides/slide22.xml><?xml version="1.0" encoding="utf-8"?>
+<p:sld xmlns:a="http://schemas.openxmlformats.org/drawingml/2006/main" xmlns:r="http://schemas.openxmlformats.org/officeDocument/2006/relationships" xmlns:p="http://schemas.openxmlformats.org/presentationml/2006/main">
+  <p:cSld>
+    <p:spTree>
+      <p:nvGrpSpPr>
+        <p:cNvPr id="1" name=""/>
+        <p:cNvGrpSpPr/>
+        <p:nvPr/>
+      </p:nvGrpSpPr>
+      <p:grpSpPr>
+        <a:xfrm>
+          <a:off x="0" y="0"/>
+          <a:ext cx="0" cy="0"/>
+          <a:chOff x="0" y="0"/>
+          <a:chExt cx="0" cy="0"/>
+        </a:xfrm>
+      </p:grpSpPr>
+      <p:sp>
+        <p:nvSpPr>
+          <p:cNvPr id="2" name="1 Título"/>
+          <p:cNvSpPr>
+            <a:spLocks noGrp="1"/>
+          </p:cNvSpPr>
+          <p:nvPr>
+            <p:ph type="title"/>
+          </p:nvPr>
+        </p:nvSpPr>
+        <p:spPr/>
+        <p:txBody>
+          <a:bodyPr/>
+          <a:lstStyle/>
+          <a:p>
+            <a:r>
+              <a:rPr lang="es-ES_tradnl" dirty="0"/>
+              <a:t>Aritmética de punto flotante</a:t>
+            </a:r>
+            <a:endParaRPr lang="en-US" dirty="0"/>
+          </a:p>
+        </p:txBody>
+      </p:sp>
+      <p:pic>
+        <p:nvPicPr>
+          <p:cNvPr id="1026" name="Picture 2"/>
+          <p:cNvPicPr>
+            <a:picLocks noChangeAspect="1" noChangeArrowheads="1"/>
+          </p:cNvPicPr>
+          <p:nvPr/>
+        </p:nvPicPr>
+        <p:blipFill>
+          <a:blip r:embed="rId2" cstate="print"/>
+          <a:srcRect/>
+          <a:stretch>
+            <a:fillRect/>
+          </a:stretch>
+        </p:blipFill>
+        <p:spPr bwMode="auto">
+          <a:xfrm>
+            <a:off x="2941610" y="2509828"/>
+            <a:ext cx="7853419" cy="4638996"/>
+          </a:xfrm>
+          <a:prstGeom prst="rect">
+            <a:avLst/>
+          </a:prstGeom>
+          <a:noFill/>
+          <a:ln w="9525">
+            <a:noFill/>
+            <a:miter lim="800000"/>
+            <a:headEnd/>
+            <a:tailEnd/>
+          </a:ln>
+          <a:effectLst/>
+        </p:spPr>
+      </p:pic>
+      <p:sp>
+        <p:nvSpPr>
+          <p:cNvPr id="5" name="4 CuadroTexto"/>
+          <p:cNvSpPr txBox="1"/>
+          <p:nvPr/>
+        </p:nvSpPr>
+        <p:spPr>
+          <a:xfrm>
+            <a:off x="2779684" y="1862124"/>
+            <a:ext cx="3503716" cy="650499"/>
+          </a:xfrm>
+          <a:prstGeom prst="rect">
+            <a:avLst/>
+          </a:prstGeom>
+          <a:noFill/>
+        </p:spPr>
+        <p:txBody>
+          <a:bodyPr wrap="none" rtlCol="0">
+            <a:spAutoFit/>
+          </a:bodyPr>
+          <a:lstStyle/>
+          <a:p>
+            <a:r>
+              <a:rPr lang="es-ES_tradnl" sz="3627" dirty="0"/>
+              <a:t>Formato IEEE 754</a:t>
+            </a:r>
+            <a:endParaRPr lang="en-US" sz="3627" dirty="0"/>
+          </a:p>
+        </p:txBody>
+      </p:sp>
+    </p:spTree>
+    <p:extLst>
+      <p:ext uri="{BB962C8B-B14F-4D97-AF65-F5344CB8AC3E}">
+        <p14:creationId xmlns:p14="http://schemas.microsoft.com/office/powerpoint/2010/main" val="1730484224"/>
+      </p:ext>
+    </p:extLst>
+  </p:cSld>
+  <p:clrMapOvr>
+    <a:masterClrMapping/>
+  </p:clrMapOvr>
+</p:sld>
+</file>
+
+<file path=ppt/slides/slide23.xml><?xml version="1.0" encoding="utf-8"?>
+<p:sld xmlns:a="http://schemas.openxmlformats.org/drawingml/2006/main" xmlns:r="http://schemas.openxmlformats.org/officeDocument/2006/relationships" xmlns:p="http://schemas.openxmlformats.org/presentationml/2006/main">
+  <p:cSld>
+    <p:spTree>
+      <p:nvGrpSpPr>
+        <p:cNvPr id="1" name=""/>
+        <p:cNvGrpSpPr/>
+        <p:nvPr/>
+      </p:nvGrpSpPr>
+      <p:grpSpPr>
+        <a:xfrm>
+          <a:off x="0" y="0"/>
+          <a:ext cx="0" cy="0"/>
+          <a:chOff x="0" y="0"/>
+          <a:chExt cx="0" cy="0"/>
+        </a:xfrm>
+      </p:grpSpPr>
+      <p:sp>
+        <p:nvSpPr>
+          <p:cNvPr id="2" name="1 Título"/>
+          <p:cNvSpPr>
+            <a:spLocks noGrp="1"/>
+          </p:cNvSpPr>
+          <p:nvPr>
+            <p:ph type="title"/>
+          </p:nvPr>
+        </p:nvSpPr>
+        <p:spPr/>
+        <p:txBody>
+          <a:bodyPr/>
+          <a:lstStyle/>
+          <a:p>
+            <a:r>
+              <a:rPr lang="es-ES_tradnl" dirty="0"/>
+              <a:t>Aritmética de punto flotante</a:t>
+            </a:r>
+            <a:endParaRPr lang="en-US" dirty="0"/>
+          </a:p>
+        </p:txBody>
+      </p:sp>
       <p:pic>
         <p:nvPicPr>
           <p:cNvPr id="68610" name="Picture 2"/>
@@ -7861,7 +8311,7 @@
 </p:sld>
 </file>
 
-<file path=ppt/slides/slide21.xml><?xml version="1.0" encoding="utf-8"?>
+<file path=ppt/slides/slide24.xml><?xml version="1.0" encoding="utf-8"?>
 <p:sld xmlns:a="http://schemas.openxmlformats.org/drawingml/2006/main" xmlns:r="http://schemas.openxmlformats.org/officeDocument/2006/relationships" xmlns:p="http://schemas.openxmlformats.org/presentationml/2006/main">
   <p:cSld>
     <p:spTree>
@@ -8000,7 +8450,7 @@
 </p:sld>
 </file>
 
-<file path=ppt/slides/slide22.xml><?xml version="1.0" encoding="utf-8"?>
+<file path=ppt/slides/slide25.xml><?xml version="1.0" encoding="utf-8"?>
 <p:sld xmlns:a="http://schemas.openxmlformats.org/drawingml/2006/main" xmlns:r="http://schemas.openxmlformats.org/officeDocument/2006/relationships" xmlns:p="http://schemas.openxmlformats.org/presentationml/2006/main">
   <p:cSld>
     <p:spTree>
@@ -8096,7 +8546,7 @@
 </p:sld>
 </file>
 
-<file path=ppt/slides/slide23.xml><?xml version="1.0" encoding="utf-8"?>
+<file path=ppt/slides/slide26.xml><?xml version="1.0" encoding="utf-8"?>
 <p:sld xmlns:a="http://schemas.openxmlformats.org/drawingml/2006/main" xmlns:r="http://schemas.openxmlformats.org/officeDocument/2006/relationships" xmlns:p="http://schemas.openxmlformats.org/presentationml/2006/main">
   <p:cSld>
     <p:spTree>

--- a/Slides/3_Aritmetica_del_computador.pptx
+++ b/Slides/3_Aritmetica_del_computador.pptx
@@ -156,7 +156,7 @@
   <pc:docChgLst>
     <pc:chgData name="Cesar Augusto Lopez Gallego" userId="0dfa9112-9251-4882-b472-cf2dfcee09d1" providerId="ADAL" clId="{7555F657-D3C0-4200-86C9-4E788E09563A}"/>
     <pc:docChg chg="undo custSel addSld delSld modSld">
-      <pc:chgData name="Cesar Augusto Lopez Gallego" userId="0dfa9112-9251-4882-b472-cf2dfcee09d1" providerId="ADAL" clId="{7555F657-D3C0-4200-86C9-4E788E09563A}" dt="2025-07-23T23:04:52.972" v="970" actId="12"/>
+      <pc:chgData name="Cesar Augusto Lopez Gallego" userId="0dfa9112-9251-4882-b472-cf2dfcee09d1" providerId="ADAL" clId="{7555F657-D3C0-4200-86C9-4E788E09563A}" dt="2025-07-24T12:52:23.159" v="974" actId="1076"/>
       <pc:docMkLst>
         <pc:docMk/>
       </pc:docMkLst>
@@ -550,20 +550,28 @@
           </ac:spMkLst>
         </pc:spChg>
       </pc:sldChg>
-      <pc:sldChg chg="modSp add mod">
-        <pc:chgData name="Cesar Augusto Lopez Gallego" userId="0dfa9112-9251-4882-b472-cf2dfcee09d1" providerId="ADAL" clId="{7555F657-D3C0-4200-86C9-4E788E09563A}" dt="2025-07-23T23:04:52.972" v="970" actId="12"/>
+      <pc:sldChg chg="addSp delSp modSp add mod">
+        <pc:chgData name="Cesar Augusto Lopez Gallego" userId="0dfa9112-9251-4882-b472-cf2dfcee09d1" providerId="ADAL" clId="{7555F657-D3C0-4200-86C9-4E788E09563A}" dt="2025-07-24T12:52:23.159" v="974" actId="1076"/>
         <pc:sldMkLst>
           <pc:docMk/>
           <pc:sldMk cId="2907511462" sldId="447"/>
         </pc:sldMkLst>
-        <pc:spChg chg="mod">
-          <ac:chgData name="Cesar Augusto Lopez Gallego" userId="0dfa9112-9251-4882-b472-cf2dfcee09d1" providerId="ADAL" clId="{7555F657-D3C0-4200-86C9-4E788E09563A}" dt="2025-07-23T23:04:52.972" v="970" actId="12"/>
+        <pc:spChg chg="del mod">
+          <ac:chgData name="Cesar Augusto Lopez Gallego" userId="0dfa9112-9251-4882-b472-cf2dfcee09d1" providerId="ADAL" clId="{7555F657-D3C0-4200-86C9-4E788E09563A}" dt="2025-07-24T12:52:17.742" v="971" actId="478"/>
           <ac:spMkLst>
             <pc:docMk/>
             <pc:sldMk cId="2907511462" sldId="447"/>
             <ac:spMk id="6" creationId="{D6003260-3B65-4A40-91E5-986E0CF0C4D2}"/>
           </ac:spMkLst>
         </pc:spChg>
+        <pc:picChg chg="add mod">
+          <ac:chgData name="Cesar Augusto Lopez Gallego" userId="0dfa9112-9251-4882-b472-cf2dfcee09d1" providerId="ADAL" clId="{7555F657-D3C0-4200-86C9-4E788E09563A}" dt="2025-07-24T12:52:23.159" v="974" actId="1076"/>
+          <ac:picMkLst>
+            <pc:docMk/>
+            <pc:sldMk cId="2907511462" sldId="447"/>
+            <ac:picMk id="3" creationId="{F13A0EF9-A783-4EB5-BAD6-59F27F620549}"/>
+          </ac:picMkLst>
+        </pc:picChg>
       </pc:sldChg>
     </pc:docChg>
   </pc:docChgLst>
@@ -652,7 +660,7 @@
           <a:p>
             <a:fld id="{BDCF4082-7146-476A-B590-4447682ABE83}" type="datetimeFigureOut">
               <a:rPr lang="es-CO" smtClean="0"/>
-              <a:t>23/07/2025</a:t>
+              <a:t>24/07/2025</a:t>
             </a:fld>
             <a:endParaRPr lang="es-CO"/>
           </a:p>
@@ -1155,7 +1163,7 @@
           <a:p>
             <a:fld id="{6B86245D-015E-46AE-96CC-32E8A5E9A1DF}" type="datetimeFigureOut">
               <a:rPr lang="es-CO" smtClean="0"/>
-              <a:t>23/07/2025</a:t>
+              <a:t>24/07/2025</a:t>
             </a:fld>
             <a:endParaRPr lang="es-CO"/>
           </a:p>
@@ -1325,7 +1333,7 @@
           <a:p>
             <a:fld id="{6B86245D-015E-46AE-96CC-32E8A5E9A1DF}" type="datetimeFigureOut">
               <a:rPr lang="es-CO" smtClean="0"/>
-              <a:t>23/07/2025</a:t>
+              <a:t>24/07/2025</a:t>
             </a:fld>
             <a:endParaRPr lang="es-CO"/>
           </a:p>
@@ -1505,7 +1513,7 @@
           <a:p>
             <a:fld id="{6B86245D-015E-46AE-96CC-32E8A5E9A1DF}" type="datetimeFigureOut">
               <a:rPr lang="es-CO" smtClean="0"/>
-              <a:t>23/07/2025</a:t>
+              <a:t>24/07/2025</a:t>
             </a:fld>
             <a:endParaRPr lang="es-CO"/>
           </a:p>
@@ -1675,7 +1683,7 @@
           <a:p>
             <a:fld id="{6B86245D-015E-46AE-96CC-32E8A5E9A1DF}" type="datetimeFigureOut">
               <a:rPr lang="es-CO" smtClean="0"/>
-              <a:t>23/07/2025</a:t>
+              <a:t>24/07/2025</a:t>
             </a:fld>
             <a:endParaRPr lang="es-CO"/>
           </a:p>
@@ -1921,7 +1929,7 @@
           <a:p>
             <a:fld id="{6B86245D-015E-46AE-96CC-32E8A5E9A1DF}" type="datetimeFigureOut">
               <a:rPr lang="es-CO" smtClean="0"/>
-              <a:t>23/07/2025</a:t>
+              <a:t>24/07/2025</a:t>
             </a:fld>
             <a:endParaRPr lang="es-CO"/>
           </a:p>
@@ -2153,7 +2161,7 @@
           <a:p>
             <a:fld id="{6B86245D-015E-46AE-96CC-32E8A5E9A1DF}" type="datetimeFigureOut">
               <a:rPr lang="es-CO" smtClean="0"/>
-              <a:t>23/07/2025</a:t>
+              <a:t>24/07/2025</a:t>
             </a:fld>
             <a:endParaRPr lang="es-CO"/>
           </a:p>
@@ -2520,7 +2528,7 @@
           <a:p>
             <a:fld id="{6B86245D-015E-46AE-96CC-32E8A5E9A1DF}" type="datetimeFigureOut">
               <a:rPr lang="es-CO" smtClean="0"/>
-              <a:t>23/07/2025</a:t>
+              <a:t>24/07/2025</a:t>
             </a:fld>
             <a:endParaRPr lang="es-CO"/>
           </a:p>
@@ -2638,7 +2646,7 @@
           <a:p>
             <a:fld id="{6B86245D-015E-46AE-96CC-32E8A5E9A1DF}" type="datetimeFigureOut">
               <a:rPr lang="es-CO" smtClean="0"/>
-              <a:t>23/07/2025</a:t>
+              <a:t>24/07/2025</a:t>
             </a:fld>
             <a:endParaRPr lang="es-CO"/>
           </a:p>
@@ -2733,7 +2741,7 @@
           <a:p>
             <a:fld id="{6B86245D-015E-46AE-96CC-32E8A5E9A1DF}" type="datetimeFigureOut">
               <a:rPr lang="es-CO" smtClean="0"/>
-              <a:t>23/07/2025</a:t>
+              <a:t>24/07/2025</a:t>
             </a:fld>
             <a:endParaRPr lang="es-CO"/>
           </a:p>
@@ -3010,7 +3018,7 @@
           <a:p>
             <a:fld id="{6B86245D-015E-46AE-96CC-32E8A5E9A1DF}" type="datetimeFigureOut">
               <a:rPr lang="es-CO" smtClean="0"/>
-              <a:t>23/07/2025</a:t>
+              <a:t>24/07/2025</a:t>
             </a:fld>
             <a:endParaRPr lang="es-CO"/>
           </a:p>
@@ -3267,7 +3275,7 @@
           <a:p>
             <a:fld id="{6B86245D-015E-46AE-96CC-32E8A5E9A1DF}" type="datetimeFigureOut">
               <a:rPr lang="es-CO" smtClean="0"/>
-              <a:t>23/07/2025</a:t>
+              <a:t>24/07/2025</a:t>
             </a:fld>
             <a:endParaRPr lang="es-CO"/>
           </a:p>
@@ -3489,7 +3497,7 @@
           <a:p>
             <a:fld id="{6B86245D-015E-46AE-96CC-32E8A5E9A1DF}" type="datetimeFigureOut">
               <a:rPr lang="es-CO" smtClean="0"/>
-              <a:t>23/07/2025</a:t>
+              <a:t>24/07/2025</a:t>
             </a:fld>
             <a:endParaRPr lang="es-CO"/>
           </a:p>
@@ -6931,34 +6939,36 @@
           </a:p>
         </p:txBody>
       </p:sp>
-      <p:sp>
-        <p:nvSpPr>
-          <p:cNvPr id="6" name="Marcador de contenido 5">
+      <p:pic>
+        <p:nvPicPr>
+          <p:cNvPr id="3" name="Imagen 2">
             <a:extLst>
               <a:ext uri="{FF2B5EF4-FFF2-40B4-BE49-F238E27FC236}">
-                <a16:creationId xmlns:a16="http://schemas.microsoft.com/office/drawing/2014/main" id="{D6003260-3B65-4A40-91E5-986E0CF0C4D2}"/>
+                <a16:creationId xmlns:a16="http://schemas.microsoft.com/office/drawing/2014/main" id="{F13A0EF9-A783-4EB5-BAD6-59F27F620549}"/>
               </a:ext>
             </a:extLst>
           </p:cNvPr>
-          <p:cNvSpPr>
-            <a:spLocks noGrp="1"/>
-          </p:cNvSpPr>
-          <p:nvPr>
-            <p:ph idx="1"/>
-          </p:nvPr>
-        </p:nvSpPr>
-        <p:spPr/>
-        <p:txBody>
-          <a:bodyPr/>
-          <a:lstStyle/>
-          <a:p>
-            <a:pPr marL="0" indent="0">
-              <a:buNone/>
-            </a:pPr>
-            <a:endParaRPr lang="es-419" dirty="0"/>
-          </a:p>
-        </p:txBody>
-      </p:sp>
+          <p:cNvPicPr>
+            <a:picLocks noChangeAspect="1"/>
+          </p:cNvPicPr>
+          <p:nvPr/>
+        </p:nvPicPr>
+        <p:blipFill>
+          <a:blip r:embed="rId2"/>
+          <a:stretch>
+            <a:fillRect/>
+          </a:stretch>
+        </p:blipFill>
+        <p:spPr>
+          <a:xfrm>
+            <a:off x="949960" y="3017568"/>
+            <a:ext cx="11309068" cy="2835879"/>
+          </a:xfrm>
+          <a:prstGeom prst="rect">
+            <a:avLst/>
+          </a:prstGeom>
+        </p:spPr>
+      </p:pic>
     </p:spTree>
     <p:extLst>
       <p:ext uri="{BB962C8B-B14F-4D97-AF65-F5344CB8AC3E}">

--- a/Slides/3_Aritmetica_del_computador.pptx
+++ b/Slides/3_Aritmetica_del_computador.pptx
@@ -153,6 +153,38 @@
 
 <file path=ppt/changesInfos/changesInfo1.xml><?xml version="1.0" encoding="utf-8"?>
 <pc:chgInfo xmlns:a="http://schemas.openxmlformats.org/drawingml/2006/main" xmlns:r="http://schemas.openxmlformats.org/officeDocument/2006/relationships" xmlns:ac="http://schemas.microsoft.com/office/drawing/2013/main/command" xmlns:pc="http://schemas.microsoft.com/office/powerpoint/2013/main/command">
+  <pc:docChgLst>
+    <pc:chgData name="Cesar Augusto Lopez Gallego" userId="0dfa9112-9251-4882-b472-cf2dfcee09d1" providerId="ADAL" clId="{8C5D6EB3-9B17-4BAC-9194-DDD7848335FB}"/>
+    <pc:docChg chg="custSel modSld">
+      <pc:chgData name="Cesar Augusto Lopez Gallego" userId="0dfa9112-9251-4882-b472-cf2dfcee09d1" providerId="ADAL" clId="{8C5D6EB3-9B17-4BAC-9194-DDD7848335FB}" dt="2026-01-16T14:13:37.119" v="48" actId="20577"/>
+      <pc:docMkLst>
+        <pc:docMk/>
+      </pc:docMkLst>
+      <pc:sldChg chg="modSp mod">
+        <pc:chgData name="Cesar Augusto Lopez Gallego" userId="0dfa9112-9251-4882-b472-cf2dfcee09d1" providerId="ADAL" clId="{8C5D6EB3-9B17-4BAC-9194-DDD7848335FB}" dt="2026-01-16T14:13:37.119" v="48" actId="20577"/>
+        <pc:sldMkLst>
+          <pc:docMk/>
+          <pc:sldMk cId="2729201168" sldId="345"/>
+        </pc:sldMkLst>
+        <pc:spChg chg="mod">
+          <ac:chgData name="Cesar Augusto Lopez Gallego" userId="0dfa9112-9251-4882-b472-cf2dfcee09d1" providerId="ADAL" clId="{8C5D6EB3-9B17-4BAC-9194-DDD7848335FB}" dt="2026-01-16T14:13:37.119" v="48" actId="20577"/>
+          <ac:spMkLst>
+            <pc:docMk/>
+            <pc:sldMk cId="2729201168" sldId="345"/>
+            <ac:spMk id="5" creationId="{00000000-0000-0000-0000-000000000000}"/>
+          </ac:spMkLst>
+        </pc:spChg>
+        <pc:spChg chg="mod">
+          <ac:chgData name="Cesar Augusto Lopez Gallego" userId="0dfa9112-9251-4882-b472-cf2dfcee09d1" providerId="ADAL" clId="{8C5D6EB3-9B17-4BAC-9194-DDD7848335FB}" dt="2026-01-16T14:13:18.382" v="0" actId="20577"/>
+          <ac:spMkLst>
+            <pc:docMk/>
+            <pc:sldMk cId="2729201168" sldId="345"/>
+            <ac:spMk id="6" creationId="{00000000-0000-0000-0000-000000000000}"/>
+          </ac:spMkLst>
+        </pc:spChg>
+      </pc:sldChg>
+    </pc:docChg>
+  </pc:docChgLst>
   <pc:docChgLst>
     <pc:chgData name="Cesar Augusto Lopez Gallego" userId="0dfa9112-9251-4882-b472-cf2dfcee09d1" providerId="ADAL" clId="{7555F657-D3C0-4200-86C9-4E788E09563A}"/>
     <pc:docChg chg="undo custSel addSld delSld modSld">
@@ -660,7 +692,7 @@
           <a:p>
             <a:fld id="{BDCF4082-7146-476A-B590-4447682ABE83}" type="datetimeFigureOut">
               <a:rPr lang="es-CO" smtClean="0"/>
-              <a:t>24/07/2025</a:t>
+              <a:t>16/01/2026</a:t>
             </a:fld>
             <a:endParaRPr lang="es-CO"/>
           </a:p>
@@ -1163,7 +1195,7 @@
           <a:p>
             <a:fld id="{6B86245D-015E-46AE-96CC-32E8A5E9A1DF}" type="datetimeFigureOut">
               <a:rPr lang="es-CO" smtClean="0"/>
-              <a:t>24/07/2025</a:t>
+              <a:t>16/01/2026</a:t>
             </a:fld>
             <a:endParaRPr lang="es-CO"/>
           </a:p>
@@ -1333,7 +1365,7 @@
           <a:p>
             <a:fld id="{6B86245D-015E-46AE-96CC-32E8A5E9A1DF}" type="datetimeFigureOut">
               <a:rPr lang="es-CO" smtClean="0"/>
-              <a:t>24/07/2025</a:t>
+              <a:t>16/01/2026</a:t>
             </a:fld>
             <a:endParaRPr lang="es-CO"/>
           </a:p>
@@ -1513,7 +1545,7 @@
           <a:p>
             <a:fld id="{6B86245D-015E-46AE-96CC-32E8A5E9A1DF}" type="datetimeFigureOut">
               <a:rPr lang="es-CO" smtClean="0"/>
-              <a:t>24/07/2025</a:t>
+              <a:t>16/01/2026</a:t>
             </a:fld>
             <a:endParaRPr lang="es-CO"/>
           </a:p>
@@ -1683,7 +1715,7 @@
           <a:p>
             <a:fld id="{6B86245D-015E-46AE-96CC-32E8A5E9A1DF}" type="datetimeFigureOut">
               <a:rPr lang="es-CO" smtClean="0"/>
-              <a:t>24/07/2025</a:t>
+              <a:t>16/01/2026</a:t>
             </a:fld>
             <a:endParaRPr lang="es-CO"/>
           </a:p>
@@ -1929,7 +1961,7 @@
           <a:p>
             <a:fld id="{6B86245D-015E-46AE-96CC-32E8A5E9A1DF}" type="datetimeFigureOut">
               <a:rPr lang="es-CO" smtClean="0"/>
-              <a:t>24/07/2025</a:t>
+              <a:t>16/01/2026</a:t>
             </a:fld>
             <a:endParaRPr lang="es-CO"/>
           </a:p>
@@ -2161,7 +2193,7 @@
           <a:p>
             <a:fld id="{6B86245D-015E-46AE-96CC-32E8A5E9A1DF}" type="datetimeFigureOut">
               <a:rPr lang="es-CO" smtClean="0"/>
-              <a:t>24/07/2025</a:t>
+              <a:t>16/01/2026</a:t>
             </a:fld>
             <a:endParaRPr lang="es-CO"/>
           </a:p>
@@ -2528,7 +2560,7 @@
           <a:p>
             <a:fld id="{6B86245D-015E-46AE-96CC-32E8A5E9A1DF}" type="datetimeFigureOut">
               <a:rPr lang="es-CO" smtClean="0"/>
-              <a:t>24/07/2025</a:t>
+              <a:t>16/01/2026</a:t>
             </a:fld>
             <a:endParaRPr lang="es-CO"/>
           </a:p>
@@ -2646,7 +2678,7 @@
           <a:p>
             <a:fld id="{6B86245D-015E-46AE-96CC-32E8A5E9A1DF}" type="datetimeFigureOut">
               <a:rPr lang="es-CO" smtClean="0"/>
-              <a:t>24/07/2025</a:t>
+              <a:t>16/01/2026</a:t>
             </a:fld>
             <a:endParaRPr lang="es-CO"/>
           </a:p>
@@ -2741,7 +2773,7 @@
           <a:p>
             <a:fld id="{6B86245D-015E-46AE-96CC-32E8A5E9A1DF}" type="datetimeFigureOut">
               <a:rPr lang="es-CO" smtClean="0"/>
-              <a:t>24/07/2025</a:t>
+              <a:t>16/01/2026</a:t>
             </a:fld>
             <a:endParaRPr lang="es-CO"/>
           </a:p>
@@ -3018,7 +3050,7 @@
           <a:p>
             <a:fld id="{6B86245D-015E-46AE-96CC-32E8A5E9A1DF}" type="datetimeFigureOut">
               <a:rPr lang="es-CO" smtClean="0"/>
-              <a:t>24/07/2025</a:t>
+              <a:t>16/01/2026</a:t>
             </a:fld>
             <a:endParaRPr lang="es-CO"/>
           </a:p>
@@ -3275,7 +3307,7 @@
           <a:p>
             <a:fld id="{6B86245D-015E-46AE-96CC-32E8A5E9A1DF}" type="datetimeFigureOut">
               <a:rPr lang="es-CO" smtClean="0"/>
-              <a:t>24/07/2025</a:t>
+              <a:t>16/01/2026</a:t>
             </a:fld>
             <a:endParaRPr lang="es-CO"/>
           </a:p>
@@ -3497,7 +3529,7 @@
           <a:p>
             <a:fld id="{6B86245D-015E-46AE-96CC-32E8A5E9A1DF}" type="datetimeFigureOut">
               <a:rPr lang="es-CO" smtClean="0"/>
-              <a:t>24/07/2025</a:t>
+              <a:t>16/01/2026</a:t>
             </a:fld>
             <a:endParaRPr lang="es-CO"/>
           </a:p>
@@ -7546,7 +7578,7 @@
         </p:spPr>
         <p:txBody>
           <a:bodyPr vert="horz" lIns="91440" tIns="45720" rIns="91440" bIns="45720" rtlCol="0" anchor="ctr">
-            <a:normAutofit fontScale="55000" lnSpcReduction="20000"/>
+            <a:normAutofit fontScale="77500" lnSpcReduction="20000"/>
           </a:bodyPr>
           <a:lstStyle>
             <a:lvl1pPr algn="l" defTabSz="1036290" rtl="0" eaLnBrk="1" latinLnBrk="0" hangingPunct="1">
@@ -7571,7 +7603,7 @@
             <a:pPr algn="r"/>
             <a:r>
               <a:rPr lang="es-CO" dirty="0"/>
-              <a:t>Introducción a la ingeniería de sistemas e informática</a:t>
+              <a:t>Fundamentos de Programación</a:t>
             </a:r>
           </a:p>
           <a:p>
@@ -7624,10 +7656,7 @@
           </a:p>
           <a:p>
             <a:pPr algn="r"/>
-            <a:r>
-              <a:rPr lang="es-CO" dirty="0"/>
-              <a:t>2018</a:t>
-            </a:r>
+            <a:endParaRPr lang="es-CO" dirty="0"/>
           </a:p>
         </p:txBody>
       </p:sp>

--- a/Slides/3_Aritmetica_del_computador.pptx
+++ b/Slides/3_Aritmetica_del_computador.pptx
@@ -156,7 +156,7 @@
   <pc:docChgLst>
     <pc:chgData name="Cesar Augusto Lopez Gallego" userId="0dfa9112-9251-4882-b472-cf2dfcee09d1" providerId="ADAL" clId="{8C5D6EB3-9B17-4BAC-9194-DDD7848335FB}"/>
     <pc:docChg chg="custSel modSld">
-      <pc:chgData name="Cesar Augusto Lopez Gallego" userId="0dfa9112-9251-4882-b472-cf2dfcee09d1" providerId="ADAL" clId="{8C5D6EB3-9B17-4BAC-9194-DDD7848335FB}" dt="2026-01-16T14:13:37.119" v="48" actId="20577"/>
+      <pc:chgData name="Cesar Augusto Lopez Gallego" userId="0dfa9112-9251-4882-b472-cf2dfcee09d1" providerId="ADAL" clId="{8C5D6EB3-9B17-4BAC-9194-DDD7848335FB}" dt="2026-01-29T20:10:47.282" v="100" actId="20577"/>
       <pc:docMkLst>
         <pc:docMk/>
       </pc:docMkLst>
@@ -180,6 +180,21 @@
             <pc:docMk/>
             <pc:sldMk cId="2729201168" sldId="345"/>
             <ac:spMk id="6" creationId="{00000000-0000-0000-0000-000000000000}"/>
+          </ac:spMkLst>
+        </pc:spChg>
+      </pc:sldChg>
+      <pc:sldChg chg="modSp mod">
+        <pc:chgData name="Cesar Augusto Lopez Gallego" userId="0dfa9112-9251-4882-b472-cf2dfcee09d1" providerId="ADAL" clId="{8C5D6EB3-9B17-4BAC-9194-DDD7848335FB}" dt="2026-01-29T20:10:47.282" v="100" actId="20577"/>
+        <pc:sldMkLst>
+          <pc:docMk/>
+          <pc:sldMk cId="3875089031" sldId="445"/>
+        </pc:sldMkLst>
+        <pc:spChg chg="mod">
+          <ac:chgData name="Cesar Augusto Lopez Gallego" userId="0dfa9112-9251-4882-b472-cf2dfcee09d1" providerId="ADAL" clId="{8C5D6EB3-9B17-4BAC-9194-DDD7848335FB}" dt="2026-01-29T20:10:47.282" v="100" actId="20577"/>
+          <ac:spMkLst>
+            <pc:docMk/>
+            <pc:sldMk cId="3875089031" sldId="445"/>
+            <ac:spMk id="11" creationId="{F81BBCB8-1B4B-4D7F-A3ED-FA5881FC710C}"/>
           </ac:spMkLst>
         </pc:spChg>
       </pc:sldChg>
@@ -692,7 +707,7 @@
           <a:p>
             <a:fld id="{BDCF4082-7146-476A-B590-4447682ABE83}" type="datetimeFigureOut">
               <a:rPr lang="es-CO" smtClean="0"/>
-              <a:t>16/01/2026</a:t>
+              <a:t>29/01/2026</a:t>
             </a:fld>
             <a:endParaRPr lang="es-CO"/>
           </a:p>
@@ -1195,7 +1210,7 @@
           <a:p>
             <a:fld id="{6B86245D-015E-46AE-96CC-32E8A5E9A1DF}" type="datetimeFigureOut">
               <a:rPr lang="es-CO" smtClean="0"/>
-              <a:t>16/01/2026</a:t>
+              <a:t>29/01/2026</a:t>
             </a:fld>
             <a:endParaRPr lang="es-CO"/>
           </a:p>
@@ -1365,7 +1380,7 @@
           <a:p>
             <a:fld id="{6B86245D-015E-46AE-96CC-32E8A5E9A1DF}" type="datetimeFigureOut">
               <a:rPr lang="es-CO" smtClean="0"/>
-              <a:t>16/01/2026</a:t>
+              <a:t>29/01/2026</a:t>
             </a:fld>
             <a:endParaRPr lang="es-CO"/>
           </a:p>
@@ -1545,7 +1560,7 @@
           <a:p>
             <a:fld id="{6B86245D-015E-46AE-96CC-32E8A5E9A1DF}" type="datetimeFigureOut">
               <a:rPr lang="es-CO" smtClean="0"/>
-              <a:t>16/01/2026</a:t>
+              <a:t>29/01/2026</a:t>
             </a:fld>
             <a:endParaRPr lang="es-CO"/>
           </a:p>
@@ -1715,7 +1730,7 @@
           <a:p>
             <a:fld id="{6B86245D-015E-46AE-96CC-32E8A5E9A1DF}" type="datetimeFigureOut">
               <a:rPr lang="es-CO" smtClean="0"/>
-              <a:t>16/01/2026</a:t>
+              <a:t>29/01/2026</a:t>
             </a:fld>
             <a:endParaRPr lang="es-CO"/>
           </a:p>
@@ -1961,7 +1976,7 @@
           <a:p>
             <a:fld id="{6B86245D-015E-46AE-96CC-32E8A5E9A1DF}" type="datetimeFigureOut">
               <a:rPr lang="es-CO" smtClean="0"/>
-              <a:t>16/01/2026</a:t>
+              <a:t>29/01/2026</a:t>
             </a:fld>
             <a:endParaRPr lang="es-CO"/>
           </a:p>
@@ -2193,7 +2208,7 @@
           <a:p>
             <a:fld id="{6B86245D-015E-46AE-96CC-32E8A5E9A1DF}" type="datetimeFigureOut">
               <a:rPr lang="es-CO" smtClean="0"/>
-              <a:t>16/01/2026</a:t>
+              <a:t>29/01/2026</a:t>
             </a:fld>
             <a:endParaRPr lang="es-CO"/>
           </a:p>
@@ -2560,7 +2575,7 @@
           <a:p>
             <a:fld id="{6B86245D-015E-46AE-96CC-32E8A5E9A1DF}" type="datetimeFigureOut">
               <a:rPr lang="es-CO" smtClean="0"/>
-              <a:t>16/01/2026</a:t>
+              <a:t>29/01/2026</a:t>
             </a:fld>
             <a:endParaRPr lang="es-CO"/>
           </a:p>
@@ -2678,7 +2693,7 @@
           <a:p>
             <a:fld id="{6B86245D-015E-46AE-96CC-32E8A5E9A1DF}" type="datetimeFigureOut">
               <a:rPr lang="es-CO" smtClean="0"/>
-              <a:t>16/01/2026</a:t>
+              <a:t>29/01/2026</a:t>
             </a:fld>
             <a:endParaRPr lang="es-CO"/>
           </a:p>
@@ -2773,7 +2788,7 @@
           <a:p>
             <a:fld id="{6B86245D-015E-46AE-96CC-32E8A5E9A1DF}" type="datetimeFigureOut">
               <a:rPr lang="es-CO" smtClean="0"/>
-              <a:t>16/01/2026</a:t>
+              <a:t>29/01/2026</a:t>
             </a:fld>
             <a:endParaRPr lang="es-CO"/>
           </a:p>
@@ -3050,7 +3065,7 @@
           <a:p>
             <a:fld id="{6B86245D-015E-46AE-96CC-32E8A5E9A1DF}" type="datetimeFigureOut">
               <a:rPr lang="es-CO" smtClean="0"/>
-              <a:t>16/01/2026</a:t>
+              <a:t>29/01/2026</a:t>
             </a:fld>
             <a:endParaRPr lang="es-CO"/>
           </a:p>
@@ -3307,7 +3322,7 @@
           <a:p>
             <a:fld id="{6B86245D-015E-46AE-96CC-32E8A5E9A1DF}" type="datetimeFigureOut">
               <a:rPr lang="es-CO" smtClean="0"/>
-              <a:t>16/01/2026</a:t>
+              <a:t>29/01/2026</a:t>
             </a:fld>
             <a:endParaRPr lang="es-CO"/>
           </a:p>
@@ -3529,7 +3544,7 @@
           <a:p>
             <a:fld id="{6B86245D-015E-46AE-96CC-32E8A5E9A1DF}" type="datetimeFigureOut">
               <a:rPr lang="es-CO" smtClean="0"/>
-              <a:t>16/01/2026</a:t>
+              <a:t>29/01/2026</a:t>
             </a:fld>
             <a:endParaRPr lang="es-CO"/>
           </a:p>
@@ -6269,8 +6284,8 @@
         </p:nvSpPr>
         <p:spPr>
           <a:xfrm>
-            <a:off x="6249043" y="1372103"/>
-            <a:ext cx="5279341" cy="1631216"/>
+            <a:off x="4722471" y="1372103"/>
+            <a:ext cx="6805913" cy="1631216"/>
           </a:xfrm>
           <a:prstGeom prst="rect">
             <a:avLst/>
@@ -6306,9 +6321,26 @@
           <a:p>
             <a:pPr lvl="2"/>
             <a:r>
-              <a:rPr lang="es-CO" sz="2000" dirty="0"/>
-              <a:t>Se toma los bit de la longitud de la palabra para hallar el resultado en Ca2</a:t>
-            </a:r>
+              <a:rPr lang="es-CO" sz="2000" dirty="0">
+                <a:highlight>
+                  <a:srgbClr val="FFFF00"/>
+                </a:highlight>
+              </a:rPr>
+              <a:t>Para el resultado se toman los bit de la longitud de la palabra para obtener el resultado en Ca2 o </a:t>
+            </a:r>
+            <a:r>
+              <a:rPr lang="es-CO" sz="2000" dirty="0" err="1">
+                <a:highlight>
+                  <a:srgbClr val="FFFF00"/>
+                </a:highlight>
+              </a:rPr>
+              <a:t>Overflow</a:t>
+            </a:r>
+            <a:endParaRPr lang="es-CO" sz="2000" dirty="0">
+              <a:highlight>
+                <a:srgbClr val="FFFF00"/>
+              </a:highlight>
+            </a:endParaRPr>
           </a:p>
         </p:txBody>
       </p:sp>
